--- a/presentations/03-uml-class-diagramming.pptx
+++ b/presentations/03-uml-class-diagramming.pptx
@@ -5,12 +5,38 @@
     <p:sldMasterId id="2147483738" r:id="rId1"/>
   </p:sldMasterIdLst>
   <p:notesMasterIdLst>
-    <p:notesMasterId r:id="rId5"/>
+    <p:notesMasterId r:id="rId31"/>
   </p:notesMasterIdLst>
   <p:sldIdLst>
     <p:sldId id="256" r:id="rId2"/>
     <p:sldId id="257" r:id="rId3"/>
     <p:sldId id="258" r:id="rId4"/>
+    <p:sldId id="259" r:id="rId5"/>
+    <p:sldId id="260" r:id="rId6"/>
+    <p:sldId id="261" r:id="rId7"/>
+    <p:sldId id="262" r:id="rId8"/>
+    <p:sldId id="263" r:id="rId9"/>
+    <p:sldId id="264" r:id="rId10"/>
+    <p:sldId id="265" r:id="rId11"/>
+    <p:sldId id="278" r:id="rId12"/>
+    <p:sldId id="279" r:id="rId13"/>
+    <p:sldId id="280" r:id="rId14"/>
+    <p:sldId id="281" r:id="rId15"/>
+    <p:sldId id="266" r:id="rId16"/>
+    <p:sldId id="267" r:id="rId17"/>
+    <p:sldId id="277" r:id="rId18"/>
+    <p:sldId id="268" r:id="rId19"/>
+    <p:sldId id="269" r:id="rId20"/>
+    <p:sldId id="270" r:id="rId21"/>
+    <p:sldId id="271" r:id="rId22"/>
+    <p:sldId id="272" r:id="rId23"/>
+    <p:sldId id="282" r:id="rId24"/>
+    <p:sldId id="283" r:id="rId25"/>
+    <p:sldId id="273" r:id="rId26"/>
+    <p:sldId id="284" r:id="rId27"/>
+    <p:sldId id="274" r:id="rId28"/>
+    <p:sldId id="276" r:id="rId29"/>
+    <p:sldId id="275" r:id="rId30"/>
   </p:sldIdLst>
   <p:sldSz cx="12192000" cy="6858000"/>
   <p:notesSz cx="6858000" cy="9144000"/>
@@ -109,6 +135,11 @@
       </a:defRPr>
     </a:lvl9pPr>
   </p:defaultTextStyle>
+  <p:extLst>
+    <p:ext uri="{EFAFB233-063F-42B5-8137-9DF3F51BA10A}">
+      <p15:sldGuideLst xmlns:p15="http://schemas.microsoft.com/office/powerpoint/2012/main"/>
+    </p:ext>
+  </p:extLst>
 </p:presentation>
 </file>
 
@@ -161,7 +192,7 @@
             </a:lvl1pPr>
           </a:lstStyle>
           <a:p>
-            <a:endParaRPr lang="en-US"/>
+            <a:endParaRPr lang="en-US" dirty="0"/>
           </a:p>
         </p:txBody>
       </p:sp>
@@ -194,9 +225,9 @@
           <a:p>
             <a:fld id="{FE33D4BE-7DE6-614E-92F9-C07E4CF9ED70}" type="datetimeFigureOut">
               <a:rPr lang="en-US" smtClean="0"/>
-              <a:t>1/20/26</a:t>
+              <a:t>1/26/26</a:t>
             </a:fld>
-            <a:endParaRPr lang="en-US"/>
+            <a:endParaRPr lang="en-US" dirty="0"/>
           </a:p>
         </p:txBody>
       </p:sp>
@@ -229,7 +260,7 @@
           <a:bodyPr vert="horz" lIns="91440" tIns="45720" rIns="91440" bIns="45720" rtlCol="0" anchor="ctr"/>
           <a:lstStyle/>
           <a:p>
-            <a:endParaRPr lang="en-US"/>
+            <a:endParaRPr lang="en-US" dirty="0"/>
           </a:p>
         </p:txBody>
       </p:sp>
@@ -319,7 +350,7 @@
             </a:lvl1pPr>
           </a:lstStyle>
           <a:p>
-            <a:endParaRPr lang="en-US"/>
+            <a:endParaRPr lang="en-US" dirty="0"/>
           </a:p>
         </p:txBody>
       </p:sp>
@@ -354,7 +385,7 @@
               <a:rPr lang="en-US" smtClean="0"/>
               <a:t>‹#›</a:t>
             </a:fld>
-            <a:endParaRPr lang="en-US"/>
+            <a:endParaRPr lang="en-US" dirty="0"/>
           </a:p>
         </p:txBody>
       </p:sp>
@@ -461,6 +492,1834 @@
 </p:notesMaster>
 </file>
 
+<file path=ppt/notesSlides/notesSlide1.xml><?xml version="1.0" encoding="utf-8"?>
+<p:notes xmlns:a="http://schemas.openxmlformats.org/drawingml/2006/main" xmlns:r="http://schemas.openxmlformats.org/officeDocument/2006/relationships" xmlns:p="http://schemas.openxmlformats.org/presentationml/2006/main">
+  <p:cSld>
+    <p:spTree>
+      <p:nvGrpSpPr>
+        <p:cNvPr id="1" name=""/>
+        <p:cNvGrpSpPr/>
+        <p:nvPr/>
+      </p:nvGrpSpPr>
+      <p:grpSpPr>
+        <a:xfrm>
+          <a:off x="0" y="0"/>
+          <a:ext cx="0" cy="0"/>
+          <a:chOff x="0" y="0"/>
+          <a:chExt cx="0" cy="0"/>
+        </a:xfrm>
+      </p:grpSpPr>
+      <p:sp>
+        <p:nvSpPr>
+          <p:cNvPr id="2" name="Slide Image Placeholder 1"/>
+          <p:cNvSpPr>
+            <a:spLocks noGrp="1" noRot="1" noChangeAspect="1"/>
+          </p:cNvSpPr>
+          <p:nvPr>
+            <p:ph type="sldImg" idx="2"/>
+          </p:nvPr>
+        </p:nvSpPr>
+        <p:spPr/>
+      </p:sp>
+      <p:sp>
+        <p:nvSpPr>
+          <p:cNvPr id="3" name="Notes Placeholder 2"/>
+          <p:cNvSpPr>
+            <a:spLocks noGrp="1"/>
+          </p:cNvSpPr>
+          <p:nvPr>
+            <p:ph type="body" sz="quarter" idx="3"/>
+          </p:nvPr>
+        </p:nvSpPr>
+        <p:spPr/>
+        <p:txBody>
+          <a:bodyPr/>
+          <a:lstStyle/>
+          <a:p>
+            <a:r>
+              <a:rPr dirty="0"/>
+              <a:t>Open by setting expectations. This lecture is not about syntax memorization. Students already know how to read documentation. The goal here is to show why class diagrams are valuable for thinking about design, communicating ideas, and defending decisions.</a:t>
+            </a:r>
+          </a:p>
+        </p:txBody>
+      </p:sp>
+      <p:sp>
+        <p:nvSpPr>
+          <p:cNvPr id="4" name="Slide Number Placeholder 3"/>
+          <p:cNvSpPr>
+            <a:spLocks noGrp="1"/>
+          </p:cNvSpPr>
+          <p:nvPr>
+            <p:ph type="sldNum" sz="quarter" idx="5"/>
+          </p:nvPr>
+        </p:nvSpPr>
+        <p:spPr/>
+      </p:sp>
+    </p:spTree>
+  </p:cSld>
+  <p:clrMapOvr>
+    <a:masterClrMapping/>
+  </p:clrMapOvr>
+</p:notes>
+</file>
+
+<file path=ppt/notesSlides/notesSlide10.xml><?xml version="1.0" encoding="utf-8"?>
+<p:notes xmlns:a="http://schemas.openxmlformats.org/drawingml/2006/main" xmlns:r="http://schemas.openxmlformats.org/officeDocument/2006/relationships" xmlns:p="http://schemas.openxmlformats.org/presentationml/2006/main">
+  <p:cSld>
+    <p:spTree>
+      <p:nvGrpSpPr>
+        <p:cNvPr id="1" name="">
+          <a:extLst>
+            <a:ext uri="{FF2B5EF4-FFF2-40B4-BE49-F238E27FC236}">
+              <a16:creationId xmlns:a16="http://schemas.microsoft.com/office/drawing/2014/main" id="{D6630A00-76B5-07BF-E2D8-9B6572ECF8FE}"/>
+            </a:ext>
+          </a:extLst>
+        </p:cNvPr>
+        <p:cNvGrpSpPr/>
+        <p:nvPr/>
+      </p:nvGrpSpPr>
+      <p:grpSpPr>
+        <a:xfrm>
+          <a:off x="0" y="0"/>
+          <a:ext cx="0" cy="0"/>
+          <a:chOff x="0" y="0"/>
+          <a:chExt cx="0" cy="0"/>
+        </a:xfrm>
+      </p:grpSpPr>
+      <p:sp>
+        <p:nvSpPr>
+          <p:cNvPr id="2" name="Slide Image Placeholder 1">
+            <a:extLst>
+              <a:ext uri="{FF2B5EF4-FFF2-40B4-BE49-F238E27FC236}">
+                <a16:creationId xmlns:a16="http://schemas.microsoft.com/office/drawing/2014/main" id="{57C80496-6A01-0C63-109B-9701C726B706}"/>
+              </a:ext>
+            </a:extLst>
+          </p:cNvPr>
+          <p:cNvSpPr>
+            <a:spLocks noGrp="1" noRot="1" noChangeAspect="1"/>
+          </p:cNvSpPr>
+          <p:nvPr>
+            <p:ph type="sldImg" idx="2"/>
+          </p:nvPr>
+        </p:nvSpPr>
+        <p:spPr/>
+      </p:sp>
+      <p:sp>
+        <p:nvSpPr>
+          <p:cNvPr id="3" name="Notes Placeholder 2">
+            <a:extLst>
+              <a:ext uri="{FF2B5EF4-FFF2-40B4-BE49-F238E27FC236}">
+                <a16:creationId xmlns:a16="http://schemas.microsoft.com/office/drawing/2014/main" id="{D749104B-2CC7-8993-882F-19AB3F074B97}"/>
+              </a:ext>
+            </a:extLst>
+          </p:cNvPr>
+          <p:cNvSpPr>
+            <a:spLocks noGrp="1"/>
+          </p:cNvSpPr>
+          <p:nvPr>
+            <p:ph type="body" sz="quarter" idx="3"/>
+          </p:nvPr>
+        </p:nvSpPr>
+        <p:spPr/>
+        <p:txBody>
+          <a:bodyPr/>
+          <a:lstStyle/>
+          <a:p>
+            <a:r>
+              <a:rPr dirty="0"/>
+              <a:t>Reinforce OO principles here. Interfaces describe capability without commitment. Diagrams make this distinction obvious and visible.</a:t>
+            </a:r>
+          </a:p>
+        </p:txBody>
+      </p:sp>
+      <p:sp>
+        <p:nvSpPr>
+          <p:cNvPr id="4" name="Slide Number Placeholder 3">
+            <a:extLst>
+              <a:ext uri="{FF2B5EF4-FFF2-40B4-BE49-F238E27FC236}">
+                <a16:creationId xmlns:a16="http://schemas.microsoft.com/office/drawing/2014/main" id="{985780CD-101D-FE75-CD92-3F3CF24AD242}"/>
+              </a:ext>
+            </a:extLst>
+          </p:cNvPr>
+          <p:cNvSpPr>
+            <a:spLocks noGrp="1"/>
+          </p:cNvSpPr>
+          <p:nvPr>
+            <p:ph type="sldNum" sz="quarter" idx="5"/>
+          </p:nvPr>
+        </p:nvSpPr>
+        <p:spPr/>
+      </p:sp>
+    </p:spTree>
+    <p:extLst>
+      <p:ext uri="{BB962C8B-B14F-4D97-AF65-F5344CB8AC3E}">
+        <p14:creationId xmlns:p14="http://schemas.microsoft.com/office/powerpoint/2010/main" val="2974063214"/>
+      </p:ext>
+    </p:extLst>
+  </p:cSld>
+  <p:clrMapOvr>
+    <a:masterClrMapping/>
+  </p:clrMapOvr>
+</p:notes>
+</file>
+
+<file path=ppt/notesSlides/notesSlide11.xml><?xml version="1.0" encoding="utf-8"?>
+<p:notes xmlns:a="http://schemas.openxmlformats.org/drawingml/2006/main" xmlns:r="http://schemas.openxmlformats.org/officeDocument/2006/relationships" xmlns:p="http://schemas.openxmlformats.org/presentationml/2006/main">
+  <p:cSld>
+    <p:spTree>
+      <p:nvGrpSpPr>
+        <p:cNvPr id="1" name=""/>
+        <p:cNvGrpSpPr/>
+        <p:nvPr/>
+      </p:nvGrpSpPr>
+      <p:grpSpPr>
+        <a:xfrm>
+          <a:off x="0" y="0"/>
+          <a:ext cx="0" cy="0"/>
+          <a:chOff x="0" y="0"/>
+          <a:chExt cx="0" cy="0"/>
+        </a:xfrm>
+      </p:grpSpPr>
+      <p:sp>
+        <p:nvSpPr>
+          <p:cNvPr id="2" name="Slide Image Placeholder 1"/>
+          <p:cNvSpPr>
+            <a:spLocks noGrp="1" noRot="1" noChangeAspect="1"/>
+          </p:cNvSpPr>
+          <p:nvPr>
+            <p:ph type="sldImg" idx="2"/>
+          </p:nvPr>
+        </p:nvSpPr>
+        <p:spPr/>
+      </p:sp>
+      <p:sp>
+        <p:nvSpPr>
+          <p:cNvPr id="3" name="Notes Placeholder 2"/>
+          <p:cNvSpPr>
+            <a:spLocks noGrp="1"/>
+          </p:cNvSpPr>
+          <p:nvPr>
+            <p:ph type="body" sz="quarter" idx="3"/>
+          </p:nvPr>
+        </p:nvSpPr>
+        <p:spPr/>
+        <p:txBody>
+          <a:bodyPr/>
+          <a:lstStyle/>
+          <a:p>
+            <a:r>
+              <a:rPr dirty="0"/>
+              <a:t>Patterns like Strategy and Observer become much clearer when interfaces are visible and not hidden behind concrete implementations.</a:t>
+            </a:r>
+          </a:p>
+        </p:txBody>
+      </p:sp>
+      <p:sp>
+        <p:nvSpPr>
+          <p:cNvPr id="4" name="Slide Number Placeholder 3"/>
+          <p:cNvSpPr>
+            <a:spLocks noGrp="1"/>
+          </p:cNvSpPr>
+          <p:nvPr>
+            <p:ph type="sldNum" sz="quarter" idx="5"/>
+          </p:nvPr>
+        </p:nvSpPr>
+        <p:spPr/>
+      </p:sp>
+    </p:spTree>
+  </p:cSld>
+  <p:clrMapOvr>
+    <a:masterClrMapping/>
+  </p:clrMapOvr>
+</p:notes>
+</file>
+
+<file path=ppt/notesSlides/notesSlide12.xml><?xml version="1.0" encoding="utf-8"?>
+<p:notes xmlns:a="http://schemas.openxmlformats.org/drawingml/2006/main" xmlns:r="http://schemas.openxmlformats.org/officeDocument/2006/relationships" xmlns:p="http://schemas.openxmlformats.org/presentationml/2006/main">
+  <p:cSld>
+    <p:spTree>
+      <p:nvGrpSpPr>
+        <p:cNvPr id="1" name=""/>
+        <p:cNvGrpSpPr/>
+        <p:nvPr/>
+      </p:nvGrpSpPr>
+      <p:grpSpPr>
+        <a:xfrm>
+          <a:off x="0" y="0"/>
+          <a:ext cx="0" cy="0"/>
+          <a:chOff x="0" y="0"/>
+          <a:chExt cx="0" cy="0"/>
+        </a:xfrm>
+      </p:grpSpPr>
+      <p:sp>
+        <p:nvSpPr>
+          <p:cNvPr id="2" name="Slide Image Placeholder 1"/>
+          <p:cNvSpPr>
+            <a:spLocks noGrp="1" noRot="1" noChangeAspect="1"/>
+          </p:cNvSpPr>
+          <p:nvPr>
+            <p:ph type="sldImg" idx="2"/>
+          </p:nvPr>
+        </p:nvSpPr>
+        <p:spPr/>
+      </p:sp>
+      <p:sp>
+        <p:nvSpPr>
+          <p:cNvPr id="3" name="Notes Placeholder 2"/>
+          <p:cNvSpPr>
+            <a:spLocks noGrp="1"/>
+          </p:cNvSpPr>
+          <p:nvPr>
+            <p:ph type="body" sz="quarter" idx="3"/>
+          </p:nvPr>
+        </p:nvSpPr>
+        <p:spPr/>
+        <p:txBody>
+          <a:bodyPr/>
+          <a:lstStyle/>
+          <a:p>
+            <a:r>
+              <a:rPr dirty="0"/>
+              <a:t>Stress that good diagrams are selective. You diagram what matters for the decision you are discussing, not everything that exists.</a:t>
+            </a:r>
+          </a:p>
+        </p:txBody>
+      </p:sp>
+      <p:sp>
+        <p:nvSpPr>
+          <p:cNvPr id="4" name="Slide Number Placeholder 3"/>
+          <p:cNvSpPr>
+            <a:spLocks noGrp="1"/>
+          </p:cNvSpPr>
+          <p:nvPr>
+            <p:ph type="sldNum" sz="quarter" idx="5"/>
+          </p:nvPr>
+        </p:nvSpPr>
+        <p:spPr/>
+      </p:sp>
+    </p:spTree>
+  </p:cSld>
+  <p:clrMapOvr>
+    <a:masterClrMapping/>
+  </p:clrMapOvr>
+</p:notes>
+</file>
+
+<file path=ppt/notesSlides/notesSlide13.xml><?xml version="1.0" encoding="utf-8"?>
+<p:notes xmlns:a="http://schemas.openxmlformats.org/drawingml/2006/main" xmlns:r="http://schemas.openxmlformats.org/officeDocument/2006/relationships" xmlns:p="http://schemas.openxmlformats.org/presentationml/2006/main">
+  <p:cSld>
+    <p:spTree>
+      <p:nvGrpSpPr>
+        <p:cNvPr id="1" name=""/>
+        <p:cNvGrpSpPr/>
+        <p:nvPr/>
+      </p:nvGrpSpPr>
+      <p:grpSpPr>
+        <a:xfrm>
+          <a:off x="0" y="0"/>
+          <a:ext cx="0" cy="0"/>
+          <a:chOff x="0" y="0"/>
+          <a:chExt cx="0" cy="0"/>
+        </a:xfrm>
+      </p:grpSpPr>
+      <p:sp>
+        <p:nvSpPr>
+          <p:cNvPr id="2" name="Slide Image Placeholder 1"/>
+          <p:cNvSpPr>
+            <a:spLocks noGrp="1" noRot="1" noChangeAspect="1"/>
+          </p:cNvSpPr>
+          <p:nvPr>
+            <p:ph type="sldImg" idx="2"/>
+          </p:nvPr>
+        </p:nvSpPr>
+        <p:spPr/>
+      </p:sp>
+      <p:sp>
+        <p:nvSpPr>
+          <p:cNvPr id="3" name="Notes Placeholder 2"/>
+          <p:cNvSpPr>
+            <a:spLocks noGrp="1"/>
+          </p:cNvSpPr>
+          <p:nvPr>
+            <p:ph type="body" sz="quarter" idx="3"/>
+          </p:nvPr>
+        </p:nvSpPr>
+        <p:spPr/>
+        <p:txBody>
+          <a:bodyPr/>
+          <a:lstStyle/>
+          <a:p>
+            <a:r>
+              <a:rPr dirty="0"/>
+              <a:t>Reading code is serial and slow. Diagrams allow parallel understanding and quicker agreement or disagreement during reviews.</a:t>
+            </a:r>
+          </a:p>
+        </p:txBody>
+      </p:sp>
+      <p:sp>
+        <p:nvSpPr>
+          <p:cNvPr id="4" name="Slide Number Placeholder 3"/>
+          <p:cNvSpPr>
+            <a:spLocks noGrp="1"/>
+          </p:cNvSpPr>
+          <p:nvPr>
+            <p:ph type="sldNum" sz="quarter" idx="5"/>
+          </p:nvPr>
+        </p:nvSpPr>
+        <p:spPr/>
+      </p:sp>
+    </p:spTree>
+  </p:cSld>
+  <p:clrMapOvr>
+    <a:masterClrMapping/>
+  </p:clrMapOvr>
+</p:notes>
+</file>
+
+<file path=ppt/notesSlides/notesSlide14.xml><?xml version="1.0" encoding="utf-8"?>
+<p:notes xmlns:a="http://schemas.openxmlformats.org/drawingml/2006/main" xmlns:r="http://schemas.openxmlformats.org/officeDocument/2006/relationships" xmlns:p="http://schemas.openxmlformats.org/presentationml/2006/main">
+  <p:cSld>
+    <p:spTree>
+      <p:nvGrpSpPr>
+        <p:cNvPr id="1" name=""/>
+        <p:cNvGrpSpPr/>
+        <p:nvPr/>
+      </p:nvGrpSpPr>
+      <p:grpSpPr>
+        <a:xfrm>
+          <a:off x="0" y="0"/>
+          <a:ext cx="0" cy="0"/>
+          <a:chOff x="0" y="0"/>
+          <a:chExt cx="0" cy="0"/>
+        </a:xfrm>
+      </p:grpSpPr>
+      <p:sp>
+        <p:nvSpPr>
+          <p:cNvPr id="2" name="Slide Image Placeholder 1"/>
+          <p:cNvSpPr>
+            <a:spLocks noGrp="1" noRot="1" noChangeAspect="1"/>
+          </p:cNvSpPr>
+          <p:nvPr>
+            <p:ph type="sldImg" idx="2"/>
+          </p:nvPr>
+        </p:nvSpPr>
+        <p:spPr/>
+      </p:sp>
+      <p:sp>
+        <p:nvSpPr>
+          <p:cNvPr id="3" name="Notes Placeholder 2"/>
+          <p:cNvSpPr>
+            <a:spLocks noGrp="1"/>
+          </p:cNvSpPr>
+          <p:nvPr>
+            <p:ph type="body" sz="quarter" idx="3"/>
+          </p:nvPr>
+        </p:nvSpPr>
+        <p:spPr/>
+        <p:txBody>
+          <a:bodyPr/>
+          <a:lstStyle/>
+          <a:p>
+            <a:r>
+              <a:rPr dirty="0"/>
+              <a:t>Talk about using diagrams in PRs or design reviews to explain why something is built a certain way instead of arguing line-by-line in code.</a:t>
+            </a:r>
+          </a:p>
+        </p:txBody>
+      </p:sp>
+      <p:sp>
+        <p:nvSpPr>
+          <p:cNvPr id="4" name="Slide Number Placeholder 3"/>
+          <p:cNvSpPr>
+            <a:spLocks noGrp="1"/>
+          </p:cNvSpPr>
+          <p:nvPr>
+            <p:ph type="sldNum" sz="quarter" idx="5"/>
+          </p:nvPr>
+        </p:nvSpPr>
+        <p:spPr/>
+      </p:sp>
+    </p:spTree>
+  </p:cSld>
+  <p:clrMapOvr>
+    <a:masterClrMapping/>
+  </p:clrMapOvr>
+</p:notes>
+</file>
+
+<file path=ppt/notesSlides/notesSlide15.xml><?xml version="1.0" encoding="utf-8"?>
+<p:notes xmlns:a="http://schemas.openxmlformats.org/drawingml/2006/main" xmlns:r="http://schemas.openxmlformats.org/officeDocument/2006/relationships" xmlns:p="http://schemas.openxmlformats.org/presentationml/2006/main">
+  <p:cSld>
+    <p:spTree>
+      <p:nvGrpSpPr>
+        <p:cNvPr id="1" name=""/>
+        <p:cNvGrpSpPr/>
+        <p:nvPr/>
+      </p:nvGrpSpPr>
+      <p:grpSpPr>
+        <a:xfrm>
+          <a:off x="0" y="0"/>
+          <a:ext cx="0" cy="0"/>
+          <a:chOff x="0" y="0"/>
+          <a:chExt cx="0" cy="0"/>
+        </a:xfrm>
+      </p:grpSpPr>
+      <p:sp>
+        <p:nvSpPr>
+          <p:cNvPr id="2" name="Slide Image Placeholder 1"/>
+          <p:cNvSpPr>
+            <a:spLocks noGrp="1" noRot="1" noChangeAspect="1"/>
+          </p:cNvSpPr>
+          <p:nvPr>
+            <p:ph type="sldImg" idx="2"/>
+          </p:nvPr>
+        </p:nvSpPr>
+        <p:spPr/>
+      </p:sp>
+      <p:sp>
+        <p:nvSpPr>
+          <p:cNvPr id="3" name="Notes Placeholder 2"/>
+          <p:cNvSpPr>
+            <a:spLocks noGrp="1"/>
+          </p:cNvSpPr>
+          <p:nvPr>
+            <p:ph type="body" sz="quarter" idx="3"/>
+          </p:nvPr>
+        </p:nvSpPr>
+        <p:spPr/>
+        <p:txBody>
+          <a:bodyPr/>
+          <a:lstStyle/>
+          <a:p>
+            <a:r>
+              <a:rPr dirty="0"/>
+              <a:t>Each class box invites questions. Too many relationships often indicate too many responsibilities.</a:t>
+            </a:r>
+          </a:p>
+        </p:txBody>
+      </p:sp>
+      <p:sp>
+        <p:nvSpPr>
+          <p:cNvPr id="4" name="Slide Number Placeholder 3"/>
+          <p:cNvSpPr>
+            <a:spLocks noGrp="1"/>
+          </p:cNvSpPr>
+          <p:nvPr>
+            <p:ph type="sldNum" sz="quarter" idx="5"/>
+          </p:nvPr>
+        </p:nvSpPr>
+        <p:spPr/>
+      </p:sp>
+    </p:spTree>
+  </p:cSld>
+  <p:clrMapOvr>
+    <a:masterClrMapping/>
+  </p:clrMapOvr>
+</p:notes>
+</file>
+
+<file path=ppt/notesSlides/notesSlide16.xml><?xml version="1.0" encoding="utf-8"?>
+<p:notes xmlns:a="http://schemas.openxmlformats.org/drawingml/2006/main" xmlns:r="http://schemas.openxmlformats.org/officeDocument/2006/relationships" xmlns:p="http://schemas.openxmlformats.org/presentationml/2006/main">
+  <p:cSld>
+    <p:spTree>
+      <p:nvGrpSpPr>
+        <p:cNvPr id="1" name="">
+          <a:extLst>
+            <a:ext uri="{FF2B5EF4-FFF2-40B4-BE49-F238E27FC236}">
+              <a16:creationId xmlns:a16="http://schemas.microsoft.com/office/drawing/2014/main" id="{1D5F1192-0D9F-61E9-DEC4-FF2C3E53DC78}"/>
+            </a:ext>
+          </a:extLst>
+        </p:cNvPr>
+        <p:cNvGrpSpPr/>
+        <p:nvPr/>
+      </p:nvGrpSpPr>
+      <p:grpSpPr>
+        <a:xfrm>
+          <a:off x="0" y="0"/>
+          <a:ext cx="0" cy="0"/>
+          <a:chOff x="0" y="0"/>
+          <a:chExt cx="0" cy="0"/>
+        </a:xfrm>
+      </p:grpSpPr>
+      <p:sp>
+        <p:nvSpPr>
+          <p:cNvPr id="2" name="Slide Image Placeholder 1">
+            <a:extLst>
+              <a:ext uri="{FF2B5EF4-FFF2-40B4-BE49-F238E27FC236}">
+                <a16:creationId xmlns:a16="http://schemas.microsoft.com/office/drawing/2014/main" id="{91393C6F-0FE6-5336-CAA6-C5EB15B65766}"/>
+              </a:ext>
+            </a:extLst>
+          </p:cNvPr>
+          <p:cNvSpPr>
+            <a:spLocks noGrp="1" noRot="1" noChangeAspect="1"/>
+          </p:cNvSpPr>
+          <p:nvPr>
+            <p:ph type="sldImg" idx="2"/>
+          </p:nvPr>
+        </p:nvSpPr>
+        <p:spPr/>
+      </p:sp>
+      <p:sp>
+        <p:nvSpPr>
+          <p:cNvPr id="3" name="Notes Placeholder 2">
+            <a:extLst>
+              <a:ext uri="{FF2B5EF4-FFF2-40B4-BE49-F238E27FC236}">
+                <a16:creationId xmlns:a16="http://schemas.microsoft.com/office/drawing/2014/main" id="{1DE3B8D3-5AD6-4CE4-4786-F5A92ADD7FB1}"/>
+              </a:ext>
+            </a:extLst>
+          </p:cNvPr>
+          <p:cNvSpPr>
+            <a:spLocks noGrp="1"/>
+          </p:cNvSpPr>
+          <p:nvPr>
+            <p:ph type="body" sz="quarter" idx="3"/>
+          </p:nvPr>
+        </p:nvSpPr>
+        <p:spPr/>
+        <p:txBody>
+          <a:bodyPr/>
+          <a:lstStyle/>
+          <a:p>
+            <a:r>
+              <a:rPr dirty="0"/>
+              <a:t>Each class box invites questions. Too many relationships often indicate too many responsibilities.</a:t>
+            </a:r>
+          </a:p>
+        </p:txBody>
+      </p:sp>
+      <p:sp>
+        <p:nvSpPr>
+          <p:cNvPr id="4" name="Slide Number Placeholder 3">
+            <a:extLst>
+              <a:ext uri="{FF2B5EF4-FFF2-40B4-BE49-F238E27FC236}">
+                <a16:creationId xmlns:a16="http://schemas.microsoft.com/office/drawing/2014/main" id="{FA4091E8-89D6-8252-FE6B-2DD416B3C672}"/>
+              </a:ext>
+            </a:extLst>
+          </p:cNvPr>
+          <p:cNvSpPr>
+            <a:spLocks noGrp="1"/>
+          </p:cNvSpPr>
+          <p:nvPr>
+            <p:ph type="sldNum" sz="quarter" idx="5"/>
+          </p:nvPr>
+        </p:nvSpPr>
+        <p:spPr/>
+      </p:sp>
+    </p:spTree>
+    <p:extLst>
+      <p:ext uri="{BB962C8B-B14F-4D97-AF65-F5344CB8AC3E}">
+        <p14:creationId xmlns:p14="http://schemas.microsoft.com/office/powerpoint/2010/main" val="1896312185"/>
+      </p:ext>
+    </p:extLst>
+  </p:cSld>
+  <p:clrMapOvr>
+    <a:masterClrMapping/>
+  </p:clrMapOvr>
+</p:notes>
+</file>
+
+<file path=ppt/notesSlides/notesSlide17.xml><?xml version="1.0" encoding="utf-8"?>
+<p:notes xmlns:a="http://schemas.openxmlformats.org/drawingml/2006/main" xmlns:r="http://schemas.openxmlformats.org/officeDocument/2006/relationships" xmlns:p="http://schemas.openxmlformats.org/presentationml/2006/main">
+  <p:cSld>
+    <p:spTree>
+      <p:nvGrpSpPr>
+        <p:cNvPr id="1" name="">
+          <a:extLst>
+            <a:ext uri="{FF2B5EF4-FFF2-40B4-BE49-F238E27FC236}">
+              <a16:creationId xmlns:a16="http://schemas.microsoft.com/office/drawing/2014/main" id="{2F472743-63F3-A32A-A240-6EA99478CA35}"/>
+            </a:ext>
+          </a:extLst>
+        </p:cNvPr>
+        <p:cNvGrpSpPr/>
+        <p:nvPr/>
+      </p:nvGrpSpPr>
+      <p:grpSpPr>
+        <a:xfrm>
+          <a:off x="0" y="0"/>
+          <a:ext cx="0" cy="0"/>
+          <a:chOff x="0" y="0"/>
+          <a:chExt cx="0" cy="0"/>
+        </a:xfrm>
+      </p:grpSpPr>
+      <p:sp>
+        <p:nvSpPr>
+          <p:cNvPr id="2" name="Slide Image Placeholder 1">
+            <a:extLst>
+              <a:ext uri="{FF2B5EF4-FFF2-40B4-BE49-F238E27FC236}">
+                <a16:creationId xmlns:a16="http://schemas.microsoft.com/office/drawing/2014/main" id="{F2CB0F5F-E816-E3F1-E794-0EDE728B716B}"/>
+              </a:ext>
+            </a:extLst>
+          </p:cNvPr>
+          <p:cNvSpPr>
+            <a:spLocks noGrp="1" noRot="1" noChangeAspect="1"/>
+          </p:cNvSpPr>
+          <p:nvPr>
+            <p:ph type="sldImg" idx="2"/>
+          </p:nvPr>
+        </p:nvSpPr>
+        <p:spPr/>
+      </p:sp>
+      <p:sp>
+        <p:nvSpPr>
+          <p:cNvPr id="3" name="Notes Placeholder 2">
+            <a:extLst>
+              <a:ext uri="{FF2B5EF4-FFF2-40B4-BE49-F238E27FC236}">
+                <a16:creationId xmlns:a16="http://schemas.microsoft.com/office/drawing/2014/main" id="{DC00BCAC-645E-828A-ABD3-CE7D7CE71D97}"/>
+              </a:ext>
+            </a:extLst>
+          </p:cNvPr>
+          <p:cNvSpPr>
+            <a:spLocks noGrp="1"/>
+          </p:cNvSpPr>
+          <p:nvPr>
+            <p:ph type="body" sz="quarter" idx="3"/>
+          </p:nvPr>
+        </p:nvSpPr>
+        <p:spPr/>
+        <p:txBody>
+          <a:bodyPr/>
+          <a:lstStyle/>
+          <a:p>
+            <a:r>
+              <a:rPr dirty="0"/>
+              <a:t>Whiteboard or diagram tools allow experimentation without refactoring code. This encourages exploration instead of premature commitment.</a:t>
+            </a:r>
+          </a:p>
+        </p:txBody>
+      </p:sp>
+      <p:sp>
+        <p:nvSpPr>
+          <p:cNvPr id="4" name="Slide Number Placeholder 3">
+            <a:extLst>
+              <a:ext uri="{FF2B5EF4-FFF2-40B4-BE49-F238E27FC236}">
+                <a16:creationId xmlns:a16="http://schemas.microsoft.com/office/drawing/2014/main" id="{D71DBF9E-83E8-BD49-67EE-952734A75A6A}"/>
+              </a:ext>
+            </a:extLst>
+          </p:cNvPr>
+          <p:cNvSpPr>
+            <a:spLocks noGrp="1"/>
+          </p:cNvSpPr>
+          <p:nvPr>
+            <p:ph type="sldNum" sz="quarter" idx="5"/>
+          </p:nvPr>
+        </p:nvSpPr>
+        <p:spPr/>
+      </p:sp>
+    </p:spTree>
+    <p:extLst>
+      <p:ext uri="{BB962C8B-B14F-4D97-AF65-F5344CB8AC3E}">
+        <p14:creationId xmlns:p14="http://schemas.microsoft.com/office/powerpoint/2010/main" val="1303232612"/>
+      </p:ext>
+    </p:extLst>
+  </p:cSld>
+  <p:clrMapOvr>
+    <a:masterClrMapping/>
+  </p:clrMapOvr>
+</p:notes>
+</file>
+
+<file path=ppt/notesSlides/notesSlide18.xml><?xml version="1.0" encoding="utf-8"?>
+<p:notes xmlns:a="http://schemas.openxmlformats.org/drawingml/2006/main" xmlns:r="http://schemas.openxmlformats.org/officeDocument/2006/relationships" xmlns:p="http://schemas.openxmlformats.org/presentationml/2006/main">
+  <p:cSld>
+    <p:spTree>
+      <p:nvGrpSpPr>
+        <p:cNvPr id="1" name=""/>
+        <p:cNvGrpSpPr/>
+        <p:nvPr/>
+      </p:nvGrpSpPr>
+      <p:grpSpPr>
+        <a:xfrm>
+          <a:off x="0" y="0"/>
+          <a:ext cx="0" cy="0"/>
+          <a:chOff x="0" y="0"/>
+          <a:chExt cx="0" cy="0"/>
+        </a:xfrm>
+      </p:grpSpPr>
+      <p:sp>
+        <p:nvSpPr>
+          <p:cNvPr id="2" name="Slide Image Placeholder 1"/>
+          <p:cNvSpPr>
+            <a:spLocks noGrp="1" noRot="1" noChangeAspect="1"/>
+          </p:cNvSpPr>
+          <p:nvPr>
+            <p:ph type="sldImg" idx="2"/>
+          </p:nvPr>
+        </p:nvSpPr>
+        <p:spPr/>
+      </p:sp>
+      <p:sp>
+        <p:nvSpPr>
+          <p:cNvPr id="3" name="Notes Placeholder 2"/>
+          <p:cNvSpPr>
+            <a:spLocks noGrp="1"/>
+          </p:cNvSpPr>
+          <p:nvPr>
+            <p:ph type="body" sz="quarter" idx="3"/>
+          </p:nvPr>
+        </p:nvSpPr>
+        <p:spPr/>
+        <p:txBody>
+          <a:bodyPr/>
+          <a:lstStyle/>
+          <a:p>
+            <a:r>
+              <a:rPr dirty="0"/>
+              <a:t>Whiteboard or diagram tools allow experimentation without refactoring code. This encourages exploration instead of premature commitment.</a:t>
+            </a:r>
+          </a:p>
+        </p:txBody>
+      </p:sp>
+      <p:sp>
+        <p:nvSpPr>
+          <p:cNvPr id="4" name="Slide Number Placeholder 3"/>
+          <p:cNvSpPr>
+            <a:spLocks noGrp="1"/>
+          </p:cNvSpPr>
+          <p:nvPr>
+            <p:ph type="sldNum" sz="quarter" idx="5"/>
+          </p:nvPr>
+        </p:nvSpPr>
+        <p:spPr/>
+      </p:sp>
+    </p:spTree>
+  </p:cSld>
+  <p:clrMapOvr>
+    <a:masterClrMapping/>
+  </p:clrMapOvr>
+</p:notes>
+</file>
+
+<file path=ppt/notesSlides/notesSlide19.xml><?xml version="1.0" encoding="utf-8"?>
+<p:notes xmlns:a="http://schemas.openxmlformats.org/drawingml/2006/main" xmlns:r="http://schemas.openxmlformats.org/officeDocument/2006/relationships" xmlns:p="http://schemas.openxmlformats.org/presentationml/2006/main">
+  <p:cSld>
+    <p:spTree>
+      <p:nvGrpSpPr>
+        <p:cNvPr id="1" name="">
+          <a:extLst>
+            <a:ext uri="{FF2B5EF4-FFF2-40B4-BE49-F238E27FC236}">
+              <a16:creationId xmlns:a16="http://schemas.microsoft.com/office/drawing/2014/main" id="{2879308E-4A43-948B-725F-9C18B55A2633}"/>
+            </a:ext>
+          </a:extLst>
+        </p:cNvPr>
+        <p:cNvGrpSpPr/>
+        <p:nvPr/>
+      </p:nvGrpSpPr>
+      <p:grpSpPr>
+        <a:xfrm>
+          <a:off x="0" y="0"/>
+          <a:ext cx="0" cy="0"/>
+          <a:chOff x="0" y="0"/>
+          <a:chExt cx="0" cy="0"/>
+        </a:xfrm>
+      </p:grpSpPr>
+      <p:sp>
+        <p:nvSpPr>
+          <p:cNvPr id="2" name="Slide Image Placeholder 1">
+            <a:extLst>
+              <a:ext uri="{FF2B5EF4-FFF2-40B4-BE49-F238E27FC236}">
+                <a16:creationId xmlns:a16="http://schemas.microsoft.com/office/drawing/2014/main" id="{47340ABD-54B5-A3F7-15BB-0420DBCB74CF}"/>
+              </a:ext>
+            </a:extLst>
+          </p:cNvPr>
+          <p:cNvSpPr>
+            <a:spLocks noGrp="1" noRot="1" noChangeAspect="1"/>
+          </p:cNvSpPr>
+          <p:nvPr>
+            <p:ph type="sldImg" idx="2"/>
+          </p:nvPr>
+        </p:nvSpPr>
+        <p:spPr/>
+      </p:sp>
+      <p:sp>
+        <p:nvSpPr>
+          <p:cNvPr id="3" name="Notes Placeholder 2">
+            <a:extLst>
+              <a:ext uri="{FF2B5EF4-FFF2-40B4-BE49-F238E27FC236}">
+                <a16:creationId xmlns:a16="http://schemas.microsoft.com/office/drawing/2014/main" id="{78344995-0E3A-736C-F4E3-54BFEF9D341C}"/>
+              </a:ext>
+            </a:extLst>
+          </p:cNvPr>
+          <p:cNvSpPr>
+            <a:spLocks noGrp="1"/>
+          </p:cNvSpPr>
+          <p:nvPr>
+            <p:ph type="body" sz="quarter" idx="3"/>
+          </p:nvPr>
+        </p:nvSpPr>
+        <p:spPr/>
+        <p:txBody>
+          <a:bodyPr/>
+          <a:lstStyle/>
+          <a:p>
+            <a:r>
+              <a:rPr dirty="0"/>
+              <a:t>Whiteboard or diagram tools allow experimentation without refactoring code. This encourages exploration instead of premature commitment.</a:t>
+            </a:r>
+          </a:p>
+        </p:txBody>
+      </p:sp>
+      <p:sp>
+        <p:nvSpPr>
+          <p:cNvPr id="4" name="Slide Number Placeholder 3">
+            <a:extLst>
+              <a:ext uri="{FF2B5EF4-FFF2-40B4-BE49-F238E27FC236}">
+                <a16:creationId xmlns:a16="http://schemas.microsoft.com/office/drawing/2014/main" id="{8C809F67-C529-D2F7-A5EC-8AF654EAE5BD}"/>
+              </a:ext>
+            </a:extLst>
+          </p:cNvPr>
+          <p:cNvSpPr>
+            <a:spLocks noGrp="1"/>
+          </p:cNvSpPr>
+          <p:nvPr>
+            <p:ph type="sldNum" sz="quarter" idx="5"/>
+          </p:nvPr>
+        </p:nvSpPr>
+        <p:spPr/>
+      </p:sp>
+    </p:spTree>
+    <p:extLst>
+      <p:ext uri="{BB962C8B-B14F-4D97-AF65-F5344CB8AC3E}">
+        <p14:creationId xmlns:p14="http://schemas.microsoft.com/office/powerpoint/2010/main" val="951704840"/>
+      </p:ext>
+    </p:extLst>
+  </p:cSld>
+  <p:clrMapOvr>
+    <a:masterClrMapping/>
+  </p:clrMapOvr>
+</p:notes>
+</file>
+
+<file path=ppt/notesSlides/notesSlide2.xml><?xml version="1.0" encoding="utf-8"?>
+<p:notes xmlns:a="http://schemas.openxmlformats.org/drawingml/2006/main" xmlns:r="http://schemas.openxmlformats.org/officeDocument/2006/relationships" xmlns:p="http://schemas.openxmlformats.org/presentationml/2006/main">
+  <p:cSld>
+    <p:spTree>
+      <p:nvGrpSpPr>
+        <p:cNvPr id="1" name=""/>
+        <p:cNvGrpSpPr/>
+        <p:nvPr/>
+      </p:nvGrpSpPr>
+      <p:grpSpPr>
+        <a:xfrm>
+          <a:off x="0" y="0"/>
+          <a:ext cx="0" cy="0"/>
+          <a:chOff x="0" y="0"/>
+          <a:chExt cx="0" cy="0"/>
+        </a:xfrm>
+      </p:grpSpPr>
+      <p:sp>
+        <p:nvSpPr>
+          <p:cNvPr id="2" name="Slide Image Placeholder 1"/>
+          <p:cNvSpPr>
+            <a:spLocks noGrp="1" noRot="1" noChangeAspect="1"/>
+          </p:cNvSpPr>
+          <p:nvPr>
+            <p:ph type="sldImg" idx="2"/>
+          </p:nvPr>
+        </p:nvSpPr>
+        <p:spPr/>
+      </p:sp>
+      <p:sp>
+        <p:nvSpPr>
+          <p:cNvPr id="3" name="Notes Placeholder 2"/>
+          <p:cNvSpPr>
+            <a:spLocks noGrp="1"/>
+          </p:cNvSpPr>
+          <p:nvPr>
+            <p:ph type="body" sz="quarter" idx="3"/>
+          </p:nvPr>
+        </p:nvSpPr>
+        <p:spPr/>
+        <p:txBody>
+          <a:bodyPr/>
+          <a:lstStyle/>
+          <a:p>
+            <a:r>
+              <a:rPr dirty="0"/>
+              <a:t>Emphasize that class diagrams are static, not behavioral. They do not show execution flow. Instead, they show what exists in the system and how pieces relate structurally.</a:t>
+            </a:r>
+          </a:p>
+        </p:txBody>
+      </p:sp>
+      <p:sp>
+        <p:nvSpPr>
+          <p:cNvPr id="4" name="Slide Number Placeholder 3"/>
+          <p:cNvSpPr>
+            <a:spLocks noGrp="1"/>
+          </p:cNvSpPr>
+          <p:nvPr>
+            <p:ph type="sldNum" sz="quarter" idx="5"/>
+          </p:nvPr>
+        </p:nvSpPr>
+        <p:spPr/>
+      </p:sp>
+    </p:spTree>
+  </p:cSld>
+  <p:clrMapOvr>
+    <a:masterClrMapping/>
+  </p:clrMapOvr>
+</p:notes>
+</file>
+
+<file path=ppt/notesSlides/notesSlide20.xml><?xml version="1.0" encoding="utf-8"?>
+<p:notes xmlns:a="http://schemas.openxmlformats.org/drawingml/2006/main" xmlns:r="http://schemas.openxmlformats.org/officeDocument/2006/relationships" xmlns:p="http://schemas.openxmlformats.org/presentationml/2006/main">
+  <p:cSld>
+    <p:spTree>
+      <p:nvGrpSpPr>
+        <p:cNvPr id="1" name=""/>
+        <p:cNvGrpSpPr/>
+        <p:nvPr/>
+      </p:nvGrpSpPr>
+      <p:grpSpPr>
+        <a:xfrm>
+          <a:off x="0" y="0"/>
+          <a:ext cx="0" cy="0"/>
+          <a:chOff x="0" y="0"/>
+          <a:chExt cx="0" cy="0"/>
+        </a:xfrm>
+      </p:grpSpPr>
+      <p:sp>
+        <p:nvSpPr>
+          <p:cNvPr id="2" name="Slide Image Placeholder 1"/>
+          <p:cNvSpPr>
+            <a:spLocks noGrp="1" noRot="1" noChangeAspect="1"/>
+          </p:cNvSpPr>
+          <p:nvPr>
+            <p:ph type="sldImg" idx="2"/>
+          </p:nvPr>
+        </p:nvSpPr>
+        <p:spPr/>
+      </p:sp>
+      <p:sp>
+        <p:nvSpPr>
+          <p:cNvPr id="3" name="Notes Placeholder 2"/>
+          <p:cNvSpPr>
+            <a:spLocks noGrp="1"/>
+          </p:cNvSpPr>
+          <p:nvPr>
+            <p:ph type="body" sz="quarter" idx="3"/>
+          </p:nvPr>
+        </p:nvSpPr>
+        <p:spPr/>
+        <p:txBody>
+          <a:bodyPr/>
+          <a:lstStyle/>
+          <a:p>
+            <a:r>
+              <a:rPr dirty="0"/>
+              <a:t>Even if diagrams drift from code, they often preserve the original intent, which is incredibly valuable context later.</a:t>
+            </a:r>
+          </a:p>
+        </p:txBody>
+      </p:sp>
+      <p:sp>
+        <p:nvSpPr>
+          <p:cNvPr id="4" name="Slide Number Placeholder 3"/>
+          <p:cNvSpPr>
+            <a:spLocks noGrp="1"/>
+          </p:cNvSpPr>
+          <p:nvPr>
+            <p:ph type="sldNum" sz="quarter" idx="5"/>
+          </p:nvPr>
+        </p:nvSpPr>
+        <p:spPr/>
+      </p:sp>
+    </p:spTree>
+  </p:cSld>
+  <p:clrMapOvr>
+    <a:masterClrMapping/>
+  </p:clrMapOvr>
+</p:notes>
+</file>
+
+<file path=ppt/notesSlides/notesSlide21.xml><?xml version="1.0" encoding="utf-8"?>
+<p:notes xmlns:a="http://schemas.openxmlformats.org/drawingml/2006/main" xmlns:r="http://schemas.openxmlformats.org/officeDocument/2006/relationships" xmlns:p="http://schemas.openxmlformats.org/presentationml/2006/main">
+  <p:cSld>
+    <p:spTree>
+      <p:nvGrpSpPr>
+        <p:cNvPr id="1" name="">
+          <a:extLst>
+            <a:ext uri="{FF2B5EF4-FFF2-40B4-BE49-F238E27FC236}">
+              <a16:creationId xmlns:a16="http://schemas.microsoft.com/office/drawing/2014/main" id="{880AC2CE-50EC-6760-3C8B-FC142C8F8C90}"/>
+            </a:ext>
+          </a:extLst>
+        </p:cNvPr>
+        <p:cNvGrpSpPr/>
+        <p:nvPr/>
+      </p:nvGrpSpPr>
+      <p:grpSpPr>
+        <a:xfrm>
+          <a:off x="0" y="0"/>
+          <a:ext cx="0" cy="0"/>
+          <a:chOff x="0" y="0"/>
+          <a:chExt cx="0" cy="0"/>
+        </a:xfrm>
+      </p:grpSpPr>
+      <p:sp>
+        <p:nvSpPr>
+          <p:cNvPr id="2" name="Slide Image Placeholder 1">
+            <a:extLst>
+              <a:ext uri="{FF2B5EF4-FFF2-40B4-BE49-F238E27FC236}">
+                <a16:creationId xmlns:a16="http://schemas.microsoft.com/office/drawing/2014/main" id="{A7B1AC7C-23EA-C65B-EF2B-0ECA0B9C3CE4}"/>
+              </a:ext>
+            </a:extLst>
+          </p:cNvPr>
+          <p:cNvSpPr>
+            <a:spLocks noGrp="1" noRot="1" noChangeAspect="1"/>
+          </p:cNvSpPr>
+          <p:nvPr>
+            <p:ph type="sldImg" idx="2"/>
+          </p:nvPr>
+        </p:nvSpPr>
+        <p:spPr/>
+      </p:sp>
+      <p:sp>
+        <p:nvSpPr>
+          <p:cNvPr id="3" name="Notes Placeholder 2">
+            <a:extLst>
+              <a:ext uri="{FF2B5EF4-FFF2-40B4-BE49-F238E27FC236}">
+                <a16:creationId xmlns:a16="http://schemas.microsoft.com/office/drawing/2014/main" id="{434BD9BF-4BDA-73CA-2660-BBF6CD497BC7}"/>
+              </a:ext>
+            </a:extLst>
+          </p:cNvPr>
+          <p:cNvSpPr>
+            <a:spLocks noGrp="1"/>
+          </p:cNvSpPr>
+          <p:nvPr>
+            <p:ph type="body" sz="quarter" idx="3"/>
+          </p:nvPr>
+        </p:nvSpPr>
+        <p:spPr/>
+        <p:txBody>
+          <a:bodyPr/>
+          <a:lstStyle/>
+          <a:p>
+            <a:r>
+              <a:rPr lang="en-US" dirty="0"/>
+              <a:t>Even when diagrams drift from the code, they preserve </a:t>
+            </a:r>
+            <a:r>
+              <a:rPr lang="en-US" b="1" dirty="0"/>
+              <a:t>design intent</a:t>
+            </a:r>
+            <a:r>
+              <a:rPr lang="en-US" dirty="0"/>
+              <a:t>, which provides critical context for both humans and AI.</a:t>
+            </a:r>
+          </a:p>
+          <a:p>
+            <a:r>
+              <a:rPr lang="en-US" b="1" dirty="0"/>
+              <a:t>Explicit design intent</a:t>
+            </a:r>
+            <a:endParaRPr lang="en-US" dirty="0"/>
+          </a:p>
+          <a:p>
+            <a:r>
+              <a:rPr lang="en-US" dirty="0"/>
+              <a:t>Human-readable diagrams encode </a:t>
+            </a:r>
+            <a:r>
+              <a:rPr lang="en-US" i="1" dirty="0"/>
+              <a:t>why</a:t>
+            </a:r>
+            <a:r>
+              <a:rPr lang="en-US" dirty="0"/>
+              <a:t> a design exists, not just </a:t>
+            </a:r>
+            <a:r>
+              <a:rPr lang="en-US" i="1" dirty="0"/>
+              <a:t>how</a:t>
+            </a:r>
+            <a:r>
+              <a:rPr lang="en-US" dirty="0"/>
+              <a:t> it is implemented.</a:t>
+            </a:r>
+          </a:p>
+          <a:p>
+            <a:r>
+              <a:rPr lang="en-US" b="1" dirty="0"/>
+              <a:t>Improved AI reasoning</a:t>
+            </a:r>
+            <a:endParaRPr lang="en-US" dirty="0"/>
+          </a:p>
+          <a:p>
+            <a:r>
+              <a:rPr lang="en-US" dirty="0"/>
+              <a:t>AI can reason over Mermaid diagrams as structured text, enabling better:</a:t>
+            </a:r>
+          </a:p>
+          <a:p>
+            <a:r>
+              <a:rPr lang="en-US" dirty="0"/>
+              <a:t>Code generation</a:t>
+            </a:r>
+          </a:p>
+          <a:p>
+            <a:r>
+              <a:rPr lang="en-US" dirty="0"/>
+              <a:t>Refactoring suggestions</a:t>
+            </a:r>
+          </a:p>
+          <a:p>
+            <a:r>
+              <a:rPr lang="en-US" dirty="0"/>
+              <a:t>Pattern recognition</a:t>
+            </a:r>
+          </a:p>
+          <a:p>
+            <a:r>
+              <a:rPr lang="en-US" dirty="0"/>
+              <a:t>Design critique</a:t>
+            </a:r>
+          </a:p>
+          <a:p>
+            <a:r>
+              <a:rPr lang="en-US" b="1" dirty="0"/>
+              <a:t>Higher-quality code reviews</a:t>
+            </a:r>
+            <a:endParaRPr lang="en-US" dirty="0"/>
+          </a:p>
+          <a:p>
+            <a:r>
+              <a:rPr lang="en-US" dirty="0"/>
+              <a:t>Diagrams give AI (and reviewers) a stable reference point to evaluate whether code changes align with the intended architecture.</a:t>
+            </a:r>
+          </a:p>
+          <a:p>
+            <a:r>
+              <a:rPr lang="en-US" b="1" dirty="0"/>
+              <a:t>Architectural memory</a:t>
+            </a:r>
+            <a:endParaRPr lang="en-US" dirty="0"/>
+          </a:p>
+          <a:p>
+            <a:r>
+              <a:rPr lang="en-US" dirty="0"/>
+              <a:t>Diagrams act as a durable record of original design decisions long after the code has evolved.</a:t>
+            </a:r>
+          </a:p>
+          <a:p>
+            <a:r>
+              <a:rPr lang="en-US" b="1" dirty="0"/>
+              <a:t>Shared context for humans and AI</a:t>
+            </a:r>
+            <a:endParaRPr lang="en-US" dirty="0"/>
+          </a:p>
+          <a:p>
+            <a:r>
+              <a:rPr lang="en-US" dirty="0"/>
+              <a:t>Mermaid diagrams are versionable, diff-able, and colocated with code—making them a common language for developers </a:t>
+            </a:r>
+            <a:r>
+              <a:rPr lang="en-US" i="1" dirty="0"/>
+              <a:t>and</a:t>
+            </a:r>
+            <a:r>
+              <a:rPr lang="en-US" dirty="0"/>
+              <a:t> tools.</a:t>
+            </a:r>
+          </a:p>
+        </p:txBody>
+      </p:sp>
+      <p:sp>
+        <p:nvSpPr>
+          <p:cNvPr id="4" name="Slide Number Placeholder 3">
+            <a:extLst>
+              <a:ext uri="{FF2B5EF4-FFF2-40B4-BE49-F238E27FC236}">
+                <a16:creationId xmlns:a16="http://schemas.microsoft.com/office/drawing/2014/main" id="{4A1D76DE-F1CE-A68D-0ED8-13A5D1DFFFD7}"/>
+              </a:ext>
+            </a:extLst>
+          </p:cNvPr>
+          <p:cNvSpPr>
+            <a:spLocks noGrp="1"/>
+          </p:cNvSpPr>
+          <p:nvPr>
+            <p:ph type="sldNum" sz="quarter" idx="5"/>
+          </p:nvPr>
+        </p:nvSpPr>
+        <p:spPr/>
+      </p:sp>
+    </p:spTree>
+    <p:extLst>
+      <p:ext uri="{BB962C8B-B14F-4D97-AF65-F5344CB8AC3E}">
+        <p14:creationId xmlns:p14="http://schemas.microsoft.com/office/powerpoint/2010/main" val="304257706"/>
+      </p:ext>
+    </p:extLst>
+  </p:cSld>
+  <p:clrMapOvr>
+    <a:masterClrMapping/>
+  </p:clrMapOvr>
+</p:notes>
+</file>
+
+<file path=ppt/notesSlides/notesSlide22.xml><?xml version="1.0" encoding="utf-8"?>
+<p:notes xmlns:a="http://schemas.openxmlformats.org/drawingml/2006/main" xmlns:r="http://schemas.openxmlformats.org/officeDocument/2006/relationships" xmlns:p="http://schemas.openxmlformats.org/presentationml/2006/main">
+  <p:cSld>
+    <p:spTree>
+      <p:nvGrpSpPr>
+        <p:cNvPr id="1" name=""/>
+        <p:cNvGrpSpPr/>
+        <p:nvPr/>
+      </p:nvGrpSpPr>
+      <p:grpSpPr>
+        <a:xfrm>
+          <a:off x="0" y="0"/>
+          <a:ext cx="0" cy="0"/>
+          <a:chOff x="0" y="0"/>
+          <a:chExt cx="0" cy="0"/>
+        </a:xfrm>
+      </p:grpSpPr>
+      <p:sp>
+        <p:nvSpPr>
+          <p:cNvPr id="2" name="Slide Image Placeholder 1"/>
+          <p:cNvSpPr>
+            <a:spLocks noGrp="1" noRot="1" noChangeAspect="1"/>
+          </p:cNvSpPr>
+          <p:nvPr>
+            <p:ph type="sldImg" idx="2"/>
+          </p:nvPr>
+        </p:nvSpPr>
+        <p:spPr/>
+      </p:sp>
+      <p:sp>
+        <p:nvSpPr>
+          <p:cNvPr id="3" name="Notes Placeholder 2"/>
+          <p:cNvSpPr>
+            <a:spLocks noGrp="1"/>
+          </p:cNvSpPr>
+          <p:nvPr>
+            <p:ph type="body" sz="quarter" idx="3"/>
+          </p:nvPr>
+        </p:nvSpPr>
+        <p:spPr/>
+        <p:txBody>
+          <a:bodyPr/>
+          <a:lstStyle/>
+          <a:p>
+            <a:r>
+              <a:rPr dirty="0"/>
+              <a:t>End by reinforcing that UML is not bureaucracy. Used lightly and intentionally, it is a powerful tool for designers and developers.</a:t>
+            </a:r>
+          </a:p>
+        </p:txBody>
+      </p:sp>
+      <p:sp>
+        <p:nvSpPr>
+          <p:cNvPr id="4" name="Slide Number Placeholder 3"/>
+          <p:cNvSpPr>
+            <a:spLocks noGrp="1"/>
+          </p:cNvSpPr>
+          <p:nvPr>
+            <p:ph type="sldNum" sz="quarter" idx="5"/>
+          </p:nvPr>
+        </p:nvSpPr>
+        <p:spPr/>
+      </p:sp>
+    </p:spTree>
+  </p:cSld>
+  <p:clrMapOvr>
+    <a:masterClrMapping/>
+  </p:clrMapOvr>
+</p:notes>
+</file>
+
+<file path=ppt/notesSlides/notesSlide3.xml><?xml version="1.0" encoding="utf-8"?>
+<p:notes xmlns:a="http://schemas.openxmlformats.org/drawingml/2006/main" xmlns:r="http://schemas.openxmlformats.org/officeDocument/2006/relationships" xmlns:p="http://schemas.openxmlformats.org/presentationml/2006/main">
+  <p:cSld>
+    <p:spTree>
+      <p:nvGrpSpPr>
+        <p:cNvPr id="1" name=""/>
+        <p:cNvGrpSpPr/>
+        <p:nvPr/>
+      </p:nvGrpSpPr>
+      <p:grpSpPr>
+        <a:xfrm>
+          <a:off x="0" y="0"/>
+          <a:ext cx="0" cy="0"/>
+          <a:chOff x="0" y="0"/>
+          <a:chExt cx="0" cy="0"/>
+        </a:xfrm>
+      </p:grpSpPr>
+      <p:sp>
+        <p:nvSpPr>
+          <p:cNvPr id="2" name="Slide Image Placeholder 1"/>
+          <p:cNvSpPr>
+            <a:spLocks noGrp="1" noRot="1" noChangeAspect="1"/>
+          </p:cNvSpPr>
+          <p:nvPr>
+            <p:ph type="sldImg" idx="2"/>
+          </p:nvPr>
+        </p:nvSpPr>
+        <p:spPr/>
+      </p:sp>
+      <p:sp>
+        <p:nvSpPr>
+          <p:cNvPr id="3" name="Notes Placeholder 2"/>
+          <p:cNvSpPr>
+            <a:spLocks noGrp="1"/>
+          </p:cNvSpPr>
+          <p:nvPr>
+            <p:ph type="body" sz="quarter" idx="3"/>
+          </p:nvPr>
+        </p:nvSpPr>
+        <p:spPr/>
+        <p:txBody>
+          <a:bodyPr/>
+          <a:lstStyle/>
+          <a:p>
+            <a:r>
+              <a:rPr dirty="0"/>
+              <a:t>Talk about the cost of discovering design problems late. Diagrams make you decide who owns what, who depends on whom, and what abstractions exist before code hardens.</a:t>
+            </a:r>
+          </a:p>
+        </p:txBody>
+      </p:sp>
+      <p:sp>
+        <p:nvSpPr>
+          <p:cNvPr id="4" name="Slide Number Placeholder 3"/>
+          <p:cNvSpPr>
+            <a:spLocks noGrp="1"/>
+          </p:cNvSpPr>
+          <p:nvPr>
+            <p:ph type="sldNum" sz="quarter" idx="5"/>
+          </p:nvPr>
+        </p:nvSpPr>
+        <p:spPr/>
+      </p:sp>
+    </p:spTree>
+  </p:cSld>
+  <p:clrMapOvr>
+    <a:masterClrMapping/>
+  </p:clrMapOvr>
+</p:notes>
+</file>
+
+<file path=ppt/notesSlides/notesSlide4.xml><?xml version="1.0" encoding="utf-8"?>
+<p:notes xmlns:a="http://schemas.openxmlformats.org/drawingml/2006/main" xmlns:r="http://schemas.openxmlformats.org/officeDocument/2006/relationships" xmlns:p="http://schemas.openxmlformats.org/presentationml/2006/main">
+  <p:cSld>
+    <p:spTree>
+      <p:nvGrpSpPr>
+        <p:cNvPr id="1" name=""/>
+        <p:cNvGrpSpPr/>
+        <p:nvPr/>
+      </p:nvGrpSpPr>
+      <p:grpSpPr>
+        <a:xfrm>
+          <a:off x="0" y="0"/>
+          <a:ext cx="0" cy="0"/>
+          <a:chOff x="0" y="0"/>
+          <a:chExt cx="0" cy="0"/>
+        </a:xfrm>
+      </p:grpSpPr>
+      <p:sp>
+        <p:nvSpPr>
+          <p:cNvPr id="2" name="Slide Image Placeholder 1"/>
+          <p:cNvSpPr>
+            <a:spLocks noGrp="1" noRot="1" noChangeAspect="1"/>
+          </p:cNvSpPr>
+          <p:nvPr>
+            <p:ph type="sldImg" idx="2"/>
+          </p:nvPr>
+        </p:nvSpPr>
+        <p:spPr/>
+      </p:sp>
+      <p:sp>
+        <p:nvSpPr>
+          <p:cNvPr id="3" name="Notes Placeholder 2"/>
+          <p:cNvSpPr>
+            <a:spLocks noGrp="1"/>
+          </p:cNvSpPr>
+          <p:nvPr>
+            <p:ph type="body" sz="quarter" idx="3"/>
+          </p:nvPr>
+        </p:nvSpPr>
+        <p:spPr/>
+        <p:txBody>
+          <a:bodyPr/>
+          <a:lstStyle/>
+          <a:p>
+            <a:r>
+              <a:rPr dirty="0"/>
+              <a:t>Code contains history, edge cases, and implementation details. Diagrams strip that away so a group can focus on structure and intent.</a:t>
+            </a:r>
+          </a:p>
+        </p:txBody>
+      </p:sp>
+      <p:sp>
+        <p:nvSpPr>
+          <p:cNvPr id="4" name="Slide Number Placeholder 3"/>
+          <p:cNvSpPr>
+            <a:spLocks noGrp="1"/>
+          </p:cNvSpPr>
+          <p:nvPr>
+            <p:ph type="sldNum" sz="quarter" idx="5"/>
+          </p:nvPr>
+        </p:nvSpPr>
+        <p:spPr/>
+      </p:sp>
+    </p:spTree>
+  </p:cSld>
+  <p:clrMapOvr>
+    <a:masterClrMapping/>
+  </p:clrMapOvr>
+</p:notes>
+</file>
+
+<file path=ppt/notesSlides/notesSlide5.xml><?xml version="1.0" encoding="utf-8"?>
+<p:notes xmlns:a="http://schemas.openxmlformats.org/drawingml/2006/main" xmlns:r="http://schemas.openxmlformats.org/officeDocument/2006/relationships" xmlns:p="http://schemas.openxmlformats.org/presentationml/2006/main">
+  <p:cSld>
+    <p:spTree>
+      <p:nvGrpSpPr>
+        <p:cNvPr id="1" name=""/>
+        <p:cNvGrpSpPr/>
+        <p:nvPr/>
+      </p:nvGrpSpPr>
+      <p:grpSpPr>
+        <a:xfrm>
+          <a:off x="0" y="0"/>
+          <a:ext cx="0" cy="0"/>
+          <a:chOff x="0" y="0"/>
+          <a:chExt cx="0" cy="0"/>
+        </a:xfrm>
+      </p:grpSpPr>
+      <p:sp>
+        <p:nvSpPr>
+          <p:cNvPr id="2" name="Slide Image Placeholder 1"/>
+          <p:cNvSpPr>
+            <a:spLocks noGrp="1" noRot="1" noChangeAspect="1"/>
+          </p:cNvSpPr>
+          <p:nvPr>
+            <p:ph type="sldImg" idx="2"/>
+          </p:nvPr>
+        </p:nvSpPr>
+        <p:spPr/>
+      </p:sp>
+      <p:sp>
+        <p:nvSpPr>
+          <p:cNvPr id="3" name="Notes Placeholder 2"/>
+          <p:cNvSpPr>
+            <a:spLocks noGrp="1"/>
+          </p:cNvSpPr>
+          <p:nvPr>
+            <p:ph type="body" sz="quarter" idx="3"/>
+          </p:nvPr>
+        </p:nvSpPr>
+        <p:spPr/>
+        <p:txBody>
+          <a:bodyPr/>
+          <a:lstStyle/>
+          <a:p>
+            <a:r>
+              <a:rPr dirty="0"/>
+              <a:t>Explain that structural dependencies represent long-lived relationships. These show what objects know about and rely on over time, not just during a single method call.</a:t>
+            </a:r>
+          </a:p>
+        </p:txBody>
+      </p:sp>
+      <p:sp>
+        <p:nvSpPr>
+          <p:cNvPr id="4" name="Slide Number Placeholder 3"/>
+          <p:cNvSpPr>
+            <a:spLocks noGrp="1"/>
+          </p:cNvSpPr>
+          <p:nvPr>
+            <p:ph type="sldNum" sz="quarter" idx="5"/>
+          </p:nvPr>
+        </p:nvSpPr>
+        <p:spPr/>
+      </p:sp>
+    </p:spTree>
+  </p:cSld>
+  <p:clrMapOvr>
+    <a:masterClrMapping/>
+  </p:clrMapOvr>
+</p:notes>
+</file>
+
+<file path=ppt/notesSlides/notesSlide6.xml><?xml version="1.0" encoding="utf-8"?>
+<p:notes xmlns:a="http://schemas.openxmlformats.org/drawingml/2006/main" xmlns:r="http://schemas.openxmlformats.org/officeDocument/2006/relationships" xmlns:p="http://schemas.openxmlformats.org/presentationml/2006/main">
+  <p:cSld>
+    <p:spTree>
+      <p:nvGrpSpPr>
+        <p:cNvPr id="1" name=""/>
+        <p:cNvGrpSpPr/>
+        <p:nvPr/>
+      </p:nvGrpSpPr>
+      <p:grpSpPr>
+        <a:xfrm>
+          <a:off x="0" y="0"/>
+          <a:ext cx="0" cy="0"/>
+          <a:chOff x="0" y="0"/>
+          <a:chExt cx="0" cy="0"/>
+        </a:xfrm>
+      </p:grpSpPr>
+      <p:sp>
+        <p:nvSpPr>
+          <p:cNvPr id="2" name="Slide Image Placeholder 1"/>
+          <p:cNvSpPr>
+            <a:spLocks noGrp="1" noRot="1" noChangeAspect="1"/>
+          </p:cNvSpPr>
+          <p:nvPr>
+            <p:ph type="sldImg" idx="2"/>
+          </p:nvPr>
+        </p:nvSpPr>
+        <p:spPr/>
+      </p:sp>
+      <p:sp>
+        <p:nvSpPr>
+          <p:cNvPr id="3" name="Notes Placeholder 2"/>
+          <p:cNvSpPr>
+            <a:spLocks noGrp="1"/>
+          </p:cNvSpPr>
+          <p:nvPr>
+            <p:ph type="body" sz="quarter" idx="3"/>
+          </p:nvPr>
+        </p:nvSpPr>
+        <p:spPr/>
+        <p:txBody>
+          <a:bodyPr/>
+          <a:lstStyle/>
+          <a:p>
+            <a:r>
+              <a:rPr dirty="0"/>
+              <a:t>Dense or tangled structures are easier to spot in diagrams than in code. This is often where students first notice over-coupling or god classes.</a:t>
+            </a:r>
+          </a:p>
+        </p:txBody>
+      </p:sp>
+      <p:sp>
+        <p:nvSpPr>
+          <p:cNvPr id="4" name="Slide Number Placeholder 3"/>
+          <p:cNvSpPr>
+            <a:spLocks noGrp="1"/>
+          </p:cNvSpPr>
+          <p:nvPr>
+            <p:ph type="sldNum" sz="quarter" idx="5"/>
+          </p:nvPr>
+        </p:nvSpPr>
+        <p:spPr/>
+      </p:sp>
+    </p:spTree>
+  </p:cSld>
+  <p:clrMapOvr>
+    <a:masterClrMapping/>
+  </p:clrMapOvr>
+</p:notes>
+</file>
+
+<file path=ppt/notesSlides/notesSlide7.xml><?xml version="1.0" encoding="utf-8"?>
+<p:notes xmlns:a="http://schemas.openxmlformats.org/drawingml/2006/main" xmlns:r="http://schemas.openxmlformats.org/officeDocument/2006/relationships" xmlns:p="http://schemas.openxmlformats.org/presentationml/2006/main">
+  <p:cSld>
+    <p:spTree>
+      <p:nvGrpSpPr>
+        <p:cNvPr id="1" name=""/>
+        <p:cNvGrpSpPr/>
+        <p:nvPr/>
+      </p:nvGrpSpPr>
+      <p:grpSpPr>
+        <a:xfrm>
+          <a:off x="0" y="0"/>
+          <a:ext cx="0" cy="0"/>
+          <a:chOff x="0" y="0"/>
+          <a:chExt cx="0" cy="0"/>
+        </a:xfrm>
+      </p:grpSpPr>
+      <p:sp>
+        <p:nvSpPr>
+          <p:cNvPr id="2" name="Slide Image Placeholder 1"/>
+          <p:cNvSpPr>
+            <a:spLocks noGrp="1" noRot="1" noChangeAspect="1"/>
+          </p:cNvSpPr>
+          <p:nvPr>
+            <p:ph type="sldImg" idx="2"/>
+          </p:nvPr>
+        </p:nvSpPr>
+        <p:spPr/>
+      </p:sp>
+      <p:sp>
+        <p:nvSpPr>
+          <p:cNvPr id="3" name="Notes Placeholder 2"/>
+          <p:cNvSpPr>
+            <a:spLocks noGrp="1"/>
+          </p:cNvSpPr>
+          <p:nvPr>
+            <p:ph type="body" sz="quarter" idx="3"/>
+          </p:nvPr>
+        </p:nvSpPr>
+        <p:spPr/>
+        <p:txBody>
+          <a:bodyPr/>
+          <a:lstStyle/>
+          <a:p>
+            <a:r>
+              <a:rPr dirty="0"/>
+              <a:t>Clarify that not all dependencies should be fields. UML dependency arrows help distinguish temporary usage from structural ownership.</a:t>
+            </a:r>
+          </a:p>
+        </p:txBody>
+      </p:sp>
+      <p:sp>
+        <p:nvSpPr>
+          <p:cNvPr id="4" name="Slide Number Placeholder 3"/>
+          <p:cNvSpPr>
+            <a:spLocks noGrp="1"/>
+          </p:cNvSpPr>
+          <p:nvPr>
+            <p:ph type="sldNum" sz="quarter" idx="5"/>
+          </p:nvPr>
+        </p:nvSpPr>
+        <p:spPr/>
+      </p:sp>
+    </p:spTree>
+  </p:cSld>
+  <p:clrMapOvr>
+    <a:masterClrMapping/>
+  </p:clrMapOvr>
+</p:notes>
+</file>
+
+<file path=ppt/notesSlides/notesSlide8.xml><?xml version="1.0" encoding="utf-8"?>
+<p:notes xmlns:a="http://schemas.openxmlformats.org/drawingml/2006/main" xmlns:r="http://schemas.openxmlformats.org/officeDocument/2006/relationships" xmlns:p="http://schemas.openxmlformats.org/presentationml/2006/main">
+  <p:cSld>
+    <p:spTree>
+      <p:nvGrpSpPr>
+        <p:cNvPr id="1" name=""/>
+        <p:cNvGrpSpPr/>
+        <p:nvPr/>
+      </p:nvGrpSpPr>
+      <p:grpSpPr>
+        <a:xfrm>
+          <a:off x="0" y="0"/>
+          <a:ext cx="0" cy="0"/>
+          <a:chOff x="0" y="0"/>
+          <a:chExt cx="0" cy="0"/>
+        </a:xfrm>
+      </p:grpSpPr>
+      <p:sp>
+        <p:nvSpPr>
+          <p:cNvPr id="2" name="Slide Image Placeholder 1"/>
+          <p:cNvSpPr>
+            <a:spLocks noGrp="1" noRot="1" noChangeAspect="1"/>
+          </p:cNvSpPr>
+          <p:nvPr>
+            <p:ph type="sldImg" idx="2"/>
+          </p:nvPr>
+        </p:nvSpPr>
+        <p:spPr/>
+      </p:sp>
+      <p:sp>
+        <p:nvSpPr>
+          <p:cNvPr id="3" name="Notes Placeholder 2"/>
+          <p:cNvSpPr>
+            <a:spLocks noGrp="1"/>
+          </p:cNvSpPr>
+          <p:nvPr>
+            <p:ph type="body" sz="quarter" idx="3"/>
+          </p:nvPr>
+        </p:nvSpPr>
+        <p:spPr/>
+        <p:txBody>
+          <a:bodyPr/>
+          <a:lstStyle/>
+          <a:p>
+            <a:r>
+              <a:rPr dirty="0"/>
+              <a:t>Ask students to consider: does this class really need to own this dependency, or does it only need it temporarily?</a:t>
+            </a:r>
+          </a:p>
+        </p:txBody>
+      </p:sp>
+      <p:sp>
+        <p:nvSpPr>
+          <p:cNvPr id="4" name="Slide Number Placeholder 3"/>
+          <p:cNvSpPr>
+            <a:spLocks noGrp="1"/>
+          </p:cNvSpPr>
+          <p:nvPr>
+            <p:ph type="sldNum" sz="quarter" idx="5"/>
+          </p:nvPr>
+        </p:nvSpPr>
+        <p:spPr/>
+      </p:sp>
+    </p:spTree>
+  </p:cSld>
+  <p:clrMapOvr>
+    <a:masterClrMapping/>
+  </p:clrMapOvr>
+</p:notes>
+</file>
+
+<file path=ppt/notesSlides/notesSlide9.xml><?xml version="1.0" encoding="utf-8"?>
+<p:notes xmlns:a="http://schemas.openxmlformats.org/drawingml/2006/main" xmlns:r="http://schemas.openxmlformats.org/officeDocument/2006/relationships" xmlns:p="http://schemas.openxmlformats.org/presentationml/2006/main">
+  <p:cSld>
+    <p:spTree>
+      <p:nvGrpSpPr>
+        <p:cNvPr id="1" name=""/>
+        <p:cNvGrpSpPr/>
+        <p:nvPr/>
+      </p:nvGrpSpPr>
+      <p:grpSpPr>
+        <a:xfrm>
+          <a:off x="0" y="0"/>
+          <a:ext cx="0" cy="0"/>
+          <a:chOff x="0" y="0"/>
+          <a:chExt cx="0" cy="0"/>
+        </a:xfrm>
+      </p:grpSpPr>
+      <p:sp>
+        <p:nvSpPr>
+          <p:cNvPr id="2" name="Slide Image Placeholder 1"/>
+          <p:cNvSpPr>
+            <a:spLocks noGrp="1" noRot="1" noChangeAspect="1"/>
+          </p:cNvSpPr>
+          <p:nvPr>
+            <p:ph type="sldImg" idx="2"/>
+          </p:nvPr>
+        </p:nvSpPr>
+        <p:spPr/>
+      </p:sp>
+      <p:sp>
+        <p:nvSpPr>
+          <p:cNvPr id="3" name="Notes Placeholder 2"/>
+          <p:cNvSpPr>
+            <a:spLocks noGrp="1"/>
+          </p:cNvSpPr>
+          <p:nvPr>
+            <p:ph type="body" sz="quarter" idx="3"/>
+          </p:nvPr>
+        </p:nvSpPr>
+        <p:spPr/>
+        <p:txBody>
+          <a:bodyPr/>
+          <a:lstStyle/>
+          <a:p>
+            <a:r>
+              <a:rPr dirty="0"/>
+              <a:t>Reinforce OO principles here. Interfaces describe capability without commitment. Diagrams make this distinction obvious and visible.</a:t>
+            </a:r>
+          </a:p>
+        </p:txBody>
+      </p:sp>
+      <p:sp>
+        <p:nvSpPr>
+          <p:cNvPr id="4" name="Slide Number Placeholder 3"/>
+          <p:cNvSpPr>
+            <a:spLocks noGrp="1"/>
+          </p:cNvSpPr>
+          <p:nvPr>
+            <p:ph type="sldNum" sz="quarter" idx="5"/>
+          </p:nvPr>
+        </p:nvSpPr>
+        <p:spPr/>
+      </p:sp>
+    </p:spTree>
+  </p:cSld>
+  <p:clrMapOvr>
+    <a:masterClrMapping/>
+  </p:clrMapOvr>
+</p:notes>
+</file>
+
 <file path=ppt/slideLayouts/slideLayout1.xml><?xml version="1.0" encoding="utf-8"?>
 <p:sldLayout xmlns:a="http://schemas.openxmlformats.org/drawingml/2006/main" xmlns:r="http://schemas.openxmlformats.org/officeDocument/2006/relationships" xmlns:p="http://schemas.openxmlformats.org/presentationml/2006/main" type="title" preserve="1">
   <p:cSld name="Title Slide">
@@ -521,7 +2380,7 @@
           <a:bodyPr/>
           <a:lstStyle/>
           <a:p>
-            <a:endParaRPr lang="en-US"/>
+            <a:endParaRPr lang="en-US" dirty="0"/>
           </a:p>
         </p:txBody>
       </p:sp>
@@ -566,7 +2425,7 @@
           <a:bodyPr/>
           <a:lstStyle/>
           <a:p>
-            <a:endParaRPr lang="en-US"/>
+            <a:endParaRPr lang="en-US" dirty="0"/>
           </a:p>
         </p:txBody>
       </p:sp>
@@ -692,9 +2551,9 @@
           <a:p>
             <a:fld id="{E8505F29-BBDD-A64F-BEAB-04D7D970F760}" type="datetimeFigureOut">
               <a:rPr lang="en-US" smtClean="0"/>
-              <a:t>1/20/26</a:t>
+              <a:t>1/26/26</a:t>
             </a:fld>
-            <a:endParaRPr lang="en-US"/>
+            <a:endParaRPr lang="en-US" dirty="0"/>
           </a:p>
         </p:txBody>
       </p:sp>
@@ -713,7 +2572,7 @@
           <a:bodyPr/>
           <a:lstStyle/>
           <a:p>
-            <a:endParaRPr lang="en-US"/>
+            <a:endParaRPr lang="en-US" dirty="0"/>
           </a:p>
         </p:txBody>
       </p:sp>
@@ -736,7 +2595,7 @@
               <a:rPr lang="en-US" smtClean="0"/>
               <a:t>‹#›</a:t>
             </a:fld>
-            <a:endParaRPr lang="en-US"/>
+            <a:endParaRPr lang="en-US" dirty="0"/>
           </a:p>
         </p:txBody>
       </p:sp>
@@ -1027,9 +2886,9 @@
           <a:p>
             <a:fld id="{E8505F29-BBDD-A64F-BEAB-04D7D970F760}" type="datetimeFigureOut">
               <a:rPr lang="en-US" smtClean="0"/>
-              <a:t>1/20/26</a:t>
+              <a:t>1/26/26</a:t>
             </a:fld>
-            <a:endParaRPr lang="en-US"/>
+            <a:endParaRPr lang="en-US" dirty="0"/>
           </a:p>
         </p:txBody>
       </p:sp>
@@ -1048,7 +2907,7 @@
           <a:bodyPr/>
           <a:lstStyle/>
           <a:p>
-            <a:endParaRPr lang="en-US"/>
+            <a:endParaRPr lang="en-US" dirty="0"/>
           </a:p>
         </p:txBody>
       </p:sp>
@@ -1071,7 +2930,7 @@
               <a:rPr lang="en-US" smtClean="0"/>
               <a:t>‹#›</a:t>
             </a:fld>
-            <a:endParaRPr lang="en-US"/>
+            <a:endParaRPr lang="en-US" dirty="0"/>
           </a:p>
         </p:txBody>
       </p:sp>
@@ -1330,9 +3189,9 @@
           <a:p>
             <a:fld id="{E8505F29-BBDD-A64F-BEAB-04D7D970F760}" type="datetimeFigureOut">
               <a:rPr lang="en-US" smtClean="0"/>
-              <a:t>1/20/26</a:t>
+              <a:t>1/26/26</a:t>
             </a:fld>
-            <a:endParaRPr lang="en-US"/>
+            <a:endParaRPr lang="en-US" dirty="0"/>
           </a:p>
         </p:txBody>
       </p:sp>
@@ -1351,7 +3210,7 @@
           <a:bodyPr/>
           <a:lstStyle/>
           <a:p>
-            <a:endParaRPr lang="en-US"/>
+            <a:endParaRPr lang="en-US" dirty="0"/>
           </a:p>
         </p:txBody>
       </p:sp>
@@ -1374,7 +3233,7 @@
               <a:rPr lang="en-US" smtClean="0"/>
               <a:t>‹#›</a:t>
             </a:fld>
-            <a:endParaRPr lang="en-US"/>
+            <a:endParaRPr lang="en-US" dirty="0"/>
           </a:p>
         </p:txBody>
       </p:sp>
@@ -1451,7 +3310,7 @@
           <a:bodyPr/>
           <a:lstStyle/>
           <a:p>
-            <a:endParaRPr lang="en-US"/>
+            <a:endParaRPr lang="en-US" dirty="0"/>
           </a:p>
         </p:txBody>
       </p:sp>
@@ -1496,7 +3355,7 @@
           <a:bodyPr/>
           <a:lstStyle/>
           <a:p>
-            <a:endParaRPr lang="en-US"/>
+            <a:endParaRPr lang="en-US" dirty="0"/>
           </a:p>
         </p:txBody>
       </p:sp>
@@ -1592,9 +3451,9 @@
           <a:p>
             <a:fld id="{E8505F29-BBDD-A64F-BEAB-04D7D970F760}" type="datetimeFigureOut">
               <a:rPr lang="en-US" smtClean="0"/>
-              <a:t>1/20/26</a:t>
+              <a:t>1/26/26</a:t>
             </a:fld>
-            <a:endParaRPr lang="en-US"/>
+            <a:endParaRPr lang="en-US" dirty="0"/>
           </a:p>
         </p:txBody>
       </p:sp>
@@ -1613,7 +3472,7 @@
           <a:bodyPr/>
           <a:lstStyle/>
           <a:p>
-            <a:endParaRPr lang="en-US"/>
+            <a:endParaRPr lang="en-US" dirty="0"/>
           </a:p>
         </p:txBody>
       </p:sp>
@@ -1636,7 +3495,7 @@
               <a:rPr lang="en-US" smtClean="0"/>
               <a:t>‹#›</a:t>
             </a:fld>
-            <a:endParaRPr lang="en-US"/>
+            <a:endParaRPr lang="en-US" dirty="0"/>
           </a:p>
         </p:txBody>
       </p:sp>
@@ -2000,9 +3859,9 @@
           <a:p>
             <a:fld id="{E8505F29-BBDD-A64F-BEAB-04D7D970F760}" type="datetimeFigureOut">
               <a:rPr lang="en-US" smtClean="0"/>
-              <a:t>1/20/26</a:t>
+              <a:t>1/26/26</a:t>
             </a:fld>
-            <a:endParaRPr lang="en-US"/>
+            <a:endParaRPr lang="en-US" dirty="0"/>
           </a:p>
         </p:txBody>
       </p:sp>
@@ -2021,7 +3880,7 @@
           <a:bodyPr/>
           <a:lstStyle/>
           <a:p>
-            <a:endParaRPr lang="en-US"/>
+            <a:endParaRPr lang="en-US" dirty="0"/>
           </a:p>
         </p:txBody>
       </p:sp>
@@ -2044,7 +3903,7 @@
               <a:rPr lang="en-US" smtClean="0"/>
               <a:t>‹#›</a:t>
             </a:fld>
-            <a:endParaRPr lang="en-US"/>
+            <a:endParaRPr lang="en-US" dirty="0"/>
           </a:p>
         </p:txBody>
       </p:sp>
@@ -2315,9 +4174,9 @@
           <a:p>
             <a:fld id="{E8505F29-BBDD-A64F-BEAB-04D7D970F760}" type="datetimeFigureOut">
               <a:rPr lang="en-US" smtClean="0"/>
-              <a:t>1/20/26</a:t>
+              <a:t>1/26/26</a:t>
             </a:fld>
-            <a:endParaRPr lang="en-US"/>
+            <a:endParaRPr lang="en-US" dirty="0"/>
           </a:p>
         </p:txBody>
       </p:sp>
@@ -2336,7 +4195,7 @@
           <a:bodyPr/>
           <a:lstStyle/>
           <a:p>
-            <a:endParaRPr lang="en-US"/>
+            <a:endParaRPr lang="en-US" dirty="0"/>
           </a:p>
         </p:txBody>
       </p:sp>
@@ -2359,7 +4218,7 @@
               <a:rPr lang="en-US" smtClean="0"/>
               <a:t>‹#›</a:t>
             </a:fld>
-            <a:endParaRPr lang="en-US"/>
+            <a:endParaRPr lang="en-US" dirty="0"/>
           </a:p>
         </p:txBody>
       </p:sp>
@@ -2860,9 +4719,9 @@
           <a:p>
             <a:fld id="{E8505F29-BBDD-A64F-BEAB-04D7D970F760}" type="datetimeFigureOut">
               <a:rPr lang="en-US" smtClean="0"/>
-              <a:t>1/20/26</a:t>
+              <a:t>1/26/26</a:t>
             </a:fld>
-            <a:endParaRPr lang="en-US"/>
+            <a:endParaRPr lang="en-US" dirty="0"/>
           </a:p>
         </p:txBody>
       </p:sp>
@@ -2881,7 +4740,7 @@
           <a:bodyPr/>
           <a:lstStyle/>
           <a:p>
-            <a:endParaRPr lang="en-US"/>
+            <a:endParaRPr lang="en-US" dirty="0"/>
           </a:p>
         </p:txBody>
       </p:sp>
@@ -2904,7 +4763,7 @@
               <a:rPr lang="en-US" smtClean="0"/>
               <a:t>‹#›</a:t>
             </a:fld>
-            <a:endParaRPr lang="en-US"/>
+            <a:endParaRPr lang="en-US" dirty="0"/>
           </a:p>
         </p:txBody>
       </p:sp>
@@ -3056,9 +4915,9 @@
           <a:p>
             <a:fld id="{E8505F29-BBDD-A64F-BEAB-04D7D970F760}" type="datetimeFigureOut">
               <a:rPr lang="en-US" smtClean="0"/>
-              <a:t>1/20/26</a:t>
+              <a:t>1/26/26</a:t>
             </a:fld>
-            <a:endParaRPr lang="en-US"/>
+            <a:endParaRPr lang="en-US" dirty="0"/>
           </a:p>
         </p:txBody>
       </p:sp>
@@ -3077,7 +4936,7 @@
           <a:bodyPr/>
           <a:lstStyle/>
           <a:p>
-            <a:endParaRPr lang="en-US"/>
+            <a:endParaRPr lang="en-US" dirty="0"/>
           </a:p>
         </p:txBody>
       </p:sp>
@@ -3100,7 +4959,7 @@
               <a:rPr lang="en-US" smtClean="0"/>
               <a:t>‹#›</a:t>
             </a:fld>
-            <a:endParaRPr lang="en-US"/>
+            <a:endParaRPr lang="en-US" dirty="0"/>
           </a:p>
         </p:txBody>
       </p:sp>
@@ -3270,9 +5129,9 @@
           <a:p>
             <a:fld id="{E8505F29-BBDD-A64F-BEAB-04D7D970F760}" type="datetimeFigureOut">
               <a:rPr lang="en-US" smtClean="0"/>
-              <a:t>1/20/26</a:t>
+              <a:t>1/26/26</a:t>
             </a:fld>
-            <a:endParaRPr lang="en-US"/>
+            <a:endParaRPr lang="en-US" dirty="0"/>
           </a:p>
         </p:txBody>
       </p:sp>
@@ -3291,7 +5150,7 @@
           <a:bodyPr/>
           <a:lstStyle/>
           <a:p>
-            <a:endParaRPr lang="en-US"/>
+            <a:endParaRPr lang="en-US" dirty="0"/>
           </a:p>
         </p:txBody>
       </p:sp>
@@ -3314,7 +5173,7 @@
               <a:rPr lang="en-US" smtClean="0"/>
               <a:t>‹#›</a:t>
             </a:fld>
-            <a:endParaRPr lang="en-US"/>
+            <a:endParaRPr lang="en-US" dirty="0"/>
           </a:p>
         </p:txBody>
       </p:sp>
@@ -3640,9 +5499,9 @@
           <a:p>
             <a:fld id="{E8505F29-BBDD-A64F-BEAB-04D7D970F760}" type="datetimeFigureOut">
               <a:rPr lang="en-US" smtClean="0"/>
-              <a:t>1/20/26</a:t>
+              <a:t>1/26/26</a:t>
             </a:fld>
-            <a:endParaRPr lang="en-US"/>
+            <a:endParaRPr lang="en-US" dirty="0"/>
           </a:p>
         </p:txBody>
       </p:sp>
@@ -3661,7 +5520,7 @@
           <a:bodyPr/>
           <a:lstStyle/>
           <a:p>
-            <a:endParaRPr lang="en-US"/>
+            <a:endParaRPr lang="en-US" dirty="0"/>
           </a:p>
         </p:txBody>
       </p:sp>
@@ -3684,7 +5543,7 @@
               <a:rPr lang="en-US" smtClean="0"/>
               <a:t>‹#›</a:t>
             </a:fld>
-            <a:endParaRPr lang="en-US"/>
+            <a:endParaRPr lang="en-US" dirty="0"/>
           </a:p>
         </p:txBody>
       </p:sp>
@@ -3878,10 +5737,9 @@
           </a:lstStyle>
           <a:p>
             <a:r>
-              <a:rPr lang="en-US"/>
+              <a:rPr lang="en-US" dirty="0"/>
               <a:t>Click icon to add picture</a:t>
             </a:r>
-            <a:endParaRPr lang="en-US" dirty="0"/>
           </a:p>
         </p:txBody>
       </p:sp>
@@ -4044,9 +5902,9 @@
           <a:p>
             <a:fld id="{E8505F29-BBDD-A64F-BEAB-04D7D970F760}" type="datetimeFigureOut">
               <a:rPr lang="en-US" smtClean="0"/>
-              <a:t>1/20/26</a:t>
+              <a:t>1/26/26</a:t>
             </a:fld>
-            <a:endParaRPr lang="en-US"/>
+            <a:endParaRPr lang="en-US" dirty="0"/>
           </a:p>
         </p:txBody>
       </p:sp>
@@ -4065,7 +5923,7 @@
           <a:bodyPr/>
           <a:lstStyle/>
           <a:p>
-            <a:endParaRPr lang="en-US"/>
+            <a:endParaRPr lang="en-US" dirty="0"/>
           </a:p>
         </p:txBody>
       </p:sp>
@@ -4088,7 +5946,7 @@
               <a:rPr lang="en-US" smtClean="0"/>
               <a:t>‹#›</a:t>
             </a:fld>
-            <a:endParaRPr lang="en-US"/>
+            <a:endParaRPr lang="en-US" dirty="0"/>
           </a:p>
         </p:txBody>
       </p:sp>
@@ -4228,7 +6086,7 @@
           <a:bodyPr/>
           <a:lstStyle/>
           <a:p>
-            <a:endParaRPr lang="en-US"/>
+            <a:endParaRPr lang="en-US" dirty="0"/>
           </a:p>
         </p:txBody>
       </p:sp>
@@ -4363,9 +6221,9 @@
           <a:p>
             <a:fld id="{E8505F29-BBDD-A64F-BEAB-04D7D970F760}" type="datetimeFigureOut">
               <a:rPr lang="en-US" smtClean="0"/>
-              <a:t>1/20/26</a:t>
+              <a:t>1/26/26</a:t>
             </a:fld>
-            <a:endParaRPr lang="en-US"/>
+            <a:endParaRPr lang="en-US" dirty="0"/>
           </a:p>
         </p:txBody>
       </p:sp>
@@ -4402,7 +6260,7 @@
             </a:lvl1pPr>
           </a:lstStyle>
           <a:p>
-            <a:endParaRPr lang="en-US"/>
+            <a:endParaRPr lang="en-US" dirty="0"/>
           </a:p>
         </p:txBody>
       </p:sp>
@@ -4443,7 +6301,7 @@
               <a:rPr lang="en-US" smtClean="0"/>
               <a:t>‹#›</a:t>
             </a:fld>
-            <a:endParaRPr lang="en-US"/>
+            <a:endParaRPr lang="en-US" dirty="0"/>
           </a:p>
         </p:txBody>
       </p:sp>
@@ -4488,7 +6346,7 @@
           <a:bodyPr/>
           <a:lstStyle/>
           <a:p>
-            <a:endParaRPr lang="en-US"/>
+            <a:endParaRPr lang="en-US" dirty="0"/>
           </a:p>
         </p:txBody>
       </p:sp>
@@ -4976,6 +6834,991 @@
 </p:sld>
 </file>
 
+<file path=ppt/slides/slide10.xml><?xml version="1.0" encoding="utf-8"?>
+<p:sld xmlns:a="http://schemas.openxmlformats.org/drawingml/2006/main" xmlns:r="http://schemas.openxmlformats.org/officeDocument/2006/relationships" xmlns:p="http://schemas.openxmlformats.org/presentationml/2006/main">
+  <p:cSld>
+    <p:spTree>
+      <p:nvGrpSpPr>
+        <p:cNvPr id="1" name=""/>
+        <p:cNvGrpSpPr/>
+        <p:nvPr/>
+      </p:nvGrpSpPr>
+      <p:grpSpPr>
+        <a:xfrm>
+          <a:off x="0" y="0"/>
+          <a:ext cx="0" cy="0"/>
+          <a:chOff x="0" y="0"/>
+          <a:chExt cx="0" cy="0"/>
+        </a:xfrm>
+      </p:grpSpPr>
+      <p:sp>
+        <p:nvSpPr>
+          <p:cNvPr id="2" name="Title 1"/>
+          <p:cNvSpPr>
+            <a:spLocks noGrp="1"/>
+          </p:cNvSpPr>
+          <p:nvPr>
+            <p:ph type="title"/>
+          </p:nvPr>
+        </p:nvSpPr>
+        <p:spPr/>
+        <p:txBody>
+          <a:bodyPr/>
+          <a:lstStyle/>
+          <a:p>
+            <a:r>
+              <a:rPr dirty="0"/>
+              <a:t>Temporal / Usage Dependencies</a:t>
+            </a:r>
+          </a:p>
+        </p:txBody>
+      </p:sp>
+      <p:sp>
+        <p:nvSpPr>
+          <p:cNvPr id="3" name="Content Placeholder 2"/>
+          <p:cNvSpPr>
+            <a:spLocks noGrp="1"/>
+          </p:cNvSpPr>
+          <p:nvPr>
+            <p:ph idx="1"/>
+          </p:nvPr>
+        </p:nvSpPr>
+        <p:spPr/>
+        <p:txBody>
+          <a:bodyPr/>
+          <a:lstStyle/>
+          <a:p>
+            <a:pPr marL="0" indent="0">
+              <a:buNone/>
+            </a:pPr>
+            <a:r>
+              <a:rPr lang="en-US" dirty="0"/>
+              <a:t>Not all dependencies should be fields. </a:t>
+            </a:r>
+          </a:p>
+          <a:p>
+            <a:pPr marL="0" indent="0">
+              <a:buNone/>
+            </a:pPr>
+            <a:r>
+              <a:rPr lang="en-US" dirty="0"/>
+              <a:t>UML dependency arrows help distinguish temporary usage from structural ownership.</a:t>
+            </a:r>
+          </a:p>
+          <a:p>
+            <a:r>
+              <a:rPr dirty="0"/>
+              <a:t>Method parameters</a:t>
+            </a:r>
+          </a:p>
+          <a:p>
+            <a:pPr lvl="1"/>
+            <a:r>
+              <a:rPr dirty="0"/>
+              <a:t>Local variables</a:t>
+            </a:r>
+          </a:p>
+          <a:p>
+            <a:pPr lvl="1"/>
+            <a:r>
+              <a:rPr dirty="0"/>
+              <a:t>Short-lived interactions</a:t>
+            </a:r>
+          </a:p>
+        </p:txBody>
+      </p:sp>
+    </p:spTree>
+  </p:cSld>
+  <p:clrMapOvr>
+    <a:masterClrMapping/>
+  </p:clrMapOvr>
+</p:sld>
+</file>
+
+<file path=ppt/slides/slide11.xml><?xml version="1.0" encoding="utf-8"?>
+<p:sld xmlns:a="http://schemas.openxmlformats.org/drawingml/2006/main" xmlns:r="http://schemas.openxmlformats.org/officeDocument/2006/relationships" xmlns:p="http://schemas.openxmlformats.org/presentationml/2006/main">
+  <p:cSld>
+    <p:spTree>
+      <p:nvGrpSpPr>
+        <p:cNvPr id="1" name=""/>
+        <p:cNvGrpSpPr/>
+        <p:nvPr/>
+      </p:nvGrpSpPr>
+      <p:grpSpPr>
+        <a:xfrm>
+          <a:off x="0" y="0"/>
+          <a:ext cx="0" cy="0"/>
+          <a:chOff x="0" y="0"/>
+          <a:chExt cx="0" cy="0"/>
+        </a:xfrm>
+      </p:grpSpPr>
+      <p:sp>
+        <p:nvSpPr>
+          <p:cNvPr id="2" name="Title 1">
+            <a:extLst>
+              <a:ext uri="{FF2B5EF4-FFF2-40B4-BE49-F238E27FC236}">
+                <a16:creationId xmlns:a16="http://schemas.microsoft.com/office/drawing/2014/main" id="{C3714A8F-B083-6201-BE6C-F69FB699C55D}"/>
+              </a:ext>
+            </a:extLst>
+          </p:cNvPr>
+          <p:cNvSpPr>
+            <a:spLocks noGrp="1"/>
+          </p:cNvSpPr>
+          <p:nvPr>
+            <p:ph type="title"/>
+          </p:nvPr>
+        </p:nvSpPr>
+        <p:spPr/>
+        <p:txBody>
+          <a:bodyPr/>
+          <a:lstStyle/>
+          <a:p>
+            <a:r>
+              <a:rPr lang="en-US" dirty="0"/>
+              <a:t>Dependency / Temporal</a:t>
+            </a:r>
+          </a:p>
+        </p:txBody>
+      </p:sp>
+      <p:pic>
+        <p:nvPicPr>
+          <p:cNvPr id="4" name="Picture 3">
+            <a:extLst>
+              <a:ext uri="{FF2B5EF4-FFF2-40B4-BE49-F238E27FC236}">
+                <a16:creationId xmlns:a16="http://schemas.microsoft.com/office/drawing/2014/main" id="{B5EC3052-6241-B866-F94C-353383E5E24E}"/>
+              </a:ext>
+            </a:extLst>
+          </p:cNvPr>
+          <p:cNvPicPr>
+            <a:picLocks noChangeAspect="1"/>
+          </p:cNvPicPr>
+          <p:nvPr/>
+        </p:nvPicPr>
+        <p:blipFill>
+          <a:blip r:embed="rId2"/>
+          <a:stretch>
+            <a:fillRect/>
+          </a:stretch>
+        </p:blipFill>
+        <p:spPr>
+          <a:xfrm>
+            <a:off x="3217190" y="1709116"/>
+            <a:ext cx="6515746" cy="4684130"/>
+          </a:xfrm>
+          <a:prstGeom prst="rect">
+            <a:avLst/>
+          </a:prstGeom>
+        </p:spPr>
+      </p:pic>
+    </p:spTree>
+    <p:extLst>
+      <p:ext uri="{BB962C8B-B14F-4D97-AF65-F5344CB8AC3E}">
+        <p14:creationId xmlns:p14="http://schemas.microsoft.com/office/powerpoint/2010/main" val="2224187386"/>
+      </p:ext>
+    </p:extLst>
+  </p:cSld>
+  <p:clrMapOvr>
+    <a:masterClrMapping/>
+  </p:clrMapOvr>
+</p:sld>
+</file>
+
+<file path=ppt/slides/slide12.xml><?xml version="1.0" encoding="utf-8"?>
+<p:sld xmlns:a="http://schemas.openxmlformats.org/drawingml/2006/main" xmlns:r="http://schemas.openxmlformats.org/officeDocument/2006/relationships" xmlns:p="http://schemas.openxmlformats.org/presentationml/2006/main">
+  <p:cSld>
+    <p:spTree>
+      <p:nvGrpSpPr>
+        <p:cNvPr id="1" name="">
+          <a:extLst>
+            <a:ext uri="{FF2B5EF4-FFF2-40B4-BE49-F238E27FC236}">
+              <a16:creationId xmlns:a16="http://schemas.microsoft.com/office/drawing/2014/main" id="{A758719E-33CC-BA05-92A0-845F8D99A863}"/>
+            </a:ext>
+          </a:extLst>
+        </p:cNvPr>
+        <p:cNvGrpSpPr/>
+        <p:nvPr/>
+      </p:nvGrpSpPr>
+      <p:grpSpPr>
+        <a:xfrm>
+          <a:off x="0" y="0"/>
+          <a:ext cx="0" cy="0"/>
+          <a:chOff x="0" y="0"/>
+          <a:chExt cx="0" cy="0"/>
+        </a:xfrm>
+      </p:grpSpPr>
+      <p:sp>
+        <p:nvSpPr>
+          <p:cNvPr id="2" name="Title 1">
+            <a:extLst>
+              <a:ext uri="{FF2B5EF4-FFF2-40B4-BE49-F238E27FC236}">
+                <a16:creationId xmlns:a16="http://schemas.microsoft.com/office/drawing/2014/main" id="{15B0E62A-1866-01A5-32B0-5B1BECCCCCB9}"/>
+              </a:ext>
+            </a:extLst>
+          </p:cNvPr>
+          <p:cNvSpPr>
+            <a:spLocks noGrp="1"/>
+          </p:cNvSpPr>
+          <p:nvPr>
+            <p:ph type="title"/>
+          </p:nvPr>
+        </p:nvSpPr>
+        <p:spPr/>
+        <p:txBody>
+          <a:bodyPr/>
+          <a:lstStyle/>
+          <a:p>
+            <a:r>
+              <a:rPr lang="en-US" dirty="0"/>
+              <a:t>Association / Structural</a:t>
+            </a:r>
+          </a:p>
+        </p:txBody>
+      </p:sp>
+      <p:pic>
+        <p:nvPicPr>
+          <p:cNvPr id="3" name="Picture 2">
+            <a:extLst>
+              <a:ext uri="{FF2B5EF4-FFF2-40B4-BE49-F238E27FC236}">
+                <a16:creationId xmlns:a16="http://schemas.microsoft.com/office/drawing/2014/main" id="{CD7D034A-A644-8C27-E374-FF27807E0CE1}"/>
+              </a:ext>
+            </a:extLst>
+          </p:cNvPr>
+          <p:cNvPicPr>
+            <a:picLocks noChangeAspect="1"/>
+          </p:cNvPicPr>
+          <p:nvPr/>
+        </p:nvPicPr>
+        <p:blipFill>
+          <a:blip r:embed="rId2"/>
+          <a:srcRect/>
+          <a:stretch/>
+        </p:blipFill>
+        <p:spPr>
+          <a:xfrm>
+            <a:off x="1621861" y="1715030"/>
+            <a:ext cx="9800674" cy="4326749"/>
+          </a:xfrm>
+          <a:prstGeom prst="rect">
+            <a:avLst/>
+          </a:prstGeom>
+        </p:spPr>
+      </p:pic>
+    </p:spTree>
+    <p:extLst>
+      <p:ext uri="{BB962C8B-B14F-4D97-AF65-F5344CB8AC3E}">
+        <p14:creationId xmlns:p14="http://schemas.microsoft.com/office/powerpoint/2010/main" val="1998133394"/>
+      </p:ext>
+    </p:extLst>
+  </p:cSld>
+  <p:clrMapOvr>
+    <a:masterClrMapping/>
+  </p:clrMapOvr>
+</p:sld>
+</file>
+
+<file path=ppt/slides/slide13.xml><?xml version="1.0" encoding="utf-8"?>
+<p:sld xmlns:a="http://schemas.openxmlformats.org/drawingml/2006/main" xmlns:r="http://schemas.openxmlformats.org/officeDocument/2006/relationships" xmlns:p="http://schemas.openxmlformats.org/presentationml/2006/main">
+  <p:cSld>
+    <p:spTree>
+      <p:nvGrpSpPr>
+        <p:cNvPr id="1" name="">
+          <a:extLst>
+            <a:ext uri="{FF2B5EF4-FFF2-40B4-BE49-F238E27FC236}">
+              <a16:creationId xmlns:a16="http://schemas.microsoft.com/office/drawing/2014/main" id="{FA1029D4-32C5-9979-F5AA-1CBE958EEE23}"/>
+            </a:ext>
+          </a:extLst>
+        </p:cNvPr>
+        <p:cNvGrpSpPr/>
+        <p:nvPr/>
+      </p:nvGrpSpPr>
+      <p:grpSpPr>
+        <a:xfrm>
+          <a:off x="0" y="0"/>
+          <a:ext cx="0" cy="0"/>
+          <a:chOff x="0" y="0"/>
+          <a:chExt cx="0" cy="0"/>
+        </a:xfrm>
+      </p:grpSpPr>
+      <p:sp>
+        <p:nvSpPr>
+          <p:cNvPr id="2" name="Title 1">
+            <a:extLst>
+              <a:ext uri="{FF2B5EF4-FFF2-40B4-BE49-F238E27FC236}">
+                <a16:creationId xmlns:a16="http://schemas.microsoft.com/office/drawing/2014/main" id="{584C88A6-4028-2B67-3786-B01A8984C604}"/>
+              </a:ext>
+            </a:extLst>
+          </p:cNvPr>
+          <p:cNvSpPr>
+            <a:spLocks noGrp="1"/>
+          </p:cNvSpPr>
+          <p:nvPr>
+            <p:ph type="title"/>
+          </p:nvPr>
+        </p:nvSpPr>
+        <p:spPr/>
+        <p:txBody>
+          <a:bodyPr/>
+          <a:lstStyle/>
+          <a:p>
+            <a:r>
+              <a:rPr lang="en-US" dirty="0"/>
+              <a:t>Aggregation / Structural</a:t>
+            </a:r>
+          </a:p>
+        </p:txBody>
+      </p:sp>
+      <p:pic>
+        <p:nvPicPr>
+          <p:cNvPr id="4" name="Picture 3">
+            <a:extLst>
+              <a:ext uri="{FF2B5EF4-FFF2-40B4-BE49-F238E27FC236}">
+                <a16:creationId xmlns:a16="http://schemas.microsoft.com/office/drawing/2014/main" id="{290A7B34-3B6B-7843-60B4-C096CDDE1AFF}"/>
+              </a:ext>
+            </a:extLst>
+          </p:cNvPr>
+          <p:cNvPicPr>
+            <a:picLocks noChangeAspect="1"/>
+          </p:cNvPicPr>
+          <p:nvPr/>
+        </p:nvPicPr>
+        <p:blipFill>
+          <a:blip r:embed="rId2"/>
+          <a:srcRect/>
+          <a:stretch/>
+        </p:blipFill>
+        <p:spPr>
+          <a:xfrm>
+            <a:off x="1638248" y="1885285"/>
+            <a:ext cx="9291305" cy="4326749"/>
+          </a:xfrm>
+          <a:prstGeom prst="rect">
+            <a:avLst/>
+          </a:prstGeom>
+        </p:spPr>
+      </p:pic>
+    </p:spTree>
+    <p:extLst>
+      <p:ext uri="{BB962C8B-B14F-4D97-AF65-F5344CB8AC3E}">
+        <p14:creationId xmlns:p14="http://schemas.microsoft.com/office/powerpoint/2010/main" val="2654434877"/>
+      </p:ext>
+    </p:extLst>
+  </p:cSld>
+  <p:clrMapOvr>
+    <a:masterClrMapping/>
+  </p:clrMapOvr>
+</p:sld>
+</file>
+
+<file path=ppt/slides/slide14.xml><?xml version="1.0" encoding="utf-8"?>
+<p:sld xmlns:a="http://schemas.openxmlformats.org/drawingml/2006/main" xmlns:r="http://schemas.openxmlformats.org/officeDocument/2006/relationships" xmlns:p="http://schemas.openxmlformats.org/presentationml/2006/main">
+  <p:cSld>
+    <p:spTree>
+      <p:nvGrpSpPr>
+        <p:cNvPr id="1" name="">
+          <a:extLst>
+            <a:ext uri="{FF2B5EF4-FFF2-40B4-BE49-F238E27FC236}">
+              <a16:creationId xmlns:a16="http://schemas.microsoft.com/office/drawing/2014/main" id="{F684B628-C93C-65CB-BFD3-7B73765CBCEF}"/>
+            </a:ext>
+          </a:extLst>
+        </p:cNvPr>
+        <p:cNvGrpSpPr/>
+        <p:nvPr/>
+      </p:nvGrpSpPr>
+      <p:grpSpPr>
+        <a:xfrm>
+          <a:off x="0" y="0"/>
+          <a:ext cx="0" cy="0"/>
+          <a:chOff x="0" y="0"/>
+          <a:chExt cx="0" cy="0"/>
+        </a:xfrm>
+      </p:grpSpPr>
+      <p:sp>
+        <p:nvSpPr>
+          <p:cNvPr id="2" name="Title 1">
+            <a:extLst>
+              <a:ext uri="{FF2B5EF4-FFF2-40B4-BE49-F238E27FC236}">
+                <a16:creationId xmlns:a16="http://schemas.microsoft.com/office/drawing/2014/main" id="{1AF06F6D-73AD-263F-90B7-47AB916F3B63}"/>
+              </a:ext>
+            </a:extLst>
+          </p:cNvPr>
+          <p:cNvSpPr>
+            <a:spLocks noGrp="1"/>
+          </p:cNvSpPr>
+          <p:nvPr>
+            <p:ph type="title"/>
+          </p:nvPr>
+        </p:nvSpPr>
+        <p:spPr/>
+        <p:txBody>
+          <a:bodyPr/>
+          <a:lstStyle/>
+          <a:p>
+            <a:r>
+              <a:rPr lang="en-US" dirty="0"/>
+              <a:t>Composition / Structural</a:t>
+            </a:r>
+          </a:p>
+        </p:txBody>
+      </p:sp>
+      <p:pic>
+        <p:nvPicPr>
+          <p:cNvPr id="4" name="Picture 3">
+            <a:extLst>
+              <a:ext uri="{FF2B5EF4-FFF2-40B4-BE49-F238E27FC236}">
+                <a16:creationId xmlns:a16="http://schemas.microsoft.com/office/drawing/2014/main" id="{3DA4B9D7-D4CE-2B77-1F3B-19E60DE997E1}"/>
+              </a:ext>
+            </a:extLst>
+          </p:cNvPr>
+          <p:cNvPicPr>
+            <a:picLocks noChangeAspect="1"/>
+          </p:cNvPicPr>
+          <p:nvPr/>
+        </p:nvPicPr>
+        <p:blipFill>
+          <a:blip r:embed="rId2"/>
+          <a:srcRect/>
+          <a:stretch/>
+        </p:blipFill>
+        <p:spPr>
+          <a:xfrm>
+            <a:off x="3201168" y="1885285"/>
+            <a:ext cx="6165465" cy="4326749"/>
+          </a:xfrm>
+          <a:prstGeom prst="rect">
+            <a:avLst/>
+          </a:prstGeom>
+        </p:spPr>
+      </p:pic>
+    </p:spTree>
+    <p:extLst>
+      <p:ext uri="{BB962C8B-B14F-4D97-AF65-F5344CB8AC3E}">
+        <p14:creationId xmlns:p14="http://schemas.microsoft.com/office/powerpoint/2010/main" val="480174641"/>
+      </p:ext>
+    </p:extLst>
+  </p:cSld>
+  <p:clrMapOvr>
+    <a:masterClrMapping/>
+  </p:clrMapOvr>
+</p:sld>
+</file>
+
+<file path=ppt/slides/slide15.xml><?xml version="1.0" encoding="utf-8"?>
+<p:sld xmlns:a="http://schemas.openxmlformats.org/drawingml/2006/main" xmlns:r="http://schemas.openxmlformats.org/officeDocument/2006/relationships" xmlns:p="http://schemas.openxmlformats.org/presentationml/2006/main">
+  <p:cSld>
+    <p:spTree>
+      <p:nvGrpSpPr>
+        <p:cNvPr id="1" name=""/>
+        <p:cNvGrpSpPr/>
+        <p:nvPr/>
+      </p:nvGrpSpPr>
+      <p:grpSpPr>
+        <a:xfrm>
+          <a:off x="0" y="0"/>
+          <a:ext cx="0" cy="0"/>
+          <a:chOff x="0" y="0"/>
+          <a:chExt cx="0" cy="0"/>
+        </a:xfrm>
+      </p:grpSpPr>
+      <p:sp>
+        <p:nvSpPr>
+          <p:cNvPr id="2" name="Title 1"/>
+          <p:cNvSpPr>
+            <a:spLocks noGrp="1"/>
+          </p:cNvSpPr>
+          <p:nvPr>
+            <p:ph type="title"/>
+          </p:nvPr>
+        </p:nvSpPr>
+        <p:spPr/>
+        <p:txBody>
+          <a:bodyPr/>
+          <a:lstStyle/>
+          <a:p>
+            <a:r>
+              <a:rPr dirty="0"/>
+              <a:t>Why Usage Dependencies Matter</a:t>
+            </a:r>
+          </a:p>
+        </p:txBody>
+      </p:sp>
+      <p:sp>
+        <p:nvSpPr>
+          <p:cNvPr id="3" name="Content Placeholder 2"/>
+          <p:cNvSpPr>
+            <a:spLocks noGrp="1"/>
+          </p:cNvSpPr>
+          <p:nvPr>
+            <p:ph idx="1"/>
+          </p:nvPr>
+        </p:nvSpPr>
+        <p:spPr/>
+        <p:txBody>
+          <a:bodyPr/>
+          <a:lstStyle/>
+          <a:p>
+            <a:r>
+              <a:rPr lang="en-US" dirty="0"/>
+              <a:t>While performing your design, consider this: “Does this class really need to own this dependency, or does it only need it temporarily?”</a:t>
+            </a:r>
+          </a:p>
+          <a:p>
+            <a:r>
+              <a:rPr dirty="0"/>
+              <a:t>Reduce unnecessary coupling</a:t>
+            </a:r>
+          </a:p>
+          <a:p>
+            <a:pPr lvl="1"/>
+            <a:r>
+              <a:rPr dirty="0"/>
+              <a:t>Clarify required collaborators</a:t>
+            </a:r>
+          </a:p>
+          <a:p>
+            <a:pPr lvl="1"/>
+            <a:r>
+              <a:rPr dirty="0"/>
+              <a:t>Support cleaner APIs</a:t>
+            </a:r>
+          </a:p>
+        </p:txBody>
+      </p:sp>
+    </p:spTree>
+  </p:cSld>
+  <p:clrMapOvr>
+    <a:masterClrMapping/>
+  </p:clrMapOvr>
+</p:sld>
+</file>
+
+<file path=ppt/slides/slide16.xml><?xml version="1.0" encoding="utf-8"?>
+<p:sld xmlns:a="http://schemas.openxmlformats.org/drawingml/2006/main" xmlns:r="http://schemas.openxmlformats.org/officeDocument/2006/relationships" xmlns:p="http://schemas.openxmlformats.org/presentationml/2006/main">
+  <p:cSld>
+    <p:spTree>
+      <p:nvGrpSpPr>
+        <p:cNvPr id="1" name=""/>
+        <p:cNvGrpSpPr/>
+        <p:nvPr/>
+      </p:nvGrpSpPr>
+      <p:grpSpPr>
+        <a:xfrm>
+          <a:off x="0" y="0"/>
+          <a:ext cx="0" cy="0"/>
+          <a:chOff x="0" y="0"/>
+          <a:chExt cx="0" cy="0"/>
+        </a:xfrm>
+      </p:grpSpPr>
+      <p:sp>
+        <p:nvSpPr>
+          <p:cNvPr id="2" name="Title 1"/>
+          <p:cNvSpPr>
+            <a:spLocks noGrp="1"/>
+          </p:cNvSpPr>
+          <p:nvPr>
+            <p:ph type="title"/>
+          </p:nvPr>
+        </p:nvSpPr>
+        <p:spPr/>
+        <p:txBody>
+          <a:bodyPr/>
+          <a:lstStyle/>
+          <a:p>
+            <a:r>
+              <a:rPr dirty="0"/>
+              <a:t>Interfaces vs Concrete Dependencies</a:t>
+            </a:r>
+          </a:p>
+        </p:txBody>
+      </p:sp>
+      <p:sp>
+        <p:nvSpPr>
+          <p:cNvPr id="3" name="Content Placeholder 2"/>
+          <p:cNvSpPr>
+            <a:spLocks noGrp="1"/>
+          </p:cNvSpPr>
+          <p:nvPr>
+            <p:ph idx="1"/>
+          </p:nvPr>
+        </p:nvSpPr>
+        <p:spPr/>
+        <p:txBody>
+          <a:bodyPr/>
+          <a:lstStyle/>
+          <a:p>
+            <a:pPr marL="0" indent="0">
+              <a:buNone/>
+            </a:pPr>
+            <a:r>
+              <a:rPr lang="en-US" dirty="0"/>
+              <a:t>Interfaces describe capability </a:t>
+            </a:r>
+            <a:r>
+              <a:rPr lang="en-US" i="1" dirty="0"/>
+              <a:t>without commitment</a:t>
+            </a:r>
+            <a:r>
+              <a:rPr lang="en-US" dirty="0"/>
+              <a:t>. </a:t>
+            </a:r>
+          </a:p>
+          <a:p>
+            <a:pPr marL="0" indent="0">
+              <a:buNone/>
+            </a:pPr>
+            <a:r>
+              <a:rPr lang="en-US" dirty="0"/>
+              <a:t>Diagrams make this distinction obvious and visible.</a:t>
+            </a:r>
+          </a:p>
+          <a:p>
+            <a:r>
+              <a:rPr dirty="0"/>
+              <a:t>Interfaces express contracts</a:t>
+            </a:r>
+          </a:p>
+          <a:p>
+            <a:pPr lvl="1"/>
+            <a:r>
+              <a:rPr dirty="0"/>
+              <a:t>Concrete classes express decisions</a:t>
+            </a:r>
+          </a:p>
+          <a:p>
+            <a:pPr lvl="1"/>
+            <a:r>
+              <a:rPr dirty="0"/>
+              <a:t>Prefer depending on abstractions</a:t>
+            </a:r>
+          </a:p>
+        </p:txBody>
+      </p:sp>
+    </p:spTree>
+  </p:cSld>
+  <p:clrMapOvr>
+    <a:masterClrMapping/>
+  </p:clrMapOvr>
+</p:sld>
+</file>
+
+<file path=ppt/slides/slide17.xml><?xml version="1.0" encoding="utf-8"?>
+<p:sld xmlns:a="http://schemas.openxmlformats.org/drawingml/2006/main" xmlns:r="http://schemas.openxmlformats.org/officeDocument/2006/relationships" xmlns:p="http://schemas.openxmlformats.org/presentationml/2006/main">
+  <p:cSld>
+    <p:spTree>
+      <p:nvGrpSpPr>
+        <p:cNvPr id="1" name="">
+          <a:extLst>
+            <a:ext uri="{FF2B5EF4-FFF2-40B4-BE49-F238E27FC236}">
+              <a16:creationId xmlns:a16="http://schemas.microsoft.com/office/drawing/2014/main" id="{6513E7AA-B9D1-AB8F-198E-EA01AF5C0F1D}"/>
+            </a:ext>
+          </a:extLst>
+        </p:cNvPr>
+        <p:cNvGrpSpPr/>
+        <p:nvPr/>
+      </p:nvGrpSpPr>
+      <p:grpSpPr>
+        <a:xfrm>
+          <a:off x="0" y="0"/>
+          <a:ext cx="0" cy="0"/>
+          <a:chOff x="0" y="0"/>
+          <a:chExt cx="0" cy="0"/>
+        </a:xfrm>
+      </p:grpSpPr>
+      <p:sp>
+        <p:nvSpPr>
+          <p:cNvPr id="2" name="Title 1">
+            <a:extLst>
+              <a:ext uri="{FF2B5EF4-FFF2-40B4-BE49-F238E27FC236}">
+                <a16:creationId xmlns:a16="http://schemas.microsoft.com/office/drawing/2014/main" id="{66EBDCB7-F2F1-8C4D-B372-D0FB620163A2}"/>
+              </a:ext>
+            </a:extLst>
+          </p:cNvPr>
+          <p:cNvSpPr>
+            <a:spLocks noGrp="1"/>
+          </p:cNvSpPr>
+          <p:nvPr>
+            <p:ph type="title"/>
+          </p:nvPr>
+        </p:nvSpPr>
+        <p:spPr/>
+        <p:txBody>
+          <a:bodyPr/>
+          <a:lstStyle/>
+          <a:p>
+            <a:r>
+              <a:rPr dirty="0"/>
+              <a:t>Interfaces vs Concrete Dependencies</a:t>
+            </a:r>
+          </a:p>
+        </p:txBody>
+      </p:sp>
+      <p:pic>
+        <p:nvPicPr>
+          <p:cNvPr id="7" name="Picture 6">
+            <a:extLst>
+              <a:ext uri="{FF2B5EF4-FFF2-40B4-BE49-F238E27FC236}">
+                <a16:creationId xmlns:a16="http://schemas.microsoft.com/office/drawing/2014/main" id="{A34E9862-DBF3-0864-0B3A-1FD617D36FEB}"/>
+              </a:ext>
+            </a:extLst>
+          </p:cNvPr>
+          <p:cNvPicPr>
+            <a:picLocks noChangeAspect="1"/>
+          </p:cNvPicPr>
+          <p:nvPr/>
+        </p:nvPicPr>
+        <p:blipFill>
+          <a:blip r:embed="rId3"/>
+          <a:stretch>
+            <a:fillRect/>
+          </a:stretch>
+        </p:blipFill>
+        <p:spPr>
+          <a:xfrm>
+            <a:off x="1279301" y="1885285"/>
+            <a:ext cx="9633398" cy="3188813"/>
+          </a:xfrm>
+          <a:prstGeom prst="rect">
+            <a:avLst/>
+          </a:prstGeom>
+        </p:spPr>
+      </p:pic>
+    </p:spTree>
+    <p:extLst>
+      <p:ext uri="{BB962C8B-B14F-4D97-AF65-F5344CB8AC3E}">
+        <p14:creationId xmlns:p14="http://schemas.microsoft.com/office/powerpoint/2010/main" val="3879621403"/>
+      </p:ext>
+    </p:extLst>
+  </p:cSld>
+  <p:clrMapOvr>
+    <a:masterClrMapping/>
+  </p:clrMapOvr>
+</p:sld>
+</file>
+
+<file path=ppt/slides/slide18.xml><?xml version="1.0" encoding="utf-8"?>
+<p:sld xmlns:a="http://schemas.openxmlformats.org/drawingml/2006/main" xmlns:r="http://schemas.openxmlformats.org/officeDocument/2006/relationships" xmlns:p="http://schemas.openxmlformats.org/presentationml/2006/main">
+  <p:cSld>
+    <p:spTree>
+      <p:nvGrpSpPr>
+        <p:cNvPr id="1" name=""/>
+        <p:cNvGrpSpPr/>
+        <p:nvPr/>
+      </p:nvGrpSpPr>
+      <p:grpSpPr>
+        <a:xfrm>
+          <a:off x="0" y="0"/>
+          <a:ext cx="0" cy="0"/>
+          <a:chOff x="0" y="0"/>
+          <a:chExt cx="0" cy="0"/>
+        </a:xfrm>
+      </p:grpSpPr>
+      <p:sp>
+        <p:nvSpPr>
+          <p:cNvPr id="2" name="Title 1"/>
+          <p:cNvSpPr>
+            <a:spLocks noGrp="1"/>
+          </p:cNvSpPr>
+          <p:nvPr>
+            <p:ph type="title"/>
+          </p:nvPr>
+        </p:nvSpPr>
+        <p:spPr/>
+        <p:txBody>
+          <a:bodyPr/>
+          <a:lstStyle/>
+          <a:p>
+            <a:r>
+              <a:rPr dirty="0"/>
+              <a:t>Seeing Abstractions Visually</a:t>
+            </a:r>
+          </a:p>
+        </p:txBody>
+      </p:sp>
+      <p:sp>
+        <p:nvSpPr>
+          <p:cNvPr id="3" name="Content Placeholder 2"/>
+          <p:cNvSpPr>
+            <a:spLocks noGrp="1"/>
+          </p:cNvSpPr>
+          <p:nvPr>
+            <p:ph idx="1"/>
+          </p:nvPr>
+        </p:nvSpPr>
+        <p:spPr>
+          <a:xfrm>
+            <a:off x="2773599" y="2052116"/>
+            <a:ext cx="7796540" cy="2920600"/>
+          </a:xfrm>
+        </p:spPr>
+        <p:txBody>
+          <a:bodyPr>
+            <a:normAutofit/>
+          </a:bodyPr>
+          <a:lstStyle/>
+          <a:p>
+            <a:pPr marL="0" indent="0">
+              <a:buNone/>
+            </a:pPr>
+            <a:r>
+              <a:rPr lang="en-US" dirty="0"/>
+              <a:t>Patterns like Strategy and Observer become much clearer when interfaces are visible and not hidden behind concrete implementations.</a:t>
+            </a:r>
+          </a:p>
+          <a:p>
+            <a:r>
+              <a:rPr dirty="0"/>
+              <a:t>Interfaces as first-class elements</a:t>
+            </a:r>
+          </a:p>
+          <a:p>
+            <a:pPr lvl="1"/>
+            <a:r>
+              <a:rPr dirty="0"/>
+              <a:t>Multiple realizations</a:t>
+            </a:r>
+          </a:p>
+          <a:p>
+            <a:pPr lvl="1"/>
+            <a:r>
+              <a:rPr dirty="0"/>
+              <a:t>Pluggable behavior</a:t>
+            </a:r>
+          </a:p>
+        </p:txBody>
+      </p:sp>
+      <p:pic>
+        <p:nvPicPr>
+          <p:cNvPr id="4" name="Picture 3">
+            <a:extLst>
+              <a:ext uri="{FF2B5EF4-FFF2-40B4-BE49-F238E27FC236}">
+                <a16:creationId xmlns:a16="http://schemas.microsoft.com/office/drawing/2014/main" id="{08CA1C65-2F08-000B-DE99-E765553AAEF9}"/>
+              </a:ext>
+            </a:extLst>
+          </p:cNvPr>
+          <p:cNvPicPr>
+            <a:picLocks noChangeAspect="1"/>
+          </p:cNvPicPr>
+          <p:nvPr/>
+        </p:nvPicPr>
+        <p:blipFill>
+          <a:blip r:embed="rId3"/>
+          <a:stretch>
+            <a:fillRect/>
+          </a:stretch>
+        </p:blipFill>
+        <p:spPr>
+          <a:xfrm>
+            <a:off x="6096000" y="4355024"/>
+            <a:ext cx="5782639" cy="1914148"/>
+          </a:xfrm>
+          <a:prstGeom prst="rect">
+            <a:avLst/>
+          </a:prstGeom>
+        </p:spPr>
+      </p:pic>
+    </p:spTree>
+  </p:cSld>
+  <p:clrMapOvr>
+    <a:masterClrMapping/>
+  </p:clrMapOvr>
+</p:sld>
+</file>
+
+<file path=ppt/slides/slide19.xml><?xml version="1.0" encoding="utf-8"?>
+<p:sld xmlns:a="http://schemas.openxmlformats.org/drawingml/2006/main" xmlns:r="http://schemas.openxmlformats.org/officeDocument/2006/relationships" xmlns:p="http://schemas.openxmlformats.org/presentationml/2006/main">
+  <p:cSld>
+    <p:spTree>
+      <p:nvGrpSpPr>
+        <p:cNvPr id="1" name=""/>
+        <p:cNvGrpSpPr/>
+        <p:nvPr/>
+      </p:nvGrpSpPr>
+      <p:grpSpPr>
+        <a:xfrm>
+          <a:off x="0" y="0"/>
+          <a:ext cx="0" cy="0"/>
+          <a:chOff x="0" y="0"/>
+          <a:chExt cx="0" cy="0"/>
+        </a:xfrm>
+      </p:grpSpPr>
+      <p:sp>
+        <p:nvSpPr>
+          <p:cNvPr id="2" name="Title 1"/>
+          <p:cNvSpPr>
+            <a:spLocks noGrp="1"/>
+          </p:cNvSpPr>
+          <p:nvPr>
+            <p:ph type="title"/>
+          </p:nvPr>
+        </p:nvSpPr>
+        <p:spPr/>
+        <p:txBody>
+          <a:bodyPr/>
+          <a:lstStyle/>
+          <a:p>
+            <a:r>
+              <a:rPr dirty="0"/>
+              <a:t>Focused Design Discussions</a:t>
+            </a:r>
+          </a:p>
+        </p:txBody>
+      </p:sp>
+      <p:sp>
+        <p:nvSpPr>
+          <p:cNvPr id="3" name="Content Placeholder 2"/>
+          <p:cNvSpPr>
+            <a:spLocks noGrp="1"/>
+          </p:cNvSpPr>
+          <p:nvPr>
+            <p:ph idx="1"/>
+          </p:nvPr>
+        </p:nvSpPr>
+        <p:spPr/>
+        <p:txBody>
+          <a:bodyPr/>
+          <a:lstStyle/>
+          <a:p>
+            <a:pPr marL="0" indent="0">
+              <a:buNone/>
+            </a:pPr>
+            <a:r>
+              <a:rPr lang="en-US" b="1" dirty="0"/>
+              <a:t>Good diagrams are selective!</a:t>
+            </a:r>
+            <a:r>
+              <a:rPr lang="en-US" dirty="0"/>
+              <a:t> Diagram what matters for the decision you are considering, not everything that exists.</a:t>
+            </a:r>
+          </a:p>
+          <a:p>
+            <a:r>
+              <a:rPr dirty="0"/>
+              <a:t>Limit diagrams to key classes</a:t>
+            </a:r>
+          </a:p>
+          <a:p>
+            <a:pPr lvl="1"/>
+            <a:r>
+              <a:rPr dirty="0"/>
+              <a:t>Avoid giant system diagrams</a:t>
+            </a:r>
+          </a:p>
+          <a:p>
+            <a:pPr lvl="1"/>
+            <a:r>
+              <a:rPr dirty="0"/>
+              <a:t>Design is contextual</a:t>
+            </a:r>
+          </a:p>
+        </p:txBody>
+      </p:sp>
+    </p:spTree>
+  </p:cSld>
+  <p:clrMapOvr>
+    <a:masterClrMapping/>
+  </p:clrMapOvr>
+</p:sld>
+</file>
+
 <file path=ppt/slides/slide2.xml><?xml version="1.0" encoding="utf-8"?>
 <p:sld xmlns:a="http://schemas.openxmlformats.org/drawingml/2006/main" xmlns:r="http://schemas.openxmlformats.org/officeDocument/2006/relationships" xmlns:p="http://schemas.openxmlformats.org/presentationml/2006/main">
   <p:cSld>
@@ -5402,33 +8245,7 @@
                 <a:effectLst/>
                 <a:latin typeface="Arial" panose="020B0604020202020204" pitchFamily="34" charset="0"/>
               </a:rPr>
-              <a:t>Best practices for using Mermaid to create </a:t>
-            </a:r>
-            <a:r>
-              <a:rPr kumimoji="0" lang="en-US" altLang="en-US" sz="1800" b="0" i="0" u="none" strike="noStrike" cap="none" normalizeH="0" baseline="0" dirty="0" err="1">
-                <a:ln>
-                  <a:noFill/>
-                </a:ln>
-                <a:solidFill>
-                  <a:schemeClr val="tx1"/>
-                </a:solidFill>
-                <a:effectLst/>
-                <a:latin typeface="Arial" panose="020B0604020202020204" pitchFamily="34" charset="0"/>
-              </a:rPr>
-              <a:t>versionable</a:t>
-            </a:r>
-            <a:r>
-              <a:rPr kumimoji="0" lang="en-US" altLang="en-US" sz="1800" b="0" i="0" u="none" strike="noStrike" cap="none" normalizeH="0" baseline="0" dirty="0">
-                <a:ln>
-                  <a:noFill/>
-                </a:ln>
-                <a:solidFill>
-                  <a:schemeClr val="tx1"/>
-                </a:solidFill>
-                <a:effectLst/>
-                <a:latin typeface="Arial" panose="020B0604020202020204" pitchFamily="34" charset="0"/>
-              </a:rPr>
-              <a:t>, AI-friendly diagrams that evolve alongside the codebase.</a:t>
+              <a:t>Best practices for using Mermaid to create versionable, AI-friendly diagrams that evolve alongside the codebase.</a:t>
             </a:r>
           </a:p>
         </p:txBody>
@@ -5439,6 +8256,1080 @@
         <p14:creationId xmlns:p14="http://schemas.microsoft.com/office/powerpoint/2010/main" val="3800254734"/>
       </p:ext>
     </p:extLst>
+  </p:cSld>
+  <p:clrMapOvr>
+    <a:masterClrMapping/>
+  </p:clrMapOvr>
+</p:sld>
+</file>
+
+<file path=ppt/slides/slide20.xml><?xml version="1.0" encoding="utf-8"?>
+<p:sld xmlns:a="http://schemas.openxmlformats.org/drawingml/2006/main" xmlns:r="http://schemas.openxmlformats.org/officeDocument/2006/relationships" xmlns:p="http://schemas.openxmlformats.org/presentationml/2006/main">
+  <p:cSld>
+    <p:spTree>
+      <p:nvGrpSpPr>
+        <p:cNvPr id="1" name=""/>
+        <p:cNvGrpSpPr/>
+        <p:nvPr/>
+      </p:nvGrpSpPr>
+      <p:grpSpPr>
+        <a:xfrm>
+          <a:off x="0" y="0"/>
+          <a:ext cx="0" cy="0"/>
+          <a:chOff x="0" y="0"/>
+          <a:chExt cx="0" cy="0"/>
+        </a:xfrm>
+      </p:grpSpPr>
+      <p:sp>
+        <p:nvSpPr>
+          <p:cNvPr id="2" name="Title 1"/>
+          <p:cNvSpPr>
+            <a:spLocks noGrp="1"/>
+          </p:cNvSpPr>
+          <p:nvPr>
+            <p:ph type="title"/>
+          </p:nvPr>
+        </p:nvSpPr>
+        <p:spPr/>
+        <p:txBody>
+          <a:bodyPr/>
+          <a:lstStyle/>
+          <a:p>
+            <a:r>
+              <a:rPr dirty="0"/>
+              <a:t>Why Diagrams Beat Code for Discussion</a:t>
+            </a:r>
+          </a:p>
+        </p:txBody>
+      </p:sp>
+      <p:sp>
+        <p:nvSpPr>
+          <p:cNvPr id="3" name="Content Placeholder 2"/>
+          <p:cNvSpPr>
+            <a:spLocks noGrp="1"/>
+          </p:cNvSpPr>
+          <p:nvPr>
+            <p:ph idx="1"/>
+          </p:nvPr>
+        </p:nvSpPr>
+        <p:spPr/>
+        <p:txBody>
+          <a:bodyPr/>
+          <a:lstStyle/>
+          <a:p>
+            <a:pPr marL="0" indent="0">
+              <a:buNone/>
+            </a:pPr>
+            <a:r>
+              <a:rPr lang="en-US" b="1" dirty="0"/>
+              <a:t>Reading code is serial and slow. </a:t>
+            </a:r>
+          </a:p>
+          <a:p>
+            <a:pPr marL="0" indent="0">
+              <a:buNone/>
+            </a:pPr>
+            <a:r>
+              <a:rPr lang="en-US" dirty="0"/>
+              <a:t>Diagrams allow parallel understanding and quicker agreement or disagreement during reviews.</a:t>
+            </a:r>
+          </a:p>
+          <a:p>
+            <a:r>
+              <a:rPr dirty="0"/>
+              <a:t>Easier to reason about structure</a:t>
+            </a:r>
+          </a:p>
+          <a:p>
+            <a:pPr lvl="1"/>
+            <a:r>
+              <a:rPr dirty="0"/>
+              <a:t>Less cognitive load</a:t>
+            </a:r>
+          </a:p>
+          <a:p>
+            <a:pPr lvl="1"/>
+            <a:r>
+              <a:rPr dirty="0"/>
+              <a:t>Supports group conversation</a:t>
+            </a:r>
+          </a:p>
+        </p:txBody>
+      </p:sp>
+    </p:spTree>
+  </p:cSld>
+  <p:clrMapOvr>
+    <a:masterClrMapping/>
+  </p:clrMapOvr>
+</p:sld>
+</file>
+
+<file path=ppt/slides/slide21.xml><?xml version="1.0" encoding="utf-8"?>
+<p:sld xmlns:a="http://schemas.openxmlformats.org/drawingml/2006/main" xmlns:r="http://schemas.openxmlformats.org/officeDocument/2006/relationships" xmlns:p="http://schemas.openxmlformats.org/presentationml/2006/main">
+  <p:cSld>
+    <p:spTree>
+      <p:nvGrpSpPr>
+        <p:cNvPr id="1" name=""/>
+        <p:cNvGrpSpPr/>
+        <p:nvPr/>
+      </p:nvGrpSpPr>
+      <p:grpSpPr>
+        <a:xfrm>
+          <a:off x="0" y="0"/>
+          <a:ext cx="0" cy="0"/>
+          <a:chOff x="0" y="0"/>
+          <a:chExt cx="0" cy="0"/>
+        </a:xfrm>
+      </p:grpSpPr>
+      <p:sp>
+        <p:nvSpPr>
+          <p:cNvPr id="2" name="Title 1"/>
+          <p:cNvSpPr>
+            <a:spLocks noGrp="1"/>
+          </p:cNvSpPr>
+          <p:nvPr>
+            <p:ph type="title"/>
+          </p:nvPr>
+        </p:nvSpPr>
+        <p:spPr/>
+        <p:txBody>
+          <a:bodyPr/>
+          <a:lstStyle/>
+          <a:p>
+            <a:r>
+              <a:rPr dirty="0"/>
+              <a:t>Pull Requests &amp; Design Defense</a:t>
+            </a:r>
+          </a:p>
+        </p:txBody>
+      </p:sp>
+      <p:sp>
+        <p:nvSpPr>
+          <p:cNvPr id="3" name="Content Placeholder 2"/>
+          <p:cNvSpPr>
+            <a:spLocks noGrp="1"/>
+          </p:cNvSpPr>
+          <p:nvPr>
+            <p:ph idx="1"/>
+          </p:nvPr>
+        </p:nvSpPr>
+        <p:spPr/>
+        <p:txBody>
+          <a:bodyPr/>
+          <a:lstStyle/>
+          <a:p>
+            <a:pPr marL="0" indent="0">
+              <a:buNone/>
+            </a:pPr>
+            <a:r>
+              <a:rPr lang="en-US" dirty="0"/>
+              <a:t>Consider using diagrams in pull requests (PR: code you are submitting to your teammates, technical lead, open source project, etc.) for inclusion in a project or design reviews to explain </a:t>
+            </a:r>
+            <a:r>
+              <a:rPr lang="en-US" i="1" dirty="0"/>
+              <a:t>why</a:t>
+            </a:r>
+            <a:r>
+              <a:rPr lang="en-US" dirty="0"/>
+              <a:t> something is built a certain way instead of arguing line-by-line in code.</a:t>
+            </a:r>
+          </a:p>
+          <a:p>
+            <a:r>
+              <a:rPr dirty="0"/>
+              <a:t>Explain intent visually</a:t>
+            </a:r>
+          </a:p>
+          <a:p>
+            <a:pPr lvl="1"/>
+            <a:r>
+              <a:rPr dirty="0"/>
+              <a:t>Justify abstractions</a:t>
+            </a:r>
+          </a:p>
+          <a:p>
+            <a:pPr lvl="1"/>
+            <a:r>
+              <a:rPr dirty="0"/>
+              <a:t>Highlight dependency choices</a:t>
+            </a:r>
+          </a:p>
+        </p:txBody>
+      </p:sp>
+    </p:spTree>
+  </p:cSld>
+  <p:clrMapOvr>
+    <a:masterClrMapping/>
+  </p:clrMapOvr>
+</p:sld>
+</file>
+
+<file path=ppt/slides/slide22.xml><?xml version="1.0" encoding="utf-8"?>
+<p:sld xmlns:a="http://schemas.openxmlformats.org/drawingml/2006/main" xmlns:r="http://schemas.openxmlformats.org/officeDocument/2006/relationships" xmlns:p="http://schemas.openxmlformats.org/presentationml/2006/main">
+  <p:cSld>
+    <p:spTree>
+      <p:nvGrpSpPr>
+        <p:cNvPr id="1" name=""/>
+        <p:cNvGrpSpPr/>
+        <p:nvPr/>
+      </p:nvGrpSpPr>
+      <p:grpSpPr>
+        <a:xfrm>
+          <a:off x="0" y="0"/>
+          <a:ext cx="0" cy="0"/>
+          <a:chOff x="0" y="0"/>
+          <a:chExt cx="0" cy="0"/>
+        </a:xfrm>
+      </p:grpSpPr>
+      <p:sp>
+        <p:nvSpPr>
+          <p:cNvPr id="2" name="Title 1"/>
+          <p:cNvSpPr>
+            <a:spLocks noGrp="1"/>
+          </p:cNvSpPr>
+          <p:nvPr>
+            <p:ph type="title"/>
+          </p:nvPr>
+        </p:nvSpPr>
+        <p:spPr/>
+        <p:txBody>
+          <a:bodyPr/>
+          <a:lstStyle/>
+          <a:p>
+            <a:r>
+              <a:rPr dirty="0"/>
+              <a:t>Responsibility Boundaries</a:t>
+            </a:r>
+          </a:p>
+        </p:txBody>
+      </p:sp>
+      <p:sp>
+        <p:nvSpPr>
+          <p:cNvPr id="3" name="Content Placeholder 2"/>
+          <p:cNvSpPr>
+            <a:spLocks noGrp="1"/>
+          </p:cNvSpPr>
+          <p:nvPr>
+            <p:ph idx="1"/>
+          </p:nvPr>
+        </p:nvSpPr>
+        <p:spPr/>
+        <p:txBody>
+          <a:bodyPr/>
+          <a:lstStyle/>
+          <a:p>
+            <a:pPr marL="0" indent="0">
+              <a:buNone/>
+            </a:pPr>
+            <a:r>
+              <a:rPr lang="en-US" dirty="0"/>
+              <a:t>Each class box invites questions. </a:t>
+            </a:r>
+          </a:p>
+          <a:p>
+            <a:pPr marL="0" indent="0">
+              <a:buNone/>
+            </a:pPr>
+            <a:r>
+              <a:rPr lang="en-US" dirty="0"/>
+              <a:t>Too many relationships often indicate too many responsibilities.</a:t>
+            </a:r>
+          </a:p>
+          <a:p>
+            <a:pPr marL="0" indent="0">
+              <a:buNone/>
+            </a:pPr>
+            <a:r>
+              <a:rPr lang="en-US" dirty="0"/>
+              <a:t>Try to keep each class limited to a Single Responsibility. Diagrams help spot responsibility problems that might be less visible when reading code.</a:t>
+            </a:r>
+          </a:p>
+          <a:p>
+            <a:r>
+              <a:rPr dirty="0"/>
+              <a:t>Who does what?</a:t>
+            </a:r>
+          </a:p>
+          <a:p>
+            <a:pPr lvl="1"/>
+            <a:r>
+              <a:rPr dirty="0"/>
+              <a:t>Who knows about whom?</a:t>
+            </a:r>
+          </a:p>
+          <a:p>
+            <a:pPr lvl="1"/>
+            <a:r>
+              <a:rPr dirty="0"/>
+              <a:t>When to split classes</a:t>
+            </a:r>
+          </a:p>
+        </p:txBody>
+      </p:sp>
+    </p:spTree>
+  </p:cSld>
+  <p:clrMapOvr>
+    <a:masterClrMapping/>
+  </p:clrMapOvr>
+</p:sld>
+</file>
+
+<file path=ppt/slides/slide23.xml><?xml version="1.0" encoding="utf-8"?>
+<p:sld xmlns:a="http://schemas.openxmlformats.org/drawingml/2006/main" xmlns:r="http://schemas.openxmlformats.org/officeDocument/2006/relationships" xmlns:p="http://schemas.openxmlformats.org/presentationml/2006/main">
+  <p:cSld>
+    <p:spTree>
+      <p:nvGrpSpPr>
+        <p:cNvPr id="1" name="">
+          <a:extLst>
+            <a:ext uri="{FF2B5EF4-FFF2-40B4-BE49-F238E27FC236}">
+              <a16:creationId xmlns:a16="http://schemas.microsoft.com/office/drawing/2014/main" id="{C6086AB6-44D4-7E82-BFDA-316FA8F58EBF}"/>
+            </a:ext>
+          </a:extLst>
+        </p:cNvPr>
+        <p:cNvGrpSpPr/>
+        <p:nvPr/>
+      </p:nvGrpSpPr>
+      <p:grpSpPr>
+        <a:xfrm>
+          <a:off x="0" y="0"/>
+          <a:ext cx="0" cy="0"/>
+          <a:chOff x="0" y="0"/>
+          <a:chExt cx="0" cy="0"/>
+        </a:xfrm>
+      </p:grpSpPr>
+      <p:sp>
+        <p:nvSpPr>
+          <p:cNvPr id="2" name="Title 1">
+            <a:extLst>
+              <a:ext uri="{FF2B5EF4-FFF2-40B4-BE49-F238E27FC236}">
+                <a16:creationId xmlns:a16="http://schemas.microsoft.com/office/drawing/2014/main" id="{342FB80B-7B99-E567-7CAC-E2E7F8662458}"/>
+              </a:ext>
+            </a:extLst>
+          </p:cNvPr>
+          <p:cNvSpPr>
+            <a:spLocks noGrp="1"/>
+          </p:cNvSpPr>
+          <p:nvPr>
+            <p:ph type="title"/>
+          </p:nvPr>
+        </p:nvSpPr>
+        <p:spPr/>
+        <p:txBody>
+          <a:bodyPr/>
+          <a:lstStyle/>
+          <a:p>
+            <a:r>
+              <a:rPr dirty="0"/>
+              <a:t>Responsibility Boundaries</a:t>
+            </a:r>
+          </a:p>
+        </p:txBody>
+      </p:sp>
+      <p:pic>
+        <p:nvPicPr>
+          <p:cNvPr id="6" name="Picture 5">
+            <a:extLst>
+              <a:ext uri="{FF2B5EF4-FFF2-40B4-BE49-F238E27FC236}">
+                <a16:creationId xmlns:a16="http://schemas.microsoft.com/office/drawing/2014/main" id="{03FFFC62-88A2-FBEF-FE80-079DE25DC359}"/>
+              </a:ext>
+            </a:extLst>
+          </p:cNvPr>
+          <p:cNvPicPr>
+            <a:picLocks noChangeAspect="1"/>
+          </p:cNvPicPr>
+          <p:nvPr/>
+        </p:nvPicPr>
+        <p:blipFill>
+          <a:blip r:embed="rId3"/>
+          <a:stretch>
+            <a:fillRect/>
+          </a:stretch>
+        </p:blipFill>
+        <p:spPr>
+          <a:xfrm>
+            <a:off x="2783237" y="1495738"/>
+            <a:ext cx="6190281" cy="5069099"/>
+          </a:xfrm>
+          <a:prstGeom prst="rect">
+            <a:avLst/>
+          </a:prstGeom>
+        </p:spPr>
+      </p:pic>
+    </p:spTree>
+    <p:extLst>
+      <p:ext uri="{BB962C8B-B14F-4D97-AF65-F5344CB8AC3E}">
+        <p14:creationId xmlns:p14="http://schemas.microsoft.com/office/powerpoint/2010/main" val="2603352833"/>
+      </p:ext>
+    </p:extLst>
+  </p:cSld>
+  <p:clrMapOvr>
+    <a:masterClrMapping/>
+  </p:clrMapOvr>
+</p:sld>
+</file>
+
+<file path=ppt/slides/slide24.xml><?xml version="1.0" encoding="utf-8"?>
+<p:sld xmlns:a="http://schemas.openxmlformats.org/drawingml/2006/main" xmlns:r="http://schemas.openxmlformats.org/officeDocument/2006/relationships" xmlns:p="http://schemas.openxmlformats.org/presentationml/2006/main">
+  <p:cSld>
+    <p:spTree>
+      <p:nvGrpSpPr>
+        <p:cNvPr id="1" name="">
+          <a:extLst>
+            <a:ext uri="{FF2B5EF4-FFF2-40B4-BE49-F238E27FC236}">
+              <a16:creationId xmlns:a16="http://schemas.microsoft.com/office/drawing/2014/main" id="{DAA1F801-06FF-6D9A-E958-8EAE6479B4B5}"/>
+            </a:ext>
+          </a:extLst>
+        </p:cNvPr>
+        <p:cNvGrpSpPr/>
+        <p:nvPr/>
+      </p:nvGrpSpPr>
+      <p:grpSpPr>
+        <a:xfrm>
+          <a:off x="0" y="0"/>
+          <a:ext cx="0" cy="0"/>
+          <a:chOff x="0" y="0"/>
+          <a:chExt cx="0" cy="0"/>
+        </a:xfrm>
+      </p:grpSpPr>
+      <p:sp>
+        <p:nvSpPr>
+          <p:cNvPr id="2" name="Title 1">
+            <a:extLst>
+              <a:ext uri="{FF2B5EF4-FFF2-40B4-BE49-F238E27FC236}">
+                <a16:creationId xmlns:a16="http://schemas.microsoft.com/office/drawing/2014/main" id="{7099FB77-DF55-C140-0084-5ED2548FEA30}"/>
+              </a:ext>
+            </a:extLst>
+          </p:cNvPr>
+          <p:cNvSpPr>
+            <a:spLocks noGrp="1"/>
+          </p:cNvSpPr>
+          <p:nvPr>
+            <p:ph type="title"/>
+          </p:nvPr>
+        </p:nvSpPr>
+        <p:spPr/>
+        <p:txBody>
+          <a:bodyPr/>
+          <a:lstStyle/>
+          <a:p>
+            <a:r>
+              <a:rPr dirty="0"/>
+              <a:t>Exploring Alternatives</a:t>
+            </a:r>
+          </a:p>
+        </p:txBody>
+      </p:sp>
+      <p:sp>
+        <p:nvSpPr>
+          <p:cNvPr id="3" name="Content Placeholder 2">
+            <a:extLst>
+              <a:ext uri="{FF2B5EF4-FFF2-40B4-BE49-F238E27FC236}">
+                <a16:creationId xmlns:a16="http://schemas.microsoft.com/office/drawing/2014/main" id="{047B1EA4-ABCC-9794-CFAD-C77510C10670}"/>
+              </a:ext>
+            </a:extLst>
+          </p:cNvPr>
+          <p:cNvSpPr>
+            <a:spLocks noGrp="1"/>
+          </p:cNvSpPr>
+          <p:nvPr>
+            <p:ph idx="1"/>
+          </p:nvPr>
+        </p:nvSpPr>
+        <p:spPr/>
+        <p:txBody>
+          <a:bodyPr/>
+          <a:lstStyle/>
+          <a:p>
+            <a:pPr marL="0" indent="0">
+              <a:buNone/>
+            </a:pPr>
+            <a:r>
+              <a:rPr lang="en-US" dirty="0"/>
+              <a:t>Whiteboarding diagrams and diagram tool like Mermaid.js allow experimentation without refactoring code. </a:t>
+            </a:r>
+          </a:p>
+          <a:p>
+            <a:pPr marL="0" indent="0">
+              <a:buNone/>
+            </a:pPr>
+            <a:r>
+              <a:rPr lang="en-US" dirty="0"/>
+              <a:t>This encourages exploration instead of premature commitment.</a:t>
+            </a:r>
+          </a:p>
+          <a:p>
+            <a:r>
+              <a:rPr dirty="0"/>
+              <a:t>Try multiple designs quickly</a:t>
+            </a:r>
+          </a:p>
+          <a:p>
+            <a:pPr lvl="1"/>
+            <a:r>
+              <a:rPr dirty="0"/>
+              <a:t>Compare structures</a:t>
+            </a:r>
+          </a:p>
+          <a:p>
+            <a:pPr lvl="1"/>
+            <a:r>
+              <a:rPr dirty="0"/>
+              <a:t>Evaluate tradeoffs</a:t>
+            </a:r>
+          </a:p>
+        </p:txBody>
+      </p:sp>
+    </p:spTree>
+    <p:extLst>
+      <p:ext uri="{BB962C8B-B14F-4D97-AF65-F5344CB8AC3E}">
+        <p14:creationId xmlns:p14="http://schemas.microsoft.com/office/powerpoint/2010/main" val="2306683414"/>
+      </p:ext>
+    </p:extLst>
+  </p:cSld>
+  <p:clrMapOvr>
+    <a:masterClrMapping/>
+  </p:clrMapOvr>
+</p:sld>
+</file>
+
+<file path=ppt/slides/slide25.xml><?xml version="1.0" encoding="utf-8"?>
+<p:sld xmlns:a="http://schemas.openxmlformats.org/drawingml/2006/main" xmlns:r="http://schemas.openxmlformats.org/officeDocument/2006/relationships" xmlns:p="http://schemas.openxmlformats.org/presentationml/2006/main">
+  <p:cSld>
+    <p:spTree>
+      <p:nvGrpSpPr>
+        <p:cNvPr id="1" name=""/>
+        <p:cNvGrpSpPr/>
+        <p:nvPr/>
+      </p:nvGrpSpPr>
+      <p:grpSpPr>
+        <a:xfrm>
+          <a:off x="0" y="0"/>
+          <a:ext cx="0" cy="0"/>
+          <a:chOff x="0" y="0"/>
+          <a:chExt cx="0" cy="0"/>
+        </a:xfrm>
+      </p:grpSpPr>
+      <p:sp>
+        <p:nvSpPr>
+          <p:cNvPr id="2" name="Title 1"/>
+          <p:cNvSpPr>
+            <a:spLocks noGrp="1"/>
+          </p:cNvSpPr>
+          <p:nvPr>
+            <p:ph type="title"/>
+          </p:nvPr>
+        </p:nvSpPr>
+        <p:spPr/>
+        <p:txBody>
+          <a:bodyPr/>
+          <a:lstStyle/>
+          <a:p>
+            <a:r>
+              <a:rPr dirty="0"/>
+              <a:t>Exploring Alternatives</a:t>
+            </a:r>
+            <a:r>
+              <a:rPr lang="en-US" dirty="0"/>
+              <a:t>:</a:t>
+            </a:r>
+            <a:br>
+              <a:rPr lang="en-US" dirty="0"/>
+            </a:br>
+            <a:r>
+              <a:rPr lang="en-US" dirty="0"/>
+              <a:t>Example A</a:t>
+            </a:r>
+            <a:endParaRPr dirty="0"/>
+          </a:p>
+        </p:txBody>
+      </p:sp>
+      <p:pic>
+        <p:nvPicPr>
+          <p:cNvPr id="6" name="Picture 5">
+            <a:extLst>
+              <a:ext uri="{FF2B5EF4-FFF2-40B4-BE49-F238E27FC236}">
+                <a16:creationId xmlns:a16="http://schemas.microsoft.com/office/drawing/2014/main" id="{177F6689-A72F-AEB8-8C9C-10D5D8D1AA8A}"/>
+              </a:ext>
+            </a:extLst>
+          </p:cNvPr>
+          <p:cNvPicPr>
+            <a:picLocks noChangeAspect="1"/>
+          </p:cNvPicPr>
+          <p:nvPr/>
+        </p:nvPicPr>
+        <p:blipFill>
+          <a:blip r:embed="rId3"/>
+          <a:stretch>
+            <a:fillRect/>
+          </a:stretch>
+        </p:blipFill>
+        <p:spPr>
+          <a:xfrm>
+            <a:off x="2054817" y="2028013"/>
+            <a:ext cx="7772400" cy="4021931"/>
+          </a:xfrm>
+          <a:prstGeom prst="rect">
+            <a:avLst/>
+          </a:prstGeom>
+        </p:spPr>
+      </p:pic>
+    </p:spTree>
+  </p:cSld>
+  <p:clrMapOvr>
+    <a:masterClrMapping/>
+  </p:clrMapOvr>
+</p:sld>
+</file>
+
+<file path=ppt/slides/slide26.xml><?xml version="1.0" encoding="utf-8"?>
+<p:sld xmlns:a="http://schemas.openxmlformats.org/drawingml/2006/main" xmlns:r="http://schemas.openxmlformats.org/officeDocument/2006/relationships" xmlns:p="http://schemas.openxmlformats.org/presentationml/2006/main">
+  <p:cSld>
+    <p:spTree>
+      <p:nvGrpSpPr>
+        <p:cNvPr id="1" name="">
+          <a:extLst>
+            <a:ext uri="{FF2B5EF4-FFF2-40B4-BE49-F238E27FC236}">
+              <a16:creationId xmlns:a16="http://schemas.microsoft.com/office/drawing/2014/main" id="{401A4B8E-A414-DEAC-FF81-08ED3A5F8DE6}"/>
+            </a:ext>
+          </a:extLst>
+        </p:cNvPr>
+        <p:cNvGrpSpPr/>
+        <p:nvPr/>
+      </p:nvGrpSpPr>
+      <p:grpSpPr>
+        <a:xfrm>
+          <a:off x="0" y="0"/>
+          <a:ext cx="0" cy="0"/>
+          <a:chOff x="0" y="0"/>
+          <a:chExt cx="0" cy="0"/>
+        </a:xfrm>
+      </p:grpSpPr>
+      <p:sp>
+        <p:nvSpPr>
+          <p:cNvPr id="2" name="Title 1">
+            <a:extLst>
+              <a:ext uri="{FF2B5EF4-FFF2-40B4-BE49-F238E27FC236}">
+                <a16:creationId xmlns:a16="http://schemas.microsoft.com/office/drawing/2014/main" id="{E199523E-51E7-65A1-737F-AA83247C5616}"/>
+              </a:ext>
+            </a:extLst>
+          </p:cNvPr>
+          <p:cNvSpPr>
+            <a:spLocks noGrp="1"/>
+          </p:cNvSpPr>
+          <p:nvPr>
+            <p:ph type="title"/>
+          </p:nvPr>
+        </p:nvSpPr>
+        <p:spPr/>
+        <p:txBody>
+          <a:bodyPr/>
+          <a:lstStyle/>
+          <a:p>
+            <a:r>
+              <a:rPr dirty="0"/>
+              <a:t>Exploring Alternatives</a:t>
+            </a:r>
+            <a:r>
+              <a:rPr lang="en-US" dirty="0"/>
+              <a:t>:</a:t>
+            </a:r>
+            <a:br>
+              <a:rPr lang="en-US" dirty="0"/>
+            </a:br>
+            <a:r>
+              <a:rPr lang="en-US" dirty="0"/>
+              <a:t>Example B</a:t>
+            </a:r>
+            <a:endParaRPr dirty="0"/>
+          </a:p>
+        </p:txBody>
+      </p:sp>
+      <p:pic>
+        <p:nvPicPr>
+          <p:cNvPr id="6" name="Picture 5">
+            <a:extLst>
+              <a:ext uri="{FF2B5EF4-FFF2-40B4-BE49-F238E27FC236}">
+                <a16:creationId xmlns:a16="http://schemas.microsoft.com/office/drawing/2014/main" id="{CA62B494-3D64-9E7B-B8D9-EDC3F28C7649}"/>
+              </a:ext>
+            </a:extLst>
+          </p:cNvPr>
+          <p:cNvPicPr>
+            <a:picLocks noChangeAspect="1"/>
+          </p:cNvPicPr>
+          <p:nvPr/>
+        </p:nvPicPr>
+        <p:blipFill>
+          <a:blip r:embed="rId3"/>
+          <a:srcRect/>
+          <a:stretch/>
+        </p:blipFill>
+        <p:spPr>
+          <a:xfrm>
+            <a:off x="3463269" y="2028013"/>
+            <a:ext cx="4955496" cy="4021931"/>
+          </a:xfrm>
+          <a:prstGeom prst="rect">
+            <a:avLst/>
+          </a:prstGeom>
+        </p:spPr>
+      </p:pic>
+    </p:spTree>
+    <p:extLst>
+      <p:ext uri="{BB962C8B-B14F-4D97-AF65-F5344CB8AC3E}">
+        <p14:creationId xmlns:p14="http://schemas.microsoft.com/office/powerpoint/2010/main" val="354739011"/>
+      </p:ext>
+    </p:extLst>
+  </p:cSld>
+  <p:clrMapOvr>
+    <a:masterClrMapping/>
+  </p:clrMapOvr>
+</p:sld>
+</file>
+
+<file path=ppt/slides/slide27.xml><?xml version="1.0" encoding="utf-8"?>
+<p:sld xmlns:a="http://schemas.openxmlformats.org/drawingml/2006/main" xmlns:r="http://schemas.openxmlformats.org/officeDocument/2006/relationships" xmlns:p="http://schemas.openxmlformats.org/presentationml/2006/main">
+  <p:cSld>
+    <p:spTree>
+      <p:nvGrpSpPr>
+        <p:cNvPr id="1" name=""/>
+        <p:cNvGrpSpPr/>
+        <p:nvPr/>
+      </p:nvGrpSpPr>
+      <p:grpSpPr>
+        <a:xfrm>
+          <a:off x="0" y="0"/>
+          <a:ext cx="0" cy="0"/>
+          <a:chOff x="0" y="0"/>
+          <a:chExt cx="0" cy="0"/>
+        </a:xfrm>
+      </p:grpSpPr>
+      <p:sp>
+        <p:nvSpPr>
+          <p:cNvPr id="2" name="Title 1"/>
+          <p:cNvSpPr>
+            <a:spLocks noGrp="1"/>
+          </p:cNvSpPr>
+          <p:nvPr>
+            <p:ph type="title"/>
+          </p:nvPr>
+        </p:nvSpPr>
+        <p:spPr/>
+        <p:txBody>
+          <a:bodyPr/>
+          <a:lstStyle/>
+          <a:p>
+            <a:r>
+              <a:rPr dirty="0"/>
+              <a:t>Diagrams as Living Documentation</a:t>
+            </a:r>
+          </a:p>
+        </p:txBody>
+      </p:sp>
+      <p:sp>
+        <p:nvSpPr>
+          <p:cNvPr id="3" name="Content Placeholder 2"/>
+          <p:cNvSpPr>
+            <a:spLocks noGrp="1"/>
+          </p:cNvSpPr>
+          <p:nvPr>
+            <p:ph idx="1"/>
+          </p:nvPr>
+        </p:nvSpPr>
+        <p:spPr/>
+        <p:txBody>
+          <a:bodyPr/>
+          <a:lstStyle/>
+          <a:p>
+            <a:pPr marL="0" indent="0">
+              <a:buNone/>
+            </a:pPr>
+            <a:r>
+              <a:rPr lang="en-US" dirty="0"/>
+              <a:t>Even if diagrams drift from code, they often preserve the original intent, which is incredibly valuable context later.</a:t>
+            </a:r>
+          </a:p>
+          <a:p>
+            <a:r>
+              <a:rPr dirty="0"/>
+              <a:t>Capture design intent</a:t>
+            </a:r>
+          </a:p>
+          <a:p>
+            <a:pPr lvl="1"/>
+            <a:r>
+              <a:rPr dirty="0"/>
+              <a:t>Aid future maintainers</a:t>
+            </a:r>
+          </a:p>
+          <a:p>
+            <a:pPr lvl="1"/>
+            <a:r>
+              <a:rPr dirty="0"/>
+              <a:t>Support architectural memory</a:t>
+            </a:r>
+          </a:p>
+        </p:txBody>
+      </p:sp>
+    </p:spTree>
+  </p:cSld>
+  <p:clrMapOvr>
+    <a:masterClrMapping/>
+  </p:clrMapOvr>
+</p:sld>
+</file>
+
+<file path=ppt/slides/slide28.xml><?xml version="1.0" encoding="utf-8"?>
+<p:sld xmlns:a="http://schemas.openxmlformats.org/drawingml/2006/main" xmlns:r="http://schemas.openxmlformats.org/officeDocument/2006/relationships" xmlns:p="http://schemas.openxmlformats.org/presentationml/2006/main">
+  <p:cSld>
+    <p:spTree>
+      <p:nvGrpSpPr>
+        <p:cNvPr id="1" name="">
+          <a:extLst>
+            <a:ext uri="{FF2B5EF4-FFF2-40B4-BE49-F238E27FC236}">
+              <a16:creationId xmlns:a16="http://schemas.microsoft.com/office/drawing/2014/main" id="{826A8075-F957-75FA-49E9-68477E9F5DF6}"/>
+            </a:ext>
+          </a:extLst>
+        </p:cNvPr>
+        <p:cNvGrpSpPr/>
+        <p:nvPr/>
+      </p:nvGrpSpPr>
+      <p:grpSpPr>
+        <a:xfrm>
+          <a:off x="0" y="0"/>
+          <a:ext cx="0" cy="0"/>
+          <a:chOff x="0" y="0"/>
+          <a:chExt cx="0" cy="0"/>
+        </a:xfrm>
+      </p:grpSpPr>
+      <p:sp>
+        <p:nvSpPr>
+          <p:cNvPr id="2" name="Title 1">
+            <a:extLst>
+              <a:ext uri="{FF2B5EF4-FFF2-40B4-BE49-F238E27FC236}">
+                <a16:creationId xmlns:a16="http://schemas.microsoft.com/office/drawing/2014/main" id="{AA3A91B0-CB68-434D-7E55-553AD36C6AC4}"/>
+              </a:ext>
+            </a:extLst>
+          </p:cNvPr>
+          <p:cNvSpPr>
+            <a:spLocks noGrp="1"/>
+          </p:cNvSpPr>
+          <p:nvPr>
+            <p:ph type="title"/>
+          </p:nvPr>
+        </p:nvSpPr>
+        <p:spPr/>
+        <p:txBody>
+          <a:bodyPr>
+            <a:normAutofit fontScale="90000"/>
+          </a:bodyPr>
+          <a:lstStyle/>
+          <a:p>
+            <a:r>
+              <a:rPr lang="en-US" b="1" dirty="0"/>
+              <a:t>Why Code-Based Diagrams (Mermaid) Work Especially Well with AI</a:t>
+            </a:r>
+          </a:p>
+        </p:txBody>
+      </p:sp>
+      <p:sp>
+        <p:nvSpPr>
+          <p:cNvPr id="3" name="Content Placeholder 2">
+            <a:extLst>
+              <a:ext uri="{FF2B5EF4-FFF2-40B4-BE49-F238E27FC236}">
+                <a16:creationId xmlns:a16="http://schemas.microsoft.com/office/drawing/2014/main" id="{973C6E30-8891-5828-FDAB-1512320139DF}"/>
+              </a:ext>
+            </a:extLst>
+          </p:cNvPr>
+          <p:cNvSpPr>
+            <a:spLocks noGrp="1"/>
+          </p:cNvSpPr>
+          <p:nvPr>
+            <p:ph idx="1"/>
+          </p:nvPr>
+        </p:nvSpPr>
+        <p:spPr>
+          <a:xfrm>
+            <a:off x="2773599" y="2052116"/>
+            <a:ext cx="7796540" cy="4805884"/>
+          </a:xfrm>
+        </p:spPr>
+        <p:txBody>
+          <a:bodyPr>
+            <a:normAutofit/>
+          </a:bodyPr>
+          <a:lstStyle/>
+          <a:p>
+            <a:pPr marL="0" indent="0">
+              <a:buNone/>
+            </a:pPr>
+            <a:r>
+              <a:rPr lang="en-US" dirty="0"/>
+              <a:t>Even when diagrams drift from the code, they preserve </a:t>
+            </a:r>
+            <a:r>
+              <a:rPr lang="en-US" b="1" dirty="0"/>
+              <a:t>design intent</a:t>
+            </a:r>
+            <a:r>
+              <a:rPr lang="en-US" dirty="0"/>
+              <a:t>, which provides critical context for both humans and AI.</a:t>
+            </a:r>
+          </a:p>
+          <a:p>
+            <a:r>
+              <a:rPr lang="en-US" b="1" dirty="0"/>
+              <a:t>Improved AI reasoning</a:t>
+            </a:r>
+            <a:br>
+              <a:rPr lang="en-US" b="1" dirty="0"/>
+            </a:br>
+            <a:r>
+              <a:rPr lang="en-US" dirty="0"/>
+              <a:t>AI can reason over the structured text in code-based diagrams (such as Mermaid), enabling better code generation, refactoring suggestions, pattern recognition, and automated design critiques.</a:t>
+            </a:r>
+          </a:p>
+          <a:p>
+            <a:r>
+              <a:rPr lang="en-US" b="1" dirty="0"/>
+              <a:t>Shared context for humans and AI</a:t>
+            </a:r>
+            <a:br>
+              <a:rPr lang="en-US" b="1" dirty="0"/>
+            </a:br>
+            <a:r>
+              <a:rPr lang="en-US" dirty="0"/>
+              <a:t>Mermaid diagrams are versionable, diff-able, and colocated with code—making them a common language for developers </a:t>
+            </a:r>
+            <a:r>
+              <a:rPr lang="en-US" i="1" dirty="0"/>
+              <a:t>and</a:t>
+            </a:r>
+            <a:r>
+              <a:rPr lang="en-US" dirty="0"/>
+              <a:t> tools.</a:t>
+            </a:r>
+          </a:p>
+          <a:p>
+            <a:endParaRPr lang="en-US" dirty="0"/>
+          </a:p>
+        </p:txBody>
+      </p:sp>
+    </p:spTree>
+    <p:extLst>
+      <p:ext uri="{BB962C8B-B14F-4D97-AF65-F5344CB8AC3E}">
+        <p14:creationId xmlns:p14="http://schemas.microsoft.com/office/powerpoint/2010/main" val="3417736347"/>
+      </p:ext>
+    </p:extLst>
+  </p:cSld>
+  <p:clrMapOvr>
+    <a:masterClrMapping/>
+  </p:clrMapOvr>
+</p:sld>
+</file>
+
+<file path=ppt/slides/slide29.xml><?xml version="1.0" encoding="utf-8"?>
+<p:sld xmlns:a="http://schemas.openxmlformats.org/drawingml/2006/main" xmlns:r="http://schemas.openxmlformats.org/officeDocument/2006/relationships" xmlns:p="http://schemas.openxmlformats.org/presentationml/2006/main">
+  <p:cSld>
+    <p:spTree>
+      <p:nvGrpSpPr>
+        <p:cNvPr id="1" name=""/>
+        <p:cNvGrpSpPr/>
+        <p:nvPr/>
+      </p:nvGrpSpPr>
+      <p:grpSpPr>
+        <a:xfrm>
+          <a:off x="0" y="0"/>
+          <a:ext cx="0" cy="0"/>
+          <a:chOff x="0" y="0"/>
+          <a:chExt cx="0" cy="0"/>
+        </a:xfrm>
+      </p:grpSpPr>
+      <p:sp>
+        <p:nvSpPr>
+          <p:cNvPr id="2" name="Title 1"/>
+          <p:cNvSpPr>
+            <a:spLocks noGrp="1"/>
+          </p:cNvSpPr>
+          <p:nvPr>
+            <p:ph type="title"/>
+          </p:nvPr>
+        </p:nvSpPr>
+        <p:spPr/>
+        <p:txBody>
+          <a:bodyPr/>
+          <a:lstStyle/>
+          <a:p>
+            <a:r>
+              <a:rPr dirty="0"/>
+              <a:t>Key Takeaways</a:t>
+            </a:r>
+          </a:p>
+        </p:txBody>
+      </p:sp>
+      <p:sp>
+        <p:nvSpPr>
+          <p:cNvPr id="3" name="Content Placeholder 2"/>
+          <p:cNvSpPr>
+            <a:spLocks noGrp="1"/>
+          </p:cNvSpPr>
+          <p:nvPr>
+            <p:ph idx="1"/>
+          </p:nvPr>
+        </p:nvSpPr>
+        <p:spPr/>
+        <p:txBody>
+          <a:bodyPr/>
+          <a:lstStyle/>
+          <a:p>
+            <a:pPr marL="0" indent="0">
+              <a:buNone/>
+            </a:pPr>
+            <a:r>
+              <a:rPr lang="en-US" dirty="0"/>
+              <a:t>Used lightly and intentionally, UML class diagramming is a powerful tool for designers and developers.</a:t>
+            </a:r>
+          </a:p>
+          <a:p>
+            <a:r>
+              <a:rPr dirty="0"/>
+              <a:t>Class diagrams support</a:t>
+            </a:r>
+            <a:r>
+              <a:rPr lang="en-US" dirty="0"/>
+              <a:t> design</a:t>
+            </a:r>
+            <a:r>
+              <a:rPr dirty="0"/>
+              <a:t> thinking</a:t>
+            </a:r>
+            <a:r>
+              <a:rPr lang="en-US" dirty="0"/>
+              <a:t> and critical decision making</a:t>
+            </a:r>
+            <a:endParaRPr dirty="0"/>
+          </a:p>
+          <a:p>
+            <a:pPr lvl="1"/>
+            <a:r>
+              <a:rPr dirty="0"/>
+              <a:t>They reveal dependencies and abstractions</a:t>
+            </a:r>
+            <a:r>
+              <a:rPr lang="en-US" dirty="0"/>
+              <a:t> hidden by large code submissions</a:t>
+            </a:r>
+            <a:endParaRPr dirty="0"/>
+          </a:p>
+          <a:p>
+            <a:pPr lvl="1"/>
+            <a:r>
+              <a:rPr dirty="0"/>
+              <a:t>They focus and improve design conversations</a:t>
+            </a:r>
+          </a:p>
+        </p:txBody>
+      </p:sp>
+    </p:spTree>
   </p:cSld>
   <p:clrMapOvr>
     <a:masterClrMapping/>
@@ -5538,6 +9429,646 @@
         <p14:creationId xmlns:p14="http://schemas.microsoft.com/office/powerpoint/2010/main" val="586569349"/>
       </p:ext>
     </p:extLst>
+  </p:cSld>
+  <p:clrMapOvr>
+    <a:masterClrMapping/>
+  </p:clrMapOvr>
+</p:sld>
+</file>
+
+<file path=ppt/slides/slide4.xml><?xml version="1.0" encoding="utf-8"?>
+<p:sld xmlns:a="http://schemas.openxmlformats.org/drawingml/2006/main" xmlns:r="http://schemas.openxmlformats.org/officeDocument/2006/relationships" xmlns:p="http://schemas.openxmlformats.org/presentationml/2006/main">
+  <p:cSld>
+    <p:spTree>
+      <p:nvGrpSpPr>
+        <p:cNvPr id="1" name=""/>
+        <p:cNvGrpSpPr/>
+        <p:nvPr/>
+      </p:nvGrpSpPr>
+      <p:grpSpPr>
+        <a:xfrm>
+          <a:off x="0" y="0"/>
+          <a:ext cx="0" cy="0"/>
+          <a:chOff x="0" y="0"/>
+          <a:chExt cx="0" cy="0"/>
+        </a:xfrm>
+      </p:grpSpPr>
+      <p:sp>
+        <p:nvSpPr>
+          <p:cNvPr id="2" name="Title 1"/>
+          <p:cNvSpPr>
+            <a:spLocks noGrp="1"/>
+          </p:cNvSpPr>
+          <p:nvPr>
+            <p:ph type="title"/>
+          </p:nvPr>
+        </p:nvSpPr>
+        <p:spPr/>
+        <p:txBody>
+          <a:bodyPr/>
+          <a:lstStyle/>
+          <a:p>
+            <a:r>
+              <a:rPr dirty="0"/>
+              <a:t>UML Class Diagrams</a:t>
+            </a:r>
+            <a:br>
+              <a:rPr lang="en-US" dirty="0"/>
+            </a:br>
+            <a:r>
+              <a:rPr lang="en-US" dirty="0"/>
+              <a:t>as a Design Tool</a:t>
+            </a:r>
+            <a:endParaRPr dirty="0"/>
+          </a:p>
+        </p:txBody>
+      </p:sp>
+      <p:sp>
+        <p:nvSpPr>
+          <p:cNvPr id="3" name="Content Placeholder 2"/>
+          <p:cNvSpPr>
+            <a:spLocks noGrp="1"/>
+          </p:cNvSpPr>
+          <p:nvPr>
+            <p:ph idx="1"/>
+          </p:nvPr>
+        </p:nvSpPr>
+        <p:spPr/>
+        <p:txBody>
+          <a:bodyPr/>
+          <a:lstStyle/>
+          <a:p>
+            <a:pPr marL="457200" lvl="1" indent="0">
+              <a:buNone/>
+            </a:pPr>
+            <a:r>
+              <a:rPr lang="en-US" dirty="0"/>
+              <a:t>Class diagrams are valuable for thinking about design, communicating ideas, and defending decisions.</a:t>
+            </a:r>
+          </a:p>
+          <a:p>
+            <a:pPr lvl="1"/>
+            <a:r>
+              <a:rPr dirty="0"/>
+              <a:t>Focus on understanding, not drawing mechanics</a:t>
+            </a:r>
+            <a:r>
+              <a:rPr lang="en-US" dirty="0"/>
+              <a:t> or Mermaid syntax or choice of drawing tools.</a:t>
+            </a:r>
+            <a:endParaRPr dirty="0"/>
+          </a:p>
+          <a:p>
+            <a:pPr lvl="1"/>
+            <a:r>
+              <a:rPr dirty="0"/>
+              <a:t>Use for discussion, design, and explanation</a:t>
+            </a:r>
+            <a:r>
+              <a:rPr lang="en-US" dirty="0"/>
+              <a:t> – not creating giant diagrams no one uses.</a:t>
+            </a:r>
+            <a:endParaRPr dirty="0"/>
+          </a:p>
+        </p:txBody>
+      </p:sp>
+    </p:spTree>
+  </p:cSld>
+  <p:clrMapOvr>
+    <a:masterClrMapping/>
+  </p:clrMapOvr>
+</p:sld>
+</file>
+
+<file path=ppt/slides/slide5.xml><?xml version="1.0" encoding="utf-8"?>
+<p:sld xmlns:a="http://schemas.openxmlformats.org/drawingml/2006/main" xmlns:r="http://schemas.openxmlformats.org/officeDocument/2006/relationships" xmlns:p="http://schemas.openxmlformats.org/presentationml/2006/main">
+  <p:cSld>
+    <p:spTree>
+      <p:nvGrpSpPr>
+        <p:cNvPr id="1" name=""/>
+        <p:cNvGrpSpPr/>
+        <p:nvPr/>
+      </p:nvGrpSpPr>
+      <p:grpSpPr>
+        <a:xfrm>
+          <a:off x="0" y="0"/>
+          <a:ext cx="0" cy="0"/>
+          <a:chOff x="0" y="0"/>
+          <a:chExt cx="0" cy="0"/>
+        </a:xfrm>
+      </p:grpSpPr>
+      <p:sp>
+        <p:nvSpPr>
+          <p:cNvPr id="2" name="Title 1"/>
+          <p:cNvSpPr>
+            <a:spLocks noGrp="1"/>
+          </p:cNvSpPr>
+          <p:nvPr>
+            <p:ph type="title"/>
+          </p:nvPr>
+        </p:nvSpPr>
+        <p:spPr/>
+        <p:txBody>
+          <a:bodyPr/>
+          <a:lstStyle/>
+          <a:p>
+            <a:r>
+              <a:rPr dirty="0"/>
+              <a:t>What a Class Diagram Represents</a:t>
+            </a:r>
+          </a:p>
+        </p:txBody>
+      </p:sp>
+      <p:sp>
+        <p:nvSpPr>
+          <p:cNvPr id="3" name="Content Placeholder 2"/>
+          <p:cNvSpPr>
+            <a:spLocks noGrp="1"/>
+          </p:cNvSpPr>
+          <p:nvPr>
+            <p:ph idx="1"/>
+          </p:nvPr>
+        </p:nvSpPr>
+        <p:spPr/>
+        <p:txBody>
+          <a:bodyPr/>
+          <a:lstStyle/>
+          <a:p>
+            <a:pPr marL="0" indent="0">
+              <a:buNone/>
+            </a:pPr>
+            <a:r>
+              <a:rPr lang="en-US" dirty="0"/>
+              <a:t>Class diagrams are static, </a:t>
+            </a:r>
+            <a:r>
+              <a:rPr lang="en-US" i="1" dirty="0"/>
+              <a:t>not behavioral</a:t>
+            </a:r>
+            <a:r>
+              <a:rPr lang="en-US" dirty="0"/>
+              <a:t>. They do </a:t>
+            </a:r>
+            <a:r>
+              <a:rPr lang="en-US" b="1" dirty="0"/>
+              <a:t>not</a:t>
+            </a:r>
+            <a:r>
+              <a:rPr lang="en-US" dirty="0"/>
+              <a:t> show execution flow. Instead, they show what exists in the system and how pieces relate structurally.</a:t>
+            </a:r>
+          </a:p>
+          <a:p>
+            <a:r>
+              <a:rPr dirty="0"/>
+              <a:t>Static structure of a system</a:t>
+            </a:r>
+          </a:p>
+          <a:p>
+            <a:pPr lvl="1"/>
+            <a:r>
+              <a:rPr dirty="0"/>
+              <a:t>Classes, interfaces, and relationships</a:t>
+            </a:r>
+          </a:p>
+          <a:p>
+            <a:pPr lvl="1"/>
+            <a:r>
+              <a:rPr dirty="0"/>
+              <a:t>A snapshot of design intent</a:t>
+            </a:r>
+          </a:p>
+        </p:txBody>
+      </p:sp>
+    </p:spTree>
+  </p:cSld>
+  <p:clrMapOvr>
+    <a:masterClrMapping/>
+  </p:clrMapOvr>
+</p:sld>
+</file>
+
+<file path=ppt/slides/slide6.xml><?xml version="1.0" encoding="utf-8"?>
+<p:sld xmlns:a="http://schemas.openxmlformats.org/drawingml/2006/main" xmlns:r="http://schemas.openxmlformats.org/officeDocument/2006/relationships" xmlns:p="http://schemas.openxmlformats.org/presentationml/2006/main">
+  <p:cSld>
+    <p:spTree>
+      <p:nvGrpSpPr>
+        <p:cNvPr id="1" name=""/>
+        <p:cNvGrpSpPr/>
+        <p:nvPr/>
+      </p:nvGrpSpPr>
+      <p:grpSpPr>
+        <a:xfrm>
+          <a:off x="0" y="0"/>
+          <a:ext cx="0" cy="0"/>
+          <a:chOff x="0" y="0"/>
+          <a:chExt cx="0" cy="0"/>
+        </a:xfrm>
+      </p:grpSpPr>
+      <p:sp>
+        <p:nvSpPr>
+          <p:cNvPr id="2" name="Title 1"/>
+          <p:cNvSpPr>
+            <a:spLocks noGrp="1"/>
+          </p:cNvSpPr>
+          <p:nvPr>
+            <p:ph type="title"/>
+          </p:nvPr>
+        </p:nvSpPr>
+        <p:spPr/>
+        <p:txBody>
+          <a:bodyPr/>
+          <a:lstStyle/>
+          <a:p>
+            <a:r>
+              <a:rPr dirty="0"/>
+              <a:t>Why Diagrams Before Code</a:t>
+            </a:r>
+          </a:p>
+        </p:txBody>
+      </p:sp>
+      <p:sp>
+        <p:nvSpPr>
+          <p:cNvPr id="3" name="Content Placeholder 2"/>
+          <p:cNvSpPr>
+            <a:spLocks noGrp="1"/>
+          </p:cNvSpPr>
+          <p:nvPr>
+            <p:ph idx="1"/>
+          </p:nvPr>
+        </p:nvSpPr>
+        <p:spPr/>
+        <p:txBody>
+          <a:bodyPr/>
+          <a:lstStyle/>
+          <a:p>
+            <a:pPr marL="0" indent="0">
+              <a:buNone/>
+            </a:pPr>
+            <a:r>
+              <a:rPr lang="en-US" dirty="0"/>
+              <a:t>Diagrams help you decide who owns what, who depends on whom, and what abstractions exist </a:t>
+            </a:r>
+            <a:r>
+              <a:rPr lang="en-US" i="1" dirty="0"/>
+              <a:t>before code hardens</a:t>
+            </a:r>
+            <a:r>
+              <a:rPr lang="en-US" dirty="0"/>
+              <a:t>. </a:t>
+            </a:r>
+          </a:p>
+          <a:p>
+            <a:pPr marL="0" indent="0">
+              <a:buNone/>
+            </a:pPr>
+            <a:r>
+              <a:rPr lang="en-US" dirty="0"/>
+              <a:t>Code is harder to read later than it is to write now. Always be thinking about the next developer (which might be future-you wishing you had been more expressive the first time).</a:t>
+            </a:r>
+          </a:p>
+          <a:p>
+            <a:r>
+              <a:rPr dirty="0"/>
+              <a:t>Force explicit design decisions</a:t>
+            </a:r>
+          </a:p>
+          <a:p>
+            <a:pPr lvl="1"/>
+            <a:r>
+              <a:rPr dirty="0"/>
+              <a:t>Reveal responsibilities early</a:t>
+            </a:r>
+          </a:p>
+          <a:p>
+            <a:pPr lvl="1"/>
+            <a:r>
+              <a:rPr dirty="0"/>
+              <a:t>Cheaper to change</a:t>
+            </a:r>
+            <a:r>
+              <a:rPr lang="en-US" dirty="0"/>
+              <a:t> in design</a:t>
+            </a:r>
+            <a:r>
+              <a:rPr dirty="0"/>
+              <a:t> than </a:t>
+            </a:r>
+            <a:r>
+              <a:rPr lang="en-US" dirty="0"/>
+              <a:t>in </a:t>
+            </a:r>
+            <a:r>
+              <a:rPr dirty="0"/>
+              <a:t>code</a:t>
+            </a:r>
+          </a:p>
+        </p:txBody>
+      </p:sp>
+    </p:spTree>
+  </p:cSld>
+  <p:clrMapOvr>
+    <a:masterClrMapping/>
+  </p:clrMapOvr>
+</p:sld>
+</file>
+
+<file path=ppt/slides/slide7.xml><?xml version="1.0" encoding="utf-8"?>
+<p:sld xmlns:a="http://schemas.openxmlformats.org/drawingml/2006/main" xmlns:r="http://schemas.openxmlformats.org/officeDocument/2006/relationships" xmlns:p="http://schemas.openxmlformats.org/presentationml/2006/main">
+  <p:cSld>
+    <p:spTree>
+      <p:nvGrpSpPr>
+        <p:cNvPr id="1" name=""/>
+        <p:cNvGrpSpPr/>
+        <p:nvPr/>
+      </p:nvGrpSpPr>
+      <p:grpSpPr>
+        <a:xfrm>
+          <a:off x="0" y="0"/>
+          <a:ext cx="0" cy="0"/>
+          <a:chOff x="0" y="0"/>
+          <a:chExt cx="0" cy="0"/>
+        </a:xfrm>
+      </p:grpSpPr>
+      <p:sp>
+        <p:nvSpPr>
+          <p:cNvPr id="2" name="Title 1"/>
+          <p:cNvSpPr>
+            <a:spLocks noGrp="1"/>
+          </p:cNvSpPr>
+          <p:nvPr>
+            <p:ph type="title"/>
+          </p:nvPr>
+        </p:nvSpPr>
+        <p:spPr/>
+        <p:txBody>
+          <a:bodyPr/>
+          <a:lstStyle/>
+          <a:p>
+            <a:r>
+              <a:rPr dirty="0"/>
+              <a:t>Communication Over Implementation</a:t>
+            </a:r>
+          </a:p>
+        </p:txBody>
+      </p:sp>
+      <p:sp>
+        <p:nvSpPr>
+          <p:cNvPr id="3" name="Content Placeholder 2"/>
+          <p:cNvSpPr>
+            <a:spLocks noGrp="1"/>
+          </p:cNvSpPr>
+          <p:nvPr>
+            <p:ph idx="1"/>
+          </p:nvPr>
+        </p:nvSpPr>
+        <p:spPr/>
+        <p:txBody>
+          <a:bodyPr/>
+          <a:lstStyle/>
+          <a:p>
+            <a:pPr marL="0" indent="0">
+              <a:buNone/>
+            </a:pPr>
+            <a:r>
+              <a:rPr lang="en-US" dirty="0"/>
+              <a:t>Code contains history, edge cases, and implementation details.</a:t>
+            </a:r>
+          </a:p>
+          <a:p>
+            <a:pPr marL="0" indent="0">
+              <a:buNone/>
+            </a:pPr>
+            <a:r>
+              <a:rPr lang="en-US" dirty="0"/>
+              <a:t>Diagrams strip that away so a group can focus on structure and intent.</a:t>
+            </a:r>
+          </a:p>
+          <a:p>
+            <a:r>
+              <a:rPr dirty="0"/>
+              <a:t>Shared visual language</a:t>
+            </a:r>
+          </a:p>
+          <a:p>
+            <a:pPr lvl="1"/>
+            <a:r>
+              <a:rPr dirty="0"/>
+              <a:t>Less noise than code</a:t>
+            </a:r>
+          </a:p>
+          <a:p>
+            <a:pPr lvl="1"/>
+            <a:r>
+              <a:rPr dirty="0"/>
+              <a:t>Ideal for teaching and review</a:t>
+            </a:r>
+          </a:p>
+        </p:txBody>
+      </p:sp>
+    </p:spTree>
+  </p:cSld>
+  <p:clrMapOvr>
+    <a:masterClrMapping/>
+  </p:clrMapOvr>
+</p:sld>
+</file>
+
+<file path=ppt/slides/slide8.xml><?xml version="1.0" encoding="utf-8"?>
+<p:sld xmlns:a="http://schemas.openxmlformats.org/drawingml/2006/main" xmlns:r="http://schemas.openxmlformats.org/officeDocument/2006/relationships" xmlns:p="http://schemas.openxmlformats.org/presentationml/2006/main">
+  <p:cSld>
+    <p:spTree>
+      <p:nvGrpSpPr>
+        <p:cNvPr id="1" name=""/>
+        <p:cNvGrpSpPr/>
+        <p:nvPr/>
+      </p:nvGrpSpPr>
+      <p:grpSpPr>
+        <a:xfrm>
+          <a:off x="0" y="0"/>
+          <a:ext cx="0" cy="0"/>
+          <a:chOff x="0" y="0"/>
+          <a:chExt cx="0" cy="0"/>
+        </a:xfrm>
+      </p:grpSpPr>
+      <p:sp>
+        <p:nvSpPr>
+          <p:cNvPr id="2" name="Title 1"/>
+          <p:cNvSpPr>
+            <a:spLocks noGrp="1"/>
+          </p:cNvSpPr>
+          <p:nvPr>
+            <p:ph type="title"/>
+          </p:nvPr>
+        </p:nvSpPr>
+        <p:spPr/>
+        <p:txBody>
+          <a:bodyPr/>
+          <a:lstStyle/>
+          <a:p>
+            <a:r>
+              <a:rPr dirty="0"/>
+              <a:t>Structural Dependencies</a:t>
+            </a:r>
+          </a:p>
+        </p:txBody>
+      </p:sp>
+      <p:sp>
+        <p:nvSpPr>
+          <p:cNvPr id="3" name="Content Placeholder 2"/>
+          <p:cNvSpPr>
+            <a:spLocks noGrp="1"/>
+          </p:cNvSpPr>
+          <p:nvPr>
+            <p:ph idx="1"/>
+          </p:nvPr>
+        </p:nvSpPr>
+        <p:spPr/>
+        <p:txBody>
+          <a:bodyPr/>
+          <a:lstStyle/>
+          <a:p>
+            <a:pPr marL="0" indent="0">
+              <a:buNone/>
+            </a:pPr>
+            <a:r>
+              <a:rPr lang="en-US" b="1" dirty="0"/>
+              <a:t>Structural dependencies represent long-lived relationships. </a:t>
+            </a:r>
+          </a:p>
+          <a:p>
+            <a:pPr marL="0" indent="0">
+              <a:buNone/>
+            </a:pPr>
+            <a:r>
+              <a:rPr lang="en-US" dirty="0"/>
+              <a:t>These show what objects know about and rely on over time, not just during a single method call.</a:t>
+            </a:r>
+          </a:p>
+          <a:p>
+            <a:r>
+              <a:rPr dirty="0"/>
+              <a:t>Associations and ownership</a:t>
+            </a:r>
+          </a:p>
+          <a:p>
+            <a:pPr lvl="1"/>
+            <a:r>
+              <a:rPr dirty="0"/>
+              <a:t>Inheritance relationships</a:t>
+            </a:r>
+          </a:p>
+          <a:p>
+            <a:pPr lvl="1"/>
+            <a:r>
+              <a:rPr dirty="0"/>
+              <a:t>Interface realizations</a:t>
+            </a:r>
+          </a:p>
+        </p:txBody>
+      </p:sp>
+    </p:spTree>
+  </p:cSld>
+  <p:clrMapOvr>
+    <a:masterClrMapping/>
+  </p:clrMapOvr>
+</p:sld>
+</file>
+
+<file path=ppt/slides/slide9.xml><?xml version="1.0" encoding="utf-8"?>
+<p:sld xmlns:a="http://schemas.openxmlformats.org/drawingml/2006/main" xmlns:r="http://schemas.openxmlformats.org/officeDocument/2006/relationships" xmlns:p="http://schemas.openxmlformats.org/presentationml/2006/main">
+  <p:cSld>
+    <p:spTree>
+      <p:nvGrpSpPr>
+        <p:cNvPr id="1" name=""/>
+        <p:cNvGrpSpPr/>
+        <p:nvPr/>
+      </p:nvGrpSpPr>
+      <p:grpSpPr>
+        <a:xfrm>
+          <a:off x="0" y="0"/>
+          <a:ext cx="0" cy="0"/>
+          <a:chOff x="0" y="0"/>
+          <a:chExt cx="0" cy="0"/>
+        </a:xfrm>
+      </p:grpSpPr>
+      <p:sp>
+        <p:nvSpPr>
+          <p:cNvPr id="2" name="Title 1"/>
+          <p:cNvSpPr>
+            <a:spLocks noGrp="1"/>
+          </p:cNvSpPr>
+          <p:nvPr>
+            <p:ph type="title"/>
+          </p:nvPr>
+        </p:nvSpPr>
+        <p:spPr/>
+        <p:txBody>
+          <a:bodyPr/>
+          <a:lstStyle/>
+          <a:p>
+            <a:r>
+              <a:rPr dirty="0"/>
+              <a:t>What Structural Dependencies Reveal</a:t>
+            </a:r>
+          </a:p>
+        </p:txBody>
+      </p:sp>
+      <p:sp>
+        <p:nvSpPr>
+          <p:cNvPr id="3" name="Content Placeholder 2"/>
+          <p:cNvSpPr>
+            <a:spLocks noGrp="1"/>
+          </p:cNvSpPr>
+          <p:nvPr>
+            <p:ph idx="1"/>
+          </p:nvPr>
+        </p:nvSpPr>
+        <p:spPr/>
+        <p:txBody>
+          <a:bodyPr/>
+          <a:lstStyle/>
+          <a:p>
+            <a:pPr marL="0" indent="0">
+              <a:buNone/>
+            </a:pPr>
+            <a:r>
+              <a:rPr lang="en-US" dirty="0"/>
+              <a:t>Dense or tangled structures are easier to spot in diagrams than in code. </a:t>
+            </a:r>
+          </a:p>
+          <a:p>
+            <a:pPr marL="0" indent="0">
+              <a:buNone/>
+            </a:pPr>
+            <a:r>
+              <a:rPr lang="en-US" dirty="0"/>
+              <a:t>This is often where students first notice over-coupling or god classes.</a:t>
+            </a:r>
+          </a:p>
+          <a:p>
+            <a:r>
+              <a:rPr dirty="0"/>
+              <a:t>Object lifetime relationships</a:t>
+            </a:r>
+          </a:p>
+          <a:p>
+            <a:pPr lvl="1"/>
+            <a:r>
+              <a:rPr dirty="0"/>
+              <a:t>Tight vs loose coupling</a:t>
+            </a:r>
+          </a:p>
+          <a:p>
+            <a:pPr lvl="1"/>
+            <a:r>
+              <a:rPr dirty="0"/>
+              <a:t>Potential design smells</a:t>
+            </a:r>
+          </a:p>
+        </p:txBody>
+      </p:sp>
+    </p:spTree>
   </p:cSld>
   <p:clrMapOvr>
     <a:masterClrMapping/>

--- a/presentations/03-uml-class-diagramming.pptx
+++ b/presentations/03-uml-class-diagramming.pptx
@@ -5,7 +5,7 @@
     <p:sldMasterId id="2147483738" r:id="rId1"/>
   </p:sldMasterIdLst>
   <p:notesMasterIdLst>
-    <p:notesMasterId r:id="rId31"/>
+    <p:notesMasterId r:id="rId34"/>
   </p:notesMasterIdLst>
   <p:sldIdLst>
     <p:sldId id="256" r:id="rId2"/>
@@ -16,27 +16,30 @@
     <p:sldId id="261" r:id="rId7"/>
     <p:sldId id="262" r:id="rId8"/>
     <p:sldId id="263" r:id="rId9"/>
-    <p:sldId id="264" r:id="rId10"/>
-    <p:sldId id="265" r:id="rId11"/>
-    <p:sldId id="278" r:id="rId12"/>
-    <p:sldId id="279" r:id="rId13"/>
-    <p:sldId id="280" r:id="rId14"/>
-    <p:sldId id="281" r:id="rId15"/>
-    <p:sldId id="266" r:id="rId16"/>
-    <p:sldId id="267" r:id="rId17"/>
-    <p:sldId id="277" r:id="rId18"/>
-    <p:sldId id="268" r:id="rId19"/>
-    <p:sldId id="269" r:id="rId20"/>
-    <p:sldId id="270" r:id="rId21"/>
-    <p:sldId id="271" r:id="rId22"/>
-    <p:sldId id="272" r:id="rId23"/>
-    <p:sldId id="282" r:id="rId24"/>
-    <p:sldId id="283" r:id="rId25"/>
-    <p:sldId id="273" r:id="rId26"/>
-    <p:sldId id="284" r:id="rId27"/>
-    <p:sldId id="274" r:id="rId28"/>
-    <p:sldId id="276" r:id="rId29"/>
-    <p:sldId id="275" r:id="rId30"/>
+    <p:sldId id="285" r:id="rId10"/>
+    <p:sldId id="286" r:id="rId11"/>
+    <p:sldId id="267" r:id="rId12"/>
+    <p:sldId id="277" r:id="rId13"/>
+    <p:sldId id="265" r:id="rId14"/>
+    <p:sldId id="278" r:id="rId15"/>
+    <p:sldId id="287" r:id="rId16"/>
+    <p:sldId id="264" r:id="rId17"/>
+    <p:sldId id="279" r:id="rId18"/>
+    <p:sldId id="280" r:id="rId19"/>
+    <p:sldId id="281" r:id="rId20"/>
+    <p:sldId id="266" r:id="rId21"/>
+    <p:sldId id="268" r:id="rId22"/>
+    <p:sldId id="269" r:id="rId23"/>
+    <p:sldId id="270" r:id="rId24"/>
+    <p:sldId id="271" r:id="rId25"/>
+    <p:sldId id="272" r:id="rId26"/>
+    <p:sldId id="282" r:id="rId27"/>
+    <p:sldId id="283" r:id="rId28"/>
+    <p:sldId id="273" r:id="rId29"/>
+    <p:sldId id="284" r:id="rId30"/>
+    <p:sldId id="274" r:id="rId31"/>
+    <p:sldId id="276" r:id="rId32"/>
+    <p:sldId id="275" r:id="rId33"/>
   </p:sldIdLst>
   <p:sldSz cx="12192000" cy="6858000"/>
   <p:notesSz cx="6858000" cy="9144000"/>
@@ -568,13 +571,7 @@
   <p:cSld>
     <p:spTree>
       <p:nvGrpSpPr>
-        <p:cNvPr id="1" name="">
-          <a:extLst>
-            <a:ext uri="{FF2B5EF4-FFF2-40B4-BE49-F238E27FC236}">
-              <a16:creationId xmlns:a16="http://schemas.microsoft.com/office/drawing/2014/main" id="{D6630A00-76B5-07BF-E2D8-9B6572ECF8FE}"/>
-            </a:ext>
-          </a:extLst>
-        </p:cNvPr>
+        <p:cNvPr id="1" name=""/>
         <p:cNvGrpSpPr/>
         <p:nvPr/>
       </p:nvGrpSpPr>
@@ -588,13 +585,7 @@
       </p:grpSpPr>
       <p:sp>
         <p:nvSpPr>
-          <p:cNvPr id="2" name="Slide Image Placeholder 1">
-            <a:extLst>
-              <a:ext uri="{FF2B5EF4-FFF2-40B4-BE49-F238E27FC236}">
-                <a16:creationId xmlns:a16="http://schemas.microsoft.com/office/drawing/2014/main" id="{57C80496-6A01-0C63-109B-9701C726B706}"/>
-              </a:ext>
-            </a:extLst>
-          </p:cNvPr>
+          <p:cNvPr id="2" name="Slide Image Placeholder 1"/>
           <p:cNvSpPr>
             <a:spLocks noGrp="1" noRot="1" noChangeAspect="1"/>
           </p:cNvSpPr>
@@ -606,13 +597,7 @@
       </p:sp>
       <p:sp>
         <p:nvSpPr>
-          <p:cNvPr id="3" name="Notes Placeholder 2">
-            <a:extLst>
-              <a:ext uri="{FF2B5EF4-FFF2-40B4-BE49-F238E27FC236}">
-                <a16:creationId xmlns:a16="http://schemas.microsoft.com/office/drawing/2014/main" id="{D749104B-2CC7-8993-882F-19AB3F074B97}"/>
-              </a:ext>
-            </a:extLst>
-          </p:cNvPr>
+          <p:cNvPr id="3" name="Notes Placeholder 2"/>
           <p:cNvSpPr>
             <a:spLocks noGrp="1"/>
           </p:cNvSpPr>
@@ -627,20 +612,14 @@
           <a:p>
             <a:r>
               <a:rPr dirty="0"/>
-              <a:t>Reinforce OO principles here. Interfaces describe capability without commitment. Diagrams make this distinction obvious and visible.</a:t>
-            </a:r>
-          </a:p>
-        </p:txBody>
-      </p:sp>
-      <p:sp>
-        <p:nvSpPr>
-          <p:cNvPr id="4" name="Slide Number Placeholder 3">
-            <a:extLst>
-              <a:ext uri="{FF2B5EF4-FFF2-40B4-BE49-F238E27FC236}">
-                <a16:creationId xmlns:a16="http://schemas.microsoft.com/office/drawing/2014/main" id="{985780CD-101D-FE75-CD92-3F3CF24AD242}"/>
-              </a:ext>
-            </a:extLst>
-          </p:cNvPr>
+              <a:t>Dense or tangled structures are easier to spot in diagrams than in code. This is often where students first notice over-coupling or god classes.</a:t>
+            </a:r>
+          </a:p>
+        </p:txBody>
+      </p:sp>
+      <p:sp>
+        <p:nvSpPr>
+          <p:cNvPr id="4" name="Slide Number Placeholder 3"/>
           <p:cNvSpPr>
             <a:spLocks noGrp="1"/>
           </p:cNvSpPr>
@@ -651,11 +630,6 @@
         <p:spPr/>
       </p:sp>
     </p:spTree>
-    <p:extLst>
-      <p:ext uri="{BB962C8B-B14F-4D97-AF65-F5344CB8AC3E}">
-        <p14:creationId xmlns:p14="http://schemas.microsoft.com/office/powerpoint/2010/main" val="2974063214"/>
-      </p:ext>
-    </p:extLst>
   </p:cSld>
   <p:clrMapOvr>
     <a:masterClrMapping/>
@@ -709,7 +683,7 @@
           <a:p>
             <a:r>
               <a:rPr dirty="0"/>
-              <a:t>Patterns like Strategy and Observer become much clearer when interfaces are visible and not hidden behind concrete implementations.</a:t>
+              <a:t>Ask students to consider: does this class really need to own this dependency, or does it only need it temporarily?</a:t>
             </a:r>
           </a:p>
         </p:txBody>
@@ -780,7 +754,7 @@
           <a:p>
             <a:r>
               <a:rPr dirty="0"/>
-              <a:t>Stress that good diagrams are selective. You diagram what matters for the decision you are discussing, not everything that exists.</a:t>
+              <a:t>Patterns like Strategy and Observer become much clearer when interfaces are visible and not hidden behind concrete implementations.</a:t>
             </a:r>
           </a:p>
         </p:txBody>
@@ -851,7 +825,7 @@
           <a:p>
             <a:r>
               <a:rPr dirty="0"/>
-              <a:t>Reading code is serial and slow. Diagrams allow parallel understanding and quicker agreement or disagreement during reviews.</a:t>
+              <a:t>Stress that good diagrams are selective. You diagram what matters for the decision you are discussing, not everything that exists.</a:t>
             </a:r>
           </a:p>
         </p:txBody>
@@ -922,7 +896,7 @@
           <a:p>
             <a:r>
               <a:rPr dirty="0"/>
-              <a:t>Talk about using diagrams in PRs or design reviews to explain why something is built a certain way instead of arguing line-by-line in code.</a:t>
+              <a:t>Reading code is serial and slow. Diagrams allow parallel understanding and quicker agreement or disagreement during reviews.</a:t>
             </a:r>
           </a:p>
         </p:txBody>
@@ -993,7 +967,7 @@
           <a:p>
             <a:r>
               <a:rPr dirty="0"/>
-              <a:t>Each class box invites questions. Too many relationships often indicate too many responsibilities.</a:t>
+              <a:t>Talk about using diagrams in PRs or design reviews to explain why something is built a certain way instead of arguing line-by-line in code.</a:t>
             </a:r>
           </a:p>
         </p:txBody>
@@ -1019,6 +993,77 @@
 </file>
 
 <file path=ppt/notesSlides/notesSlide16.xml><?xml version="1.0" encoding="utf-8"?>
+<p:notes xmlns:a="http://schemas.openxmlformats.org/drawingml/2006/main" xmlns:r="http://schemas.openxmlformats.org/officeDocument/2006/relationships" xmlns:p="http://schemas.openxmlformats.org/presentationml/2006/main">
+  <p:cSld>
+    <p:spTree>
+      <p:nvGrpSpPr>
+        <p:cNvPr id="1" name=""/>
+        <p:cNvGrpSpPr/>
+        <p:nvPr/>
+      </p:nvGrpSpPr>
+      <p:grpSpPr>
+        <a:xfrm>
+          <a:off x="0" y="0"/>
+          <a:ext cx="0" cy="0"/>
+          <a:chOff x="0" y="0"/>
+          <a:chExt cx="0" cy="0"/>
+        </a:xfrm>
+      </p:grpSpPr>
+      <p:sp>
+        <p:nvSpPr>
+          <p:cNvPr id="2" name="Slide Image Placeholder 1"/>
+          <p:cNvSpPr>
+            <a:spLocks noGrp="1" noRot="1" noChangeAspect="1"/>
+          </p:cNvSpPr>
+          <p:nvPr>
+            <p:ph type="sldImg" idx="2"/>
+          </p:nvPr>
+        </p:nvSpPr>
+        <p:spPr/>
+      </p:sp>
+      <p:sp>
+        <p:nvSpPr>
+          <p:cNvPr id="3" name="Notes Placeholder 2"/>
+          <p:cNvSpPr>
+            <a:spLocks noGrp="1"/>
+          </p:cNvSpPr>
+          <p:nvPr>
+            <p:ph type="body" sz="quarter" idx="3"/>
+          </p:nvPr>
+        </p:nvSpPr>
+        <p:spPr/>
+        <p:txBody>
+          <a:bodyPr/>
+          <a:lstStyle/>
+          <a:p>
+            <a:r>
+              <a:rPr dirty="0"/>
+              <a:t>Each class box invites questions. Too many relationships often indicate too many responsibilities.</a:t>
+            </a:r>
+          </a:p>
+        </p:txBody>
+      </p:sp>
+      <p:sp>
+        <p:nvSpPr>
+          <p:cNvPr id="4" name="Slide Number Placeholder 3"/>
+          <p:cNvSpPr>
+            <a:spLocks noGrp="1"/>
+          </p:cNvSpPr>
+          <p:nvPr>
+            <p:ph type="sldNum" sz="quarter" idx="5"/>
+          </p:nvPr>
+        </p:nvSpPr>
+        <p:spPr/>
+      </p:sp>
+    </p:spTree>
+  </p:cSld>
+  <p:clrMapOvr>
+    <a:masterClrMapping/>
+  </p:clrMapOvr>
+</p:notes>
+</file>
+
+<file path=ppt/notesSlides/notesSlide17.xml><?xml version="1.0" encoding="utf-8"?>
 <p:notes xmlns:a="http://schemas.openxmlformats.org/drawingml/2006/main" xmlns:r="http://schemas.openxmlformats.org/officeDocument/2006/relationships" xmlns:p="http://schemas.openxmlformats.org/presentationml/2006/main">
   <p:cSld>
     <p:spTree>
@@ -1118,7 +1163,7 @@
 </p:notes>
 </file>
 
-<file path=ppt/notesSlides/notesSlide17.xml><?xml version="1.0" encoding="utf-8"?>
+<file path=ppt/notesSlides/notesSlide18.xml><?xml version="1.0" encoding="utf-8"?>
 <p:notes xmlns:a="http://schemas.openxmlformats.org/drawingml/2006/main" xmlns:r="http://schemas.openxmlformats.org/officeDocument/2006/relationships" xmlns:p="http://schemas.openxmlformats.org/presentationml/2006/main">
   <p:cSld>
     <p:spTree>
@@ -1218,7 +1263,7 @@
 </p:notes>
 </file>
 
-<file path=ppt/notesSlides/notesSlide18.xml><?xml version="1.0" encoding="utf-8"?>
+<file path=ppt/notesSlides/notesSlide19.xml><?xml version="1.0" encoding="utf-8"?>
 <p:notes xmlns:a="http://schemas.openxmlformats.org/drawingml/2006/main" xmlns:r="http://schemas.openxmlformats.org/officeDocument/2006/relationships" xmlns:p="http://schemas.openxmlformats.org/presentationml/2006/main">
   <p:cSld>
     <p:spTree>
@@ -1282,106 +1327,6 @@
         <p:spPr/>
       </p:sp>
     </p:spTree>
-  </p:cSld>
-  <p:clrMapOvr>
-    <a:masterClrMapping/>
-  </p:clrMapOvr>
-</p:notes>
-</file>
-
-<file path=ppt/notesSlides/notesSlide19.xml><?xml version="1.0" encoding="utf-8"?>
-<p:notes xmlns:a="http://schemas.openxmlformats.org/drawingml/2006/main" xmlns:r="http://schemas.openxmlformats.org/officeDocument/2006/relationships" xmlns:p="http://schemas.openxmlformats.org/presentationml/2006/main">
-  <p:cSld>
-    <p:spTree>
-      <p:nvGrpSpPr>
-        <p:cNvPr id="1" name="">
-          <a:extLst>
-            <a:ext uri="{FF2B5EF4-FFF2-40B4-BE49-F238E27FC236}">
-              <a16:creationId xmlns:a16="http://schemas.microsoft.com/office/drawing/2014/main" id="{2879308E-4A43-948B-725F-9C18B55A2633}"/>
-            </a:ext>
-          </a:extLst>
-        </p:cNvPr>
-        <p:cNvGrpSpPr/>
-        <p:nvPr/>
-      </p:nvGrpSpPr>
-      <p:grpSpPr>
-        <a:xfrm>
-          <a:off x="0" y="0"/>
-          <a:ext cx="0" cy="0"/>
-          <a:chOff x="0" y="0"/>
-          <a:chExt cx="0" cy="0"/>
-        </a:xfrm>
-      </p:grpSpPr>
-      <p:sp>
-        <p:nvSpPr>
-          <p:cNvPr id="2" name="Slide Image Placeholder 1">
-            <a:extLst>
-              <a:ext uri="{FF2B5EF4-FFF2-40B4-BE49-F238E27FC236}">
-                <a16:creationId xmlns:a16="http://schemas.microsoft.com/office/drawing/2014/main" id="{47340ABD-54B5-A3F7-15BB-0420DBCB74CF}"/>
-              </a:ext>
-            </a:extLst>
-          </p:cNvPr>
-          <p:cNvSpPr>
-            <a:spLocks noGrp="1" noRot="1" noChangeAspect="1"/>
-          </p:cNvSpPr>
-          <p:nvPr>
-            <p:ph type="sldImg" idx="2"/>
-          </p:nvPr>
-        </p:nvSpPr>
-        <p:spPr/>
-      </p:sp>
-      <p:sp>
-        <p:nvSpPr>
-          <p:cNvPr id="3" name="Notes Placeholder 2">
-            <a:extLst>
-              <a:ext uri="{FF2B5EF4-FFF2-40B4-BE49-F238E27FC236}">
-                <a16:creationId xmlns:a16="http://schemas.microsoft.com/office/drawing/2014/main" id="{78344995-0E3A-736C-F4E3-54BFEF9D341C}"/>
-              </a:ext>
-            </a:extLst>
-          </p:cNvPr>
-          <p:cNvSpPr>
-            <a:spLocks noGrp="1"/>
-          </p:cNvSpPr>
-          <p:nvPr>
-            <p:ph type="body" sz="quarter" idx="3"/>
-          </p:nvPr>
-        </p:nvSpPr>
-        <p:spPr/>
-        <p:txBody>
-          <a:bodyPr/>
-          <a:lstStyle/>
-          <a:p>
-            <a:r>
-              <a:rPr dirty="0"/>
-              <a:t>Whiteboard or diagram tools allow experimentation without refactoring code. This encourages exploration instead of premature commitment.</a:t>
-            </a:r>
-          </a:p>
-        </p:txBody>
-      </p:sp>
-      <p:sp>
-        <p:nvSpPr>
-          <p:cNvPr id="4" name="Slide Number Placeholder 3">
-            <a:extLst>
-              <a:ext uri="{FF2B5EF4-FFF2-40B4-BE49-F238E27FC236}">
-                <a16:creationId xmlns:a16="http://schemas.microsoft.com/office/drawing/2014/main" id="{8C809F67-C529-D2F7-A5EC-8AF654EAE5BD}"/>
-              </a:ext>
-            </a:extLst>
-          </p:cNvPr>
-          <p:cNvSpPr>
-            <a:spLocks noGrp="1"/>
-          </p:cNvSpPr>
-          <p:nvPr>
-            <p:ph type="sldNum" sz="quarter" idx="5"/>
-          </p:nvPr>
-        </p:nvSpPr>
-        <p:spPr/>
-      </p:sp>
-    </p:spTree>
-    <p:extLst>
-      <p:ext uri="{BB962C8B-B14F-4D97-AF65-F5344CB8AC3E}">
-        <p14:creationId xmlns:p14="http://schemas.microsoft.com/office/powerpoint/2010/main" val="951704840"/>
-      </p:ext>
-    </p:extLst>
   </p:cSld>
   <p:clrMapOvr>
     <a:masterClrMapping/>
@@ -1465,6 +1410,106 @@
   <p:cSld>
     <p:spTree>
       <p:nvGrpSpPr>
+        <p:cNvPr id="1" name="">
+          <a:extLst>
+            <a:ext uri="{FF2B5EF4-FFF2-40B4-BE49-F238E27FC236}">
+              <a16:creationId xmlns:a16="http://schemas.microsoft.com/office/drawing/2014/main" id="{2879308E-4A43-948B-725F-9C18B55A2633}"/>
+            </a:ext>
+          </a:extLst>
+        </p:cNvPr>
+        <p:cNvGrpSpPr/>
+        <p:nvPr/>
+      </p:nvGrpSpPr>
+      <p:grpSpPr>
+        <a:xfrm>
+          <a:off x="0" y="0"/>
+          <a:ext cx="0" cy="0"/>
+          <a:chOff x="0" y="0"/>
+          <a:chExt cx="0" cy="0"/>
+        </a:xfrm>
+      </p:grpSpPr>
+      <p:sp>
+        <p:nvSpPr>
+          <p:cNvPr id="2" name="Slide Image Placeholder 1">
+            <a:extLst>
+              <a:ext uri="{FF2B5EF4-FFF2-40B4-BE49-F238E27FC236}">
+                <a16:creationId xmlns:a16="http://schemas.microsoft.com/office/drawing/2014/main" id="{47340ABD-54B5-A3F7-15BB-0420DBCB74CF}"/>
+              </a:ext>
+            </a:extLst>
+          </p:cNvPr>
+          <p:cNvSpPr>
+            <a:spLocks noGrp="1" noRot="1" noChangeAspect="1"/>
+          </p:cNvSpPr>
+          <p:nvPr>
+            <p:ph type="sldImg" idx="2"/>
+          </p:nvPr>
+        </p:nvSpPr>
+        <p:spPr/>
+      </p:sp>
+      <p:sp>
+        <p:nvSpPr>
+          <p:cNvPr id="3" name="Notes Placeholder 2">
+            <a:extLst>
+              <a:ext uri="{FF2B5EF4-FFF2-40B4-BE49-F238E27FC236}">
+                <a16:creationId xmlns:a16="http://schemas.microsoft.com/office/drawing/2014/main" id="{78344995-0E3A-736C-F4E3-54BFEF9D341C}"/>
+              </a:ext>
+            </a:extLst>
+          </p:cNvPr>
+          <p:cNvSpPr>
+            <a:spLocks noGrp="1"/>
+          </p:cNvSpPr>
+          <p:nvPr>
+            <p:ph type="body" sz="quarter" idx="3"/>
+          </p:nvPr>
+        </p:nvSpPr>
+        <p:spPr/>
+        <p:txBody>
+          <a:bodyPr/>
+          <a:lstStyle/>
+          <a:p>
+            <a:r>
+              <a:rPr dirty="0"/>
+              <a:t>Whiteboard or diagram tools allow experimentation without refactoring code. This encourages exploration instead of premature commitment.</a:t>
+            </a:r>
+          </a:p>
+        </p:txBody>
+      </p:sp>
+      <p:sp>
+        <p:nvSpPr>
+          <p:cNvPr id="4" name="Slide Number Placeholder 3">
+            <a:extLst>
+              <a:ext uri="{FF2B5EF4-FFF2-40B4-BE49-F238E27FC236}">
+                <a16:creationId xmlns:a16="http://schemas.microsoft.com/office/drawing/2014/main" id="{8C809F67-C529-D2F7-A5EC-8AF654EAE5BD}"/>
+              </a:ext>
+            </a:extLst>
+          </p:cNvPr>
+          <p:cNvSpPr>
+            <a:spLocks noGrp="1"/>
+          </p:cNvSpPr>
+          <p:nvPr>
+            <p:ph type="sldNum" sz="quarter" idx="5"/>
+          </p:nvPr>
+        </p:nvSpPr>
+        <p:spPr/>
+      </p:sp>
+    </p:spTree>
+    <p:extLst>
+      <p:ext uri="{BB962C8B-B14F-4D97-AF65-F5344CB8AC3E}">
+        <p14:creationId xmlns:p14="http://schemas.microsoft.com/office/powerpoint/2010/main" val="951704840"/>
+      </p:ext>
+    </p:extLst>
+  </p:cSld>
+  <p:clrMapOvr>
+    <a:masterClrMapping/>
+  </p:clrMapOvr>
+</p:notes>
+</file>
+
+<file path=ppt/notesSlides/notesSlide21.xml><?xml version="1.0" encoding="utf-8"?>
+<p:notes xmlns:a="http://schemas.openxmlformats.org/drawingml/2006/main" xmlns:r="http://schemas.openxmlformats.org/officeDocument/2006/relationships" xmlns:p="http://schemas.openxmlformats.org/presentationml/2006/main">
+  <p:cSld>
+    <p:spTree>
+      <p:nvGrpSpPr>
         <p:cNvPr id="1" name=""/>
         <p:cNvGrpSpPr/>
         <p:nvPr/>
@@ -1531,7 +1576,7 @@
 </p:notes>
 </file>
 
-<file path=ppt/notesSlides/notesSlide21.xml><?xml version="1.0" encoding="utf-8"?>
+<file path=ppt/notesSlides/notesSlide22.xml><?xml version="1.0" encoding="utf-8"?>
 <p:notes xmlns:a="http://schemas.openxmlformats.org/drawingml/2006/main" xmlns:r="http://schemas.openxmlformats.org/officeDocument/2006/relationships" xmlns:p="http://schemas.openxmlformats.org/presentationml/2006/main">
   <p:cSld>
     <p:spTree>
@@ -1752,7 +1797,7 @@
 </p:notes>
 </file>
 
-<file path=ppt/notesSlides/notesSlide22.xml><?xml version="1.0" encoding="utf-8"?>
+<file path=ppt/notesSlides/notesSlide23.xml><?xml version="1.0" encoding="utf-8"?>
 <p:notes xmlns:a="http://schemas.openxmlformats.org/drawingml/2006/main" xmlns:r="http://schemas.openxmlformats.org/officeDocument/2006/relationships" xmlns:p="http://schemas.openxmlformats.org/presentationml/2006/main">
   <p:cSld>
     <p:spTree>
@@ -2082,7 +2127,7 @@
           <a:p>
             <a:r>
               <a:rPr dirty="0"/>
-              <a:t>Dense or tangled structures are easier to spot in diagrams than in code. This is often where students first notice over-coupling or god classes.</a:t>
+              <a:t>Reinforce OO principles here. Interfaces describe capability without commitment. Diagrams make this distinction obvious and visible.</a:t>
             </a:r>
           </a:p>
         </p:txBody>
@@ -2112,7 +2157,13 @@
   <p:cSld>
     <p:spTree>
       <p:nvGrpSpPr>
-        <p:cNvPr id="1" name=""/>
+        <p:cNvPr id="1" name="">
+          <a:extLst>
+            <a:ext uri="{FF2B5EF4-FFF2-40B4-BE49-F238E27FC236}">
+              <a16:creationId xmlns:a16="http://schemas.microsoft.com/office/drawing/2014/main" id="{D6630A00-76B5-07BF-E2D8-9B6572ECF8FE}"/>
+            </a:ext>
+          </a:extLst>
+        </p:cNvPr>
         <p:cNvGrpSpPr/>
         <p:nvPr/>
       </p:nvGrpSpPr>
@@ -2126,7 +2177,13 @@
       </p:grpSpPr>
       <p:sp>
         <p:nvSpPr>
-          <p:cNvPr id="2" name="Slide Image Placeholder 1"/>
+          <p:cNvPr id="2" name="Slide Image Placeholder 1">
+            <a:extLst>
+              <a:ext uri="{FF2B5EF4-FFF2-40B4-BE49-F238E27FC236}">
+                <a16:creationId xmlns:a16="http://schemas.microsoft.com/office/drawing/2014/main" id="{57C80496-6A01-0C63-109B-9701C726B706}"/>
+              </a:ext>
+            </a:extLst>
+          </p:cNvPr>
           <p:cNvSpPr>
             <a:spLocks noGrp="1" noRot="1" noChangeAspect="1"/>
           </p:cNvSpPr>
@@ -2138,7 +2195,13 @@
       </p:sp>
       <p:sp>
         <p:nvSpPr>
-          <p:cNvPr id="3" name="Notes Placeholder 2"/>
+          <p:cNvPr id="3" name="Notes Placeholder 2">
+            <a:extLst>
+              <a:ext uri="{FF2B5EF4-FFF2-40B4-BE49-F238E27FC236}">
+                <a16:creationId xmlns:a16="http://schemas.microsoft.com/office/drawing/2014/main" id="{D749104B-2CC7-8993-882F-19AB3F074B97}"/>
+              </a:ext>
+            </a:extLst>
+          </p:cNvPr>
           <p:cNvSpPr>
             <a:spLocks noGrp="1"/>
           </p:cNvSpPr>
@@ -2153,14 +2216,20 @@
           <a:p>
             <a:r>
               <a:rPr dirty="0"/>
-              <a:t>Clarify that not all dependencies should be fields. UML dependency arrows help distinguish temporary usage from structural ownership.</a:t>
-            </a:r>
-          </a:p>
-        </p:txBody>
-      </p:sp>
-      <p:sp>
-        <p:nvSpPr>
-          <p:cNvPr id="4" name="Slide Number Placeholder 3"/>
+              <a:t>Reinforce OO principles here. Interfaces describe capability without commitment. Diagrams make this distinction obvious and visible.</a:t>
+            </a:r>
+          </a:p>
+        </p:txBody>
+      </p:sp>
+      <p:sp>
+        <p:nvSpPr>
+          <p:cNvPr id="4" name="Slide Number Placeholder 3">
+            <a:extLst>
+              <a:ext uri="{FF2B5EF4-FFF2-40B4-BE49-F238E27FC236}">
+                <a16:creationId xmlns:a16="http://schemas.microsoft.com/office/drawing/2014/main" id="{985780CD-101D-FE75-CD92-3F3CF24AD242}"/>
+              </a:ext>
+            </a:extLst>
+          </p:cNvPr>
           <p:cNvSpPr>
             <a:spLocks noGrp="1"/>
           </p:cNvSpPr>
@@ -2171,6 +2240,11 @@
         <p:spPr/>
       </p:sp>
     </p:spTree>
+    <p:extLst>
+      <p:ext uri="{BB962C8B-B14F-4D97-AF65-F5344CB8AC3E}">
+        <p14:creationId xmlns:p14="http://schemas.microsoft.com/office/powerpoint/2010/main" val="2974063214"/>
+      </p:ext>
+    </p:extLst>
   </p:cSld>
   <p:clrMapOvr>
     <a:masterClrMapping/>
@@ -2224,7 +2298,7 @@
           <a:p>
             <a:r>
               <a:rPr dirty="0"/>
-              <a:t>Ask students to consider: does this class really need to own this dependency, or does it only need it temporarily?</a:t>
+              <a:t>Clarify that not all dependencies should be fields. UML dependency arrows help distinguish temporary usage from structural ownership.</a:t>
             </a:r>
           </a:p>
         </p:txBody>
@@ -2254,7 +2328,13 @@
   <p:cSld>
     <p:spTree>
       <p:nvGrpSpPr>
-        <p:cNvPr id="1" name=""/>
+        <p:cNvPr id="1" name="">
+          <a:extLst>
+            <a:ext uri="{FF2B5EF4-FFF2-40B4-BE49-F238E27FC236}">
+              <a16:creationId xmlns:a16="http://schemas.microsoft.com/office/drawing/2014/main" id="{BA0E1D52-7D5D-D145-E834-E7F764A8726B}"/>
+            </a:ext>
+          </a:extLst>
+        </p:cNvPr>
         <p:cNvGrpSpPr/>
         <p:nvPr/>
       </p:nvGrpSpPr>
@@ -2268,7 +2348,13 @@
       </p:grpSpPr>
       <p:sp>
         <p:nvSpPr>
-          <p:cNvPr id="2" name="Slide Image Placeholder 1"/>
+          <p:cNvPr id="2" name="Slide Image Placeholder 1">
+            <a:extLst>
+              <a:ext uri="{FF2B5EF4-FFF2-40B4-BE49-F238E27FC236}">
+                <a16:creationId xmlns:a16="http://schemas.microsoft.com/office/drawing/2014/main" id="{E9E4D9E3-8F32-85B9-E2C7-DB8B96B2C5B7}"/>
+              </a:ext>
+            </a:extLst>
+          </p:cNvPr>
           <p:cNvSpPr>
             <a:spLocks noGrp="1" noRot="1" noChangeAspect="1"/>
           </p:cNvSpPr>
@@ -2280,7 +2366,13 @@
       </p:sp>
       <p:sp>
         <p:nvSpPr>
-          <p:cNvPr id="3" name="Notes Placeholder 2"/>
+          <p:cNvPr id="3" name="Notes Placeholder 2">
+            <a:extLst>
+              <a:ext uri="{FF2B5EF4-FFF2-40B4-BE49-F238E27FC236}">
+                <a16:creationId xmlns:a16="http://schemas.microsoft.com/office/drawing/2014/main" id="{79F2CDF9-6E79-023A-5718-AAEFC273B70C}"/>
+              </a:ext>
+            </a:extLst>
+          </p:cNvPr>
           <p:cNvSpPr>
             <a:spLocks noGrp="1"/>
           </p:cNvSpPr>
@@ -2295,14 +2387,20 @@
           <a:p>
             <a:r>
               <a:rPr dirty="0"/>
-              <a:t>Reinforce OO principles here. Interfaces describe capability without commitment. Diagrams make this distinction obvious and visible.</a:t>
-            </a:r>
-          </a:p>
-        </p:txBody>
-      </p:sp>
-      <p:sp>
-        <p:nvSpPr>
-          <p:cNvPr id="4" name="Slide Number Placeholder 3"/>
+              <a:t>Clarify that not all dependencies should be fields. UML dependency arrows help distinguish temporary usage from structural ownership.</a:t>
+            </a:r>
+          </a:p>
+        </p:txBody>
+      </p:sp>
+      <p:sp>
+        <p:nvSpPr>
+          <p:cNvPr id="4" name="Slide Number Placeholder 3">
+            <a:extLst>
+              <a:ext uri="{FF2B5EF4-FFF2-40B4-BE49-F238E27FC236}">
+                <a16:creationId xmlns:a16="http://schemas.microsoft.com/office/drawing/2014/main" id="{FD39FC74-6974-024A-C799-A9D600ADEE75}"/>
+              </a:ext>
+            </a:extLst>
+          </p:cNvPr>
           <p:cNvSpPr>
             <a:spLocks noGrp="1"/>
           </p:cNvSpPr>
@@ -2313,6 +2411,11 @@
         <p:spPr/>
       </p:sp>
     </p:spTree>
+    <p:extLst>
+      <p:ext uri="{BB962C8B-B14F-4D97-AF65-F5344CB8AC3E}">
+        <p14:creationId xmlns:p14="http://schemas.microsoft.com/office/powerpoint/2010/main" val="55608875"/>
+      </p:ext>
+    </p:extLst>
   </p:cSld>
   <p:clrMapOvr>
     <a:masterClrMapping/>
@@ -6839,7 +6942,13 @@
   <p:cSld>
     <p:spTree>
       <p:nvGrpSpPr>
-        <p:cNvPr id="1" name=""/>
+        <p:cNvPr id="1" name="">
+          <a:extLst>
+            <a:ext uri="{FF2B5EF4-FFF2-40B4-BE49-F238E27FC236}">
+              <a16:creationId xmlns:a16="http://schemas.microsoft.com/office/drawing/2014/main" id="{7F3E559C-5CD0-38A8-40C3-91754E01870F}"/>
+            </a:ext>
+          </a:extLst>
+        </p:cNvPr>
         <p:cNvGrpSpPr/>
         <p:nvPr/>
       </p:nvGrpSpPr>
@@ -6853,7 +6962,13 @@
       </p:grpSpPr>
       <p:sp>
         <p:nvSpPr>
-          <p:cNvPr id="2" name="Title 1"/>
+          <p:cNvPr id="2" name="Title 1">
+            <a:extLst>
+              <a:ext uri="{FF2B5EF4-FFF2-40B4-BE49-F238E27FC236}">
+                <a16:creationId xmlns:a16="http://schemas.microsoft.com/office/drawing/2014/main" id="{D2DBD7A8-2DEF-3EE2-17C8-845DCB13DA80}"/>
+              </a:ext>
+            </a:extLst>
+          </p:cNvPr>
           <p:cNvSpPr>
             <a:spLocks noGrp="1"/>
           </p:cNvSpPr>
@@ -6861,73 +6976,58 @@
             <p:ph type="title"/>
           </p:nvPr>
         </p:nvSpPr>
-        <p:spPr/>
-        <p:txBody>
-          <a:bodyPr/>
-          <a:lstStyle/>
-          <a:p>
-            <a:r>
-              <a:rPr dirty="0"/>
-              <a:t>Temporal / Usage Dependencies</a:t>
-            </a:r>
-          </a:p>
-        </p:txBody>
-      </p:sp>
-      <p:sp>
-        <p:nvSpPr>
-          <p:cNvPr id="3" name="Content Placeholder 2"/>
-          <p:cNvSpPr>
-            <a:spLocks noGrp="1"/>
-          </p:cNvSpPr>
-          <p:nvPr>
-            <p:ph idx="1"/>
-          </p:nvPr>
-        </p:nvSpPr>
-        <p:spPr/>
-        <p:txBody>
-          <a:bodyPr/>
-          <a:lstStyle/>
-          <a:p>
-            <a:pPr marL="0" indent="0">
-              <a:buNone/>
-            </a:pPr>
+        <p:spPr>
+          <a:xfrm>
+            <a:off x="1767016" y="808056"/>
+            <a:ext cx="8803123" cy="1077229"/>
+          </a:xfrm>
+        </p:spPr>
+        <p:txBody>
+          <a:bodyPr/>
+          <a:lstStyle/>
+          <a:p>
             <a:r>
               <a:rPr lang="en-US" dirty="0"/>
-              <a:t>Not all dependencies should be fields. </a:t>
-            </a:r>
-          </a:p>
-          <a:p>
-            <a:pPr marL="0" indent="0">
-              <a:buNone/>
-            </a:pPr>
-            <a:r>
-              <a:rPr lang="en-US" dirty="0"/>
-              <a:t>UML dependency arrows help distinguish temporary usage from structural ownership.</a:t>
-            </a:r>
-          </a:p>
-          <a:p>
-            <a:r>
-              <a:rPr dirty="0"/>
-              <a:t>Method parameters</a:t>
-            </a:r>
-          </a:p>
-          <a:p>
-            <a:pPr lvl="1"/>
-            <a:r>
-              <a:rPr dirty="0"/>
-              <a:t>Local variables</a:t>
-            </a:r>
-          </a:p>
-          <a:p>
-            <a:pPr lvl="1"/>
-            <a:r>
-              <a:rPr dirty="0"/>
-              <a:t>Short-lived interactions</a:t>
-            </a:r>
-          </a:p>
-        </p:txBody>
-      </p:sp>
+              <a:t>Interface Realization / Type-Level Structural</a:t>
+            </a:r>
+          </a:p>
+        </p:txBody>
+      </p:sp>
+      <p:pic>
+        <p:nvPicPr>
+          <p:cNvPr id="4" name="Picture 3">
+            <a:extLst>
+              <a:ext uri="{FF2B5EF4-FFF2-40B4-BE49-F238E27FC236}">
+                <a16:creationId xmlns:a16="http://schemas.microsoft.com/office/drawing/2014/main" id="{040E566C-E63A-F3E5-4565-9D91F05314DF}"/>
+              </a:ext>
+            </a:extLst>
+          </p:cNvPr>
+          <p:cNvPicPr>
+            <a:picLocks noChangeAspect="1"/>
+          </p:cNvPicPr>
+          <p:nvPr/>
+        </p:nvPicPr>
+        <p:blipFill>
+          <a:blip r:embed="rId2"/>
+          <a:srcRect/>
+          <a:stretch/>
+        </p:blipFill>
+        <p:spPr>
+          <a:xfrm>
+            <a:off x="1459142" y="1717373"/>
+            <a:ext cx="9501095" cy="3769027"/>
+          </a:xfrm>
+          <a:prstGeom prst="rect">
+            <a:avLst/>
+          </a:prstGeom>
+        </p:spPr>
+      </p:pic>
     </p:spTree>
+    <p:extLst>
+      <p:ext uri="{BB962C8B-B14F-4D97-AF65-F5344CB8AC3E}">
+        <p14:creationId xmlns:p14="http://schemas.microsoft.com/office/powerpoint/2010/main" val="3330628743"/>
+      </p:ext>
+    </p:extLst>
   </p:cSld>
   <p:clrMapOvr>
     <a:masterClrMapping/>
@@ -6954,6 +7054,310 @@
       </p:grpSpPr>
       <p:sp>
         <p:nvSpPr>
+          <p:cNvPr id="2" name="Title 1"/>
+          <p:cNvSpPr>
+            <a:spLocks noGrp="1"/>
+          </p:cNvSpPr>
+          <p:nvPr>
+            <p:ph type="title"/>
+          </p:nvPr>
+        </p:nvSpPr>
+        <p:spPr/>
+        <p:txBody>
+          <a:bodyPr/>
+          <a:lstStyle/>
+          <a:p>
+            <a:r>
+              <a:rPr dirty="0"/>
+              <a:t>Interfaces vs Concrete Dependencies</a:t>
+            </a:r>
+          </a:p>
+        </p:txBody>
+      </p:sp>
+      <p:sp>
+        <p:nvSpPr>
+          <p:cNvPr id="3" name="Content Placeholder 2"/>
+          <p:cNvSpPr>
+            <a:spLocks noGrp="1"/>
+          </p:cNvSpPr>
+          <p:nvPr>
+            <p:ph idx="1"/>
+          </p:nvPr>
+        </p:nvSpPr>
+        <p:spPr/>
+        <p:txBody>
+          <a:bodyPr/>
+          <a:lstStyle/>
+          <a:p>
+            <a:pPr marL="0" indent="0">
+              <a:buNone/>
+            </a:pPr>
+            <a:r>
+              <a:rPr lang="en-US" dirty="0"/>
+              <a:t>Interfaces describe capability </a:t>
+            </a:r>
+            <a:r>
+              <a:rPr lang="en-US" i="1" dirty="0"/>
+              <a:t>without commitment</a:t>
+            </a:r>
+            <a:r>
+              <a:rPr lang="en-US" dirty="0"/>
+              <a:t>. </a:t>
+            </a:r>
+          </a:p>
+          <a:p>
+            <a:pPr marL="0" indent="0">
+              <a:buNone/>
+            </a:pPr>
+            <a:r>
+              <a:rPr lang="en-US" dirty="0"/>
+              <a:t>Diagrams make this distinction obvious and visible.</a:t>
+            </a:r>
+          </a:p>
+          <a:p>
+            <a:r>
+              <a:rPr dirty="0"/>
+              <a:t>Interfaces express contracts</a:t>
+            </a:r>
+          </a:p>
+          <a:p>
+            <a:pPr lvl="1"/>
+            <a:r>
+              <a:rPr dirty="0"/>
+              <a:t>Concrete classes express decisions</a:t>
+            </a:r>
+          </a:p>
+          <a:p>
+            <a:pPr lvl="1"/>
+            <a:r>
+              <a:rPr dirty="0"/>
+              <a:t>Prefer depending on abstractions</a:t>
+            </a:r>
+          </a:p>
+        </p:txBody>
+      </p:sp>
+    </p:spTree>
+  </p:cSld>
+  <p:clrMapOvr>
+    <a:masterClrMapping/>
+  </p:clrMapOvr>
+</p:sld>
+</file>
+
+<file path=ppt/slides/slide12.xml><?xml version="1.0" encoding="utf-8"?>
+<p:sld xmlns:a="http://schemas.openxmlformats.org/drawingml/2006/main" xmlns:r="http://schemas.openxmlformats.org/officeDocument/2006/relationships" xmlns:p="http://schemas.openxmlformats.org/presentationml/2006/main">
+  <p:cSld>
+    <p:spTree>
+      <p:nvGrpSpPr>
+        <p:cNvPr id="1" name="">
+          <a:extLst>
+            <a:ext uri="{FF2B5EF4-FFF2-40B4-BE49-F238E27FC236}">
+              <a16:creationId xmlns:a16="http://schemas.microsoft.com/office/drawing/2014/main" id="{6513E7AA-B9D1-AB8F-198E-EA01AF5C0F1D}"/>
+            </a:ext>
+          </a:extLst>
+        </p:cNvPr>
+        <p:cNvGrpSpPr/>
+        <p:nvPr/>
+      </p:nvGrpSpPr>
+      <p:grpSpPr>
+        <a:xfrm>
+          <a:off x="0" y="0"/>
+          <a:ext cx="0" cy="0"/>
+          <a:chOff x="0" y="0"/>
+          <a:chExt cx="0" cy="0"/>
+        </a:xfrm>
+      </p:grpSpPr>
+      <p:sp>
+        <p:nvSpPr>
+          <p:cNvPr id="2" name="Title 1">
+            <a:extLst>
+              <a:ext uri="{FF2B5EF4-FFF2-40B4-BE49-F238E27FC236}">
+                <a16:creationId xmlns:a16="http://schemas.microsoft.com/office/drawing/2014/main" id="{66EBDCB7-F2F1-8C4D-B372-D0FB620163A2}"/>
+              </a:ext>
+            </a:extLst>
+          </p:cNvPr>
+          <p:cNvSpPr>
+            <a:spLocks noGrp="1"/>
+          </p:cNvSpPr>
+          <p:nvPr>
+            <p:ph type="title"/>
+          </p:nvPr>
+        </p:nvSpPr>
+        <p:spPr/>
+        <p:txBody>
+          <a:bodyPr/>
+          <a:lstStyle/>
+          <a:p>
+            <a:r>
+              <a:rPr dirty="0"/>
+              <a:t>Interfaces vs Concrete Dependencies</a:t>
+            </a:r>
+          </a:p>
+        </p:txBody>
+      </p:sp>
+      <p:pic>
+        <p:nvPicPr>
+          <p:cNvPr id="7" name="Picture 6">
+            <a:extLst>
+              <a:ext uri="{FF2B5EF4-FFF2-40B4-BE49-F238E27FC236}">
+                <a16:creationId xmlns:a16="http://schemas.microsoft.com/office/drawing/2014/main" id="{A34E9862-DBF3-0864-0B3A-1FD617D36FEB}"/>
+              </a:ext>
+            </a:extLst>
+          </p:cNvPr>
+          <p:cNvPicPr>
+            <a:picLocks noChangeAspect="1"/>
+          </p:cNvPicPr>
+          <p:nvPr/>
+        </p:nvPicPr>
+        <p:blipFill>
+          <a:blip r:embed="rId3"/>
+          <a:stretch>
+            <a:fillRect/>
+          </a:stretch>
+        </p:blipFill>
+        <p:spPr>
+          <a:xfrm>
+            <a:off x="1279301" y="1885285"/>
+            <a:ext cx="9633398" cy="3188813"/>
+          </a:xfrm>
+          <a:prstGeom prst="rect">
+            <a:avLst/>
+          </a:prstGeom>
+        </p:spPr>
+      </p:pic>
+    </p:spTree>
+    <p:extLst>
+      <p:ext uri="{BB962C8B-B14F-4D97-AF65-F5344CB8AC3E}">
+        <p14:creationId xmlns:p14="http://schemas.microsoft.com/office/powerpoint/2010/main" val="3879621403"/>
+      </p:ext>
+    </p:extLst>
+  </p:cSld>
+  <p:clrMapOvr>
+    <a:masterClrMapping/>
+  </p:clrMapOvr>
+</p:sld>
+</file>
+
+<file path=ppt/slides/slide13.xml><?xml version="1.0" encoding="utf-8"?>
+<p:sld xmlns:a="http://schemas.openxmlformats.org/drawingml/2006/main" xmlns:r="http://schemas.openxmlformats.org/officeDocument/2006/relationships" xmlns:p="http://schemas.openxmlformats.org/presentationml/2006/main">
+  <p:cSld>
+    <p:spTree>
+      <p:nvGrpSpPr>
+        <p:cNvPr id="1" name=""/>
+        <p:cNvGrpSpPr/>
+        <p:nvPr/>
+      </p:nvGrpSpPr>
+      <p:grpSpPr>
+        <a:xfrm>
+          <a:off x="0" y="0"/>
+          <a:ext cx="0" cy="0"/>
+          <a:chOff x="0" y="0"/>
+          <a:chExt cx="0" cy="0"/>
+        </a:xfrm>
+      </p:grpSpPr>
+      <p:sp>
+        <p:nvSpPr>
+          <p:cNvPr id="2" name="Title 1"/>
+          <p:cNvSpPr>
+            <a:spLocks noGrp="1"/>
+          </p:cNvSpPr>
+          <p:nvPr>
+            <p:ph type="title"/>
+          </p:nvPr>
+        </p:nvSpPr>
+        <p:spPr/>
+        <p:txBody>
+          <a:bodyPr/>
+          <a:lstStyle/>
+          <a:p>
+            <a:r>
+              <a:rPr dirty="0"/>
+              <a:t>Temporal Usage Dependencies</a:t>
+            </a:r>
+          </a:p>
+        </p:txBody>
+      </p:sp>
+      <p:sp>
+        <p:nvSpPr>
+          <p:cNvPr id="3" name="Content Placeholder 2"/>
+          <p:cNvSpPr>
+            <a:spLocks noGrp="1"/>
+          </p:cNvSpPr>
+          <p:nvPr>
+            <p:ph idx="1"/>
+          </p:nvPr>
+        </p:nvSpPr>
+        <p:spPr/>
+        <p:txBody>
+          <a:bodyPr/>
+          <a:lstStyle/>
+          <a:p>
+            <a:pPr marL="0" indent="0">
+              <a:buNone/>
+            </a:pPr>
+            <a:r>
+              <a:rPr lang="en-US" dirty="0"/>
+              <a:t>Not all dependencies should be fields. </a:t>
+            </a:r>
+          </a:p>
+          <a:p>
+            <a:pPr marL="0" indent="0">
+              <a:buNone/>
+            </a:pPr>
+            <a:r>
+              <a:rPr lang="en-US" dirty="0"/>
+              <a:t>UML dependency arrows help distinguish temporary usage from structural ownership.</a:t>
+            </a:r>
+          </a:p>
+          <a:p>
+            <a:r>
+              <a:rPr dirty="0"/>
+              <a:t>Method parameters</a:t>
+            </a:r>
+          </a:p>
+          <a:p>
+            <a:pPr lvl="1"/>
+            <a:r>
+              <a:rPr dirty="0"/>
+              <a:t>Local variables</a:t>
+            </a:r>
+          </a:p>
+          <a:p>
+            <a:pPr lvl="1"/>
+            <a:r>
+              <a:rPr dirty="0"/>
+              <a:t>Short-lived interactions</a:t>
+            </a:r>
+          </a:p>
+        </p:txBody>
+      </p:sp>
+    </p:spTree>
+  </p:cSld>
+  <p:clrMapOvr>
+    <a:masterClrMapping/>
+  </p:clrMapOvr>
+</p:sld>
+</file>
+
+<file path=ppt/slides/slide14.xml><?xml version="1.0" encoding="utf-8"?>
+<p:sld xmlns:a="http://schemas.openxmlformats.org/drawingml/2006/main" xmlns:r="http://schemas.openxmlformats.org/officeDocument/2006/relationships" xmlns:p="http://schemas.openxmlformats.org/presentationml/2006/main">
+  <p:cSld>
+    <p:spTree>
+      <p:nvGrpSpPr>
+        <p:cNvPr id="1" name=""/>
+        <p:cNvGrpSpPr/>
+        <p:nvPr/>
+      </p:nvGrpSpPr>
+      <p:grpSpPr>
+        <a:xfrm>
+          <a:off x="0" y="0"/>
+          <a:ext cx="0" cy="0"/>
+          <a:chOff x="0" y="0"/>
+          <a:chExt cx="0" cy="0"/>
+        </a:xfrm>
+      </p:grpSpPr>
+      <p:sp>
+        <p:nvSpPr>
           <p:cNvPr id="2" name="Title 1">
             <a:extLst>
               <a:ext uri="{FF2B5EF4-FFF2-40B4-BE49-F238E27FC236}">
@@ -6975,7 +7379,7 @@
           <a:p>
             <a:r>
               <a:rPr lang="en-US" dirty="0"/>
-              <a:t>Dependency / Temporal</a:t>
+              <a:t>Dependency / Temporal State Structural</a:t>
             </a:r>
           </a:p>
         </p:txBody>
@@ -7023,7 +7427,343 @@
 </p:sld>
 </file>
 
-<file path=ppt/slides/slide12.xml><?xml version="1.0" encoding="utf-8"?>
+<file path=ppt/slides/slide15.xml><?xml version="1.0" encoding="utf-8"?>
+<p:sld xmlns:a="http://schemas.openxmlformats.org/drawingml/2006/main" xmlns:r="http://schemas.openxmlformats.org/officeDocument/2006/relationships" xmlns:p="http://schemas.openxmlformats.org/presentationml/2006/main">
+  <p:cSld>
+    <p:spTree>
+      <p:nvGrpSpPr>
+        <p:cNvPr id="1" name="">
+          <a:extLst>
+            <a:ext uri="{FF2B5EF4-FFF2-40B4-BE49-F238E27FC236}">
+              <a16:creationId xmlns:a16="http://schemas.microsoft.com/office/drawing/2014/main" id="{04E1E110-5897-B54E-503F-584F52AB3B59}"/>
+            </a:ext>
+          </a:extLst>
+        </p:cNvPr>
+        <p:cNvGrpSpPr/>
+        <p:nvPr/>
+      </p:nvGrpSpPr>
+      <p:grpSpPr>
+        <a:xfrm>
+          <a:off x="0" y="0"/>
+          <a:ext cx="0" cy="0"/>
+          <a:chOff x="0" y="0"/>
+          <a:chExt cx="0" cy="0"/>
+        </a:xfrm>
+      </p:grpSpPr>
+      <p:sp>
+        <p:nvSpPr>
+          <p:cNvPr id="2" name="Title 1">
+            <a:extLst>
+              <a:ext uri="{FF2B5EF4-FFF2-40B4-BE49-F238E27FC236}">
+                <a16:creationId xmlns:a16="http://schemas.microsoft.com/office/drawing/2014/main" id="{65F918AB-300F-1F98-4AA5-F22B96819E34}"/>
+              </a:ext>
+            </a:extLst>
+          </p:cNvPr>
+          <p:cNvSpPr>
+            <a:spLocks noGrp="1"/>
+          </p:cNvSpPr>
+          <p:nvPr>
+            <p:ph type="title"/>
+          </p:nvPr>
+        </p:nvSpPr>
+        <p:spPr/>
+        <p:txBody>
+          <a:bodyPr/>
+          <a:lstStyle/>
+          <a:p>
+            <a:r>
+              <a:rPr lang="en-US" dirty="0"/>
+              <a:t>Non-Temporal</a:t>
+            </a:r>
+            <a:r>
+              <a:rPr dirty="0"/>
+              <a:t> </a:t>
+            </a:r>
+            <a:r>
+              <a:rPr lang="en-US" dirty="0"/>
+              <a:t>State </a:t>
+            </a:r>
+            <a:r>
+              <a:rPr dirty="0"/>
+              <a:t>Dependencies</a:t>
+            </a:r>
+          </a:p>
+        </p:txBody>
+      </p:sp>
+      <p:sp>
+        <p:nvSpPr>
+          <p:cNvPr id="3" name="Content Placeholder 2">
+            <a:extLst>
+              <a:ext uri="{FF2B5EF4-FFF2-40B4-BE49-F238E27FC236}">
+                <a16:creationId xmlns:a16="http://schemas.microsoft.com/office/drawing/2014/main" id="{74297070-D3CE-AEF7-74BE-4A44A85F7AEC}"/>
+              </a:ext>
+            </a:extLst>
+          </p:cNvPr>
+          <p:cNvSpPr>
+            <a:spLocks noGrp="1"/>
+          </p:cNvSpPr>
+          <p:nvPr>
+            <p:ph idx="1"/>
+          </p:nvPr>
+        </p:nvSpPr>
+        <p:spPr/>
+        <p:txBody>
+          <a:bodyPr>
+            <a:normAutofit fontScale="70000" lnSpcReduction="20000"/>
+          </a:bodyPr>
+          <a:lstStyle/>
+          <a:p>
+            <a:pPr marL="0" indent="0">
+              <a:buNone/>
+            </a:pPr>
+            <a:r>
+              <a:rPr lang="en-US" dirty="0"/>
+              <a:t>Some dependencies exist because an object </a:t>
+            </a:r>
+            <a:r>
+              <a:rPr lang="en-US" b="1" dirty="0"/>
+              <a:t>stores state</a:t>
+            </a:r>
+            <a:r>
+              <a:rPr lang="en-US" dirty="0"/>
+              <a:t>, not because it needs something temporarily during execution.</a:t>
+            </a:r>
+          </a:p>
+          <a:p>
+            <a:r>
+              <a:rPr lang="en-US" b="1" dirty="0"/>
+              <a:t>Represent persistent structure</a:t>
+            </a:r>
+            <a:br>
+              <a:rPr lang="en-US" b="1" dirty="0"/>
+            </a:br>
+            <a:r>
+              <a:rPr lang="en-US" dirty="0"/>
+              <a:t>These dependencies exist as </a:t>
+            </a:r>
+            <a:r>
+              <a:rPr lang="en-US" b="1" dirty="0"/>
+              <a:t>fields</a:t>
+            </a:r>
+            <a:r>
+              <a:rPr lang="en-US" dirty="0"/>
+              <a:t> and are part of the object’s long-term state.</a:t>
+            </a:r>
+          </a:p>
+          <a:p>
+            <a:r>
+              <a:rPr lang="en-US" b="1" dirty="0"/>
+              <a:t>Express object relationships</a:t>
+            </a:r>
+            <a:br>
+              <a:rPr lang="en-US" b="1" dirty="0"/>
+            </a:br>
+            <a:r>
+              <a:rPr lang="en-US" dirty="0"/>
+              <a:t>Association, aggregation, and composition describe </a:t>
+            </a:r>
+            <a:r>
+              <a:rPr lang="en-US" i="1" dirty="0"/>
+              <a:t>how objects are connected</a:t>
+            </a:r>
+            <a:r>
+              <a:rPr lang="en-US" dirty="0"/>
+              <a:t>, not how methods execute.</a:t>
+            </a:r>
+          </a:p>
+          <a:p>
+            <a:r>
+              <a:rPr lang="en-US" b="1" dirty="0"/>
+              <a:t>Survive across method calls</a:t>
+            </a:r>
+            <a:br>
+              <a:rPr lang="en-US" b="1" dirty="0"/>
+            </a:br>
+            <a:r>
+              <a:rPr lang="en-US" dirty="0"/>
+              <a:t>These relationships exist beyond a single operation or call stack.</a:t>
+            </a:r>
+          </a:p>
+          <a:p>
+            <a:r>
+              <a:rPr lang="en-US" b="1" dirty="0"/>
+              <a:t>Communicate design intent</a:t>
+            </a:r>
+            <a:br>
+              <a:rPr lang="en-US" b="1" dirty="0"/>
+            </a:br>
+            <a:r>
+              <a:rPr lang="en-US" dirty="0"/>
+              <a:t>UML structural arrows show ownership, replaceability, and lifecycle expectations.</a:t>
+            </a:r>
+          </a:p>
+          <a:p>
+            <a:r>
+              <a:rPr lang="en-US" b="1" dirty="0"/>
+              <a:t>Form the object graph</a:t>
+            </a:r>
+            <a:br>
+              <a:rPr lang="en-US" b="1" dirty="0"/>
+            </a:br>
+            <a:r>
+              <a:rPr lang="en-US" dirty="0"/>
+              <a:t>These dependencies define the system’s shape at runtime.</a:t>
+            </a:r>
+          </a:p>
+        </p:txBody>
+      </p:sp>
+    </p:spTree>
+    <p:extLst>
+      <p:ext uri="{BB962C8B-B14F-4D97-AF65-F5344CB8AC3E}">
+        <p14:creationId xmlns:p14="http://schemas.microsoft.com/office/powerpoint/2010/main" val="1330323667"/>
+      </p:ext>
+    </p:extLst>
+  </p:cSld>
+  <p:clrMapOvr>
+    <a:masterClrMapping/>
+  </p:clrMapOvr>
+</p:sld>
+</file>
+
+<file path=ppt/slides/slide16.xml><?xml version="1.0" encoding="utf-8"?>
+<p:sld xmlns:a="http://schemas.openxmlformats.org/drawingml/2006/main" xmlns:r="http://schemas.openxmlformats.org/officeDocument/2006/relationships" xmlns:p="http://schemas.openxmlformats.org/presentationml/2006/main">
+  <p:cSld>
+    <p:spTree>
+      <p:nvGrpSpPr>
+        <p:cNvPr id="1" name=""/>
+        <p:cNvGrpSpPr/>
+        <p:nvPr/>
+      </p:nvGrpSpPr>
+      <p:grpSpPr>
+        <a:xfrm>
+          <a:off x="0" y="0"/>
+          <a:ext cx="0" cy="0"/>
+          <a:chOff x="0" y="0"/>
+          <a:chExt cx="0" cy="0"/>
+        </a:xfrm>
+      </p:grpSpPr>
+      <p:sp>
+        <p:nvSpPr>
+          <p:cNvPr id="2" name="Title 1"/>
+          <p:cNvSpPr>
+            <a:spLocks noGrp="1"/>
+          </p:cNvSpPr>
+          <p:nvPr>
+            <p:ph type="title"/>
+          </p:nvPr>
+        </p:nvSpPr>
+        <p:spPr/>
+        <p:txBody>
+          <a:bodyPr/>
+          <a:lstStyle/>
+          <a:p>
+            <a:r>
+              <a:rPr dirty="0"/>
+              <a:t>What Dependencies Reveal</a:t>
+            </a:r>
+          </a:p>
+        </p:txBody>
+      </p:sp>
+      <p:sp>
+        <p:nvSpPr>
+          <p:cNvPr id="3" name="Content Placeholder 2"/>
+          <p:cNvSpPr>
+            <a:spLocks noGrp="1"/>
+          </p:cNvSpPr>
+          <p:nvPr>
+            <p:ph idx="1"/>
+          </p:nvPr>
+        </p:nvSpPr>
+        <p:spPr>
+          <a:xfrm>
+            <a:off x="1364931" y="2199504"/>
+            <a:ext cx="5048228" cy="2773212"/>
+          </a:xfrm>
+        </p:spPr>
+        <p:txBody>
+          <a:bodyPr>
+            <a:normAutofit fontScale="92500" lnSpcReduction="20000"/>
+          </a:bodyPr>
+          <a:lstStyle/>
+          <a:p>
+            <a:pPr marL="0" indent="0">
+              <a:buNone/>
+            </a:pPr>
+            <a:r>
+              <a:rPr lang="en-US" dirty="0"/>
+              <a:t>Dense or tangled structures are easier to spot in diagrams than in code. </a:t>
+            </a:r>
+          </a:p>
+          <a:p>
+            <a:pPr marL="0" indent="0">
+              <a:buNone/>
+            </a:pPr>
+            <a:r>
+              <a:rPr lang="en-US" dirty="0"/>
+              <a:t>This is often where students first notice over-coupling or god classes.</a:t>
+            </a:r>
+          </a:p>
+          <a:p>
+            <a:r>
+              <a:rPr dirty="0"/>
+              <a:t>Object lifetime relationships</a:t>
+            </a:r>
+          </a:p>
+          <a:p>
+            <a:pPr lvl="1"/>
+            <a:r>
+              <a:rPr dirty="0"/>
+              <a:t>Tight vs loose coupling</a:t>
+            </a:r>
+          </a:p>
+          <a:p>
+            <a:pPr lvl="1"/>
+            <a:r>
+              <a:rPr dirty="0"/>
+              <a:t>Potential design smells</a:t>
+            </a:r>
+          </a:p>
+        </p:txBody>
+      </p:sp>
+      <p:pic>
+        <p:nvPicPr>
+          <p:cNvPr id="4" name="Picture 3">
+            <a:extLst>
+              <a:ext uri="{FF2B5EF4-FFF2-40B4-BE49-F238E27FC236}">
+                <a16:creationId xmlns:a16="http://schemas.microsoft.com/office/drawing/2014/main" id="{A3A8C1F9-A317-C84A-FF63-72EB02CF37C3}"/>
+              </a:ext>
+            </a:extLst>
+          </p:cNvPr>
+          <p:cNvPicPr>
+            <a:picLocks noChangeAspect="1"/>
+          </p:cNvPicPr>
+          <p:nvPr/>
+        </p:nvPicPr>
+        <p:blipFill>
+          <a:blip r:embed="rId3"/>
+          <a:stretch>
+            <a:fillRect/>
+          </a:stretch>
+        </p:blipFill>
+        <p:spPr>
+          <a:xfrm>
+            <a:off x="6590973" y="2130124"/>
+            <a:ext cx="4646001" cy="3804519"/>
+          </a:xfrm>
+          <a:prstGeom prst="rect">
+            <a:avLst/>
+          </a:prstGeom>
+        </p:spPr>
+      </p:pic>
+    </p:spTree>
+  </p:cSld>
+  <p:clrMapOvr>
+    <a:masterClrMapping/>
+  </p:clrMapOvr>
+</p:sld>
+</file>
+
+<file path=ppt/slides/slide17.xml><?xml version="1.0" encoding="utf-8"?>
 <p:sld xmlns:a="http://schemas.openxmlformats.org/drawingml/2006/main" xmlns:r="http://schemas.openxmlformats.org/officeDocument/2006/relationships" xmlns:p="http://schemas.openxmlformats.org/presentationml/2006/main">
   <p:cSld>
     <p:spTree>
@@ -7069,7 +7809,7 @@
           <a:p>
             <a:r>
               <a:rPr lang="en-US" dirty="0"/>
-              <a:t>Association / Structural</a:t>
+              <a:t>Association / State-Level Structural</a:t>
             </a:r>
           </a:p>
         </p:txBody>
@@ -7116,7 +7856,7 @@
 </p:sld>
 </file>
 
-<file path=ppt/slides/slide13.xml><?xml version="1.0" encoding="utf-8"?>
+<file path=ppt/slides/slide18.xml><?xml version="1.0" encoding="utf-8"?>
 <p:sld xmlns:a="http://schemas.openxmlformats.org/drawingml/2006/main" xmlns:r="http://schemas.openxmlformats.org/officeDocument/2006/relationships" xmlns:p="http://schemas.openxmlformats.org/presentationml/2006/main">
   <p:cSld>
     <p:spTree>
@@ -7162,7 +7902,7 @@
           <a:p>
             <a:r>
               <a:rPr lang="en-US" dirty="0"/>
-              <a:t>Aggregation / Structural</a:t>
+              <a:t>Aggregation / State-Level Structural</a:t>
             </a:r>
           </a:p>
         </p:txBody>
@@ -7209,7 +7949,7 @@
 </p:sld>
 </file>
 
-<file path=ppt/slides/slide14.xml><?xml version="1.0" encoding="utf-8"?>
+<file path=ppt/slides/slide19.xml><?xml version="1.0" encoding="utf-8"?>
 <p:sld xmlns:a="http://schemas.openxmlformats.org/drawingml/2006/main" xmlns:r="http://schemas.openxmlformats.org/officeDocument/2006/relationships" xmlns:p="http://schemas.openxmlformats.org/presentationml/2006/main">
   <p:cSld>
     <p:spTree>
@@ -7255,7 +7995,7 @@
           <a:p>
             <a:r>
               <a:rPr lang="en-US" dirty="0"/>
-              <a:t>Composition / Structural</a:t>
+              <a:t>Composition / State-Level Structural</a:t>
             </a:r>
           </a:p>
         </p:txBody>
@@ -7302,523 +8042,6 @@
 </p:sld>
 </file>
 
-<file path=ppt/slides/slide15.xml><?xml version="1.0" encoding="utf-8"?>
-<p:sld xmlns:a="http://schemas.openxmlformats.org/drawingml/2006/main" xmlns:r="http://schemas.openxmlformats.org/officeDocument/2006/relationships" xmlns:p="http://schemas.openxmlformats.org/presentationml/2006/main">
-  <p:cSld>
-    <p:spTree>
-      <p:nvGrpSpPr>
-        <p:cNvPr id="1" name=""/>
-        <p:cNvGrpSpPr/>
-        <p:nvPr/>
-      </p:nvGrpSpPr>
-      <p:grpSpPr>
-        <a:xfrm>
-          <a:off x="0" y="0"/>
-          <a:ext cx="0" cy="0"/>
-          <a:chOff x="0" y="0"/>
-          <a:chExt cx="0" cy="0"/>
-        </a:xfrm>
-      </p:grpSpPr>
-      <p:sp>
-        <p:nvSpPr>
-          <p:cNvPr id="2" name="Title 1"/>
-          <p:cNvSpPr>
-            <a:spLocks noGrp="1"/>
-          </p:cNvSpPr>
-          <p:nvPr>
-            <p:ph type="title"/>
-          </p:nvPr>
-        </p:nvSpPr>
-        <p:spPr/>
-        <p:txBody>
-          <a:bodyPr/>
-          <a:lstStyle/>
-          <a:p>
-            <a:r>
-              <a:rPr dirty="0"/>
-              <a:t>Why Usage Dependencies Matter</a:t>
-            </a:r>
-          </a:p>
-        </p:txBody>
-      </p:sp>
-      <p:sp>
-        <p:nvSpPr>
-          <p:cNvPr id="3" name="Content Placeholder 2"/>
-          <p:cNvSpPr>
-            <a:spLocks noGrp="1"/>
-          </p:cNvSpPr>
-          <p:nvPr>
-            <p:ph idx="1"/>
-          </p:nvPr>
-        </p:nvSpPr>
-        <p:spPr/>
-        <p:txBody>
-          <a:bodyPr/>
-          <a:lstStyle/>
-          <a:p>
-            <a:r>
-              <a:rPr lang="en-US" dirty="0"/>
-              <a:t>While performing your design, consider this: “Does this class really need to own this dependency, or does it only need it temporarily?”</a:t>
-            </a:r>
-          </a:p>
-          <a:p>
-            <a:r>
-              <a:rPr dirty="0"/>
-              <a:t>Reduce unnecessary coupling</a:t>
-            </a:r>
-          </a:p>
-          <a:p>
-            <a:pPr lvl="1"/>
-            <a:r>
-              <a:rPr dirty="0"/>
-              <a:t>Clarify required collaborators</a:t>
-            </a:r>
-          </a:p>
-          <a:p>
-            <a:pPr lvl="1"/>
-            <a:r>
-              <a:rPr dirty="0"/>
-              <a:t>Support cleaner APIs</a:t>
-            </a:r>
-          </a:p>
-        </p:txBody>
-      </p:sp>
-    </p:spTree>
-  </p:cSld>
-  <p:clrMapOvr>
-    <a:masterClrMapping/>
-  </p:clrMapOvr>
-</p:sld>
-</file>
-
-<file path=ppt/slides/slide16.xml><?xml version="1.0" encoding="utf-8"?>
-<p:sld xmlns:a="http://schemas.openxmlformats.org/drawingml/2006/main" xmlns:r="http://schemas.openxmlformats.org/officeDocument/2006/relationships" xmlns:p="http://schemas.openxmlformats.org/presentationml/2006/main">
-  <p:cSld>
-    <p:spTree>
-      <p:nvGrpSpPr>
-        <p:cNvPr id="1" name=""/>
-        <p:cNvGrpSpPr/>
-        <p:nvPr/>
-      </p:nvGrpSpPr>
-      <p:grpSpPr>
-        <a:xfrm>
-          <a:off x="0" y="0"/>
-          <a:ext cx="0" cy="0"/>
-          <a:chOff x="0" y="0"/>
-          <a:chExt cx="0" cy="0"/>
-        </a:xfrm>
-      </p:grpSpPr>
-      <p:sp>
-        <p:nvSpPr>
-          <p:cNvPr id="2" name="Title 1"/>
-          <p:cNvSpPr>
-            <a:spLocks noGrp="1"/>
-          </p:cNvSpPr>
-          <p:nvPr>
-            <p:ph type="title"/>
-          </p:nvPr>
-        </p:nvSpPr>
-        <p:spPr/>
-        <p:txBody>
-          <a:bodyPr/>
-          <a:lstStyle/>
-          <a:p>
-            <a:r>
-              <a:rPr dirty="0"/>
-              <a:t>Interfaces vs Concrete Dependencies</a:t>
-            </a:r>
-          </a:p>
-        </p:txBody>
-      </p:sp>
-      <p:sp>
-        <p:nvSpPr>
-          <p:cNvPr id="3" name="Content Placeholder 2"/>
-          <p:cNvSpPr>
-            <a:spLocks noGrp="1"/>
-          </p:cNvSpPr>
-          <p:nvPr>
-            <p:ph idx="1"/>
-          </p:nvPr>
-        </p:nvSpPr>
-        <p:spPr/>
-        <p:txBody>
-          <a:bodyPr/>
-          <a:lstStyle/>
-          <a:p>
-            <a:pPr marL="0" indent="0">
-              <a:buNone/>
-            </a:pPr>
-            <a:r>
-              <a:rPr lang="en-US" dirty="0"/>
-              <a:t>Interfaces describe capability </a:t>
-            </a:r>
-            <a:r>
-              <a:rPr lang="en-US" i="1" dirty="0"/>
-              <a:t>without commitment</a:t>
-            </a:r>
-            <a:r>
-              <a:rPr lang="en-US" dirty="0"/>
-              <a:t>. </a:t>
-            </a:r>
-          </a:p>
-          <a:p>
-            <a:pPr marL="0" indent="0">
-              <a:buNone/>
-            </a:pPr>
-            <a:r>
-              <a:rPr lang="en-US" dirty="0"/>
-              <a:t>Diagrams make this distinction obvious and visible.</a:t>
-            </a:r>
-          </a:p>
-          <a:p>
-            <a:r>
-              <a:rPr dirty="0"/>
-              <a:t>Interfaces express contracts</a:t>
-            </a:r>
-          </a:p>
-          <a:p>
-            <a:pPr lvl="1"/>
-            <a:r>
-              <a:rPr dirty="0"/>
-              <a:t>Concrete classes express decisions</a:t>
-            </a:r>
-          </a:p>
-          <a:p>
-            <a:pPr lvl="1"/>
-            <a:r>
-              <a:rPr dirty="0"/>
-              <a:t>Prefer depending on abstractions</a:t>
-            </a:r>
-          </a:p>
-        </p:txBody>
-      </p:sp>
-    </p:spTree>
-  </p:cSld>
-  <p:clrMapOvr>
-    <a:masterClrMapping/>
-  </p:clrMapOvr>
-</p:sld>
-</file>
-
-<file path=ppt/slides/slide17.xml><?xml version="1.0" encoding="utf-8"?>
-<p:sld xmlns:a="http://schemas.openxmlformats.org/drawingml/2006/main" xmlns:r="http://schemas.openxmlformats.org/officeDocument/2006/relationships" xmlns:p="http://schemas.openxmlformats.org/presentationml/2006/main">
-  <p:cSld>
-    <p:spTree>
-      <p:nvGrpSpPr>
-        <p:cNvPr id="1" name="">
-          <a:extLst>
-            <a:ext uri="{FF2B5EF4-FFF2-40B4-BE49-F238E27FC236}">
-              <a16:creationId xmlns:a16="http://schemas.microsoft.com/office/drawing/2014/main" id="{6513E7AA-B9D1-AB8F-198E-EA01AF5C0F1D}"/>
-            </a:ext>
-          </a:extLst>
-        </p:cNvPr>
-        <p:cNvGrpSpPr/>
-        <p:nvPr/>
-      </p:nvGrpSpPr>
-      <p:grpSpPr>
-        <a:xfrm>
-          <a:off x="0" y="0"/>
-          <a:ext cx="0" cy="0"/>
-          <a:chOff x="0" y="0"/>
-          <a:chExt cx="0" cy="0"/>
-        </a:xfrm>
-      </p:grpSpPr>
-      <p:sp>
-        <p:nvSpPr>
-          <p:cNvPr id="2" name="Title 1">
-            <a:extLst>
-              <a:ext uri="{FF2B5EF4-FFF2-40B4-BE49-F238E27FC236}">
-                <a16:creationId xmlns:a16="http://schemas.microsoft.com/office/drawing/2014/main" id="{66EBDCB7-F2F1-8C4D-B372-D0FB620163A2}"/>
-              </a:ext>
-            </a:extLst>
-          </p:cNvPr>
-          <p:cNvSpPr>
-            <a:spLocks noGrp="1"/>
-          </p:cNvSpPr>
-          <p:nvPr>
-            <p:ph type="title"/>
-          </p:nvPr>
-        </p:nvSpPr>
-        <p:spPr/>
-        <p:txBody>
-          <a:bodyPr/>
-          <a:lstStyle/>
-          <a:p>
-            <a:r>
-              <a:rPr dirty="0"/>
-              <a:t>Interfaces vs Concrete Dependencies</a:t>
-            </a:r>
-          </a:p>
-        </p:txBody>
-      </p:sp>
-      <p:pic>
-        <p:nvPicPr>
-          <p:cNvPr id="7" name="Picture 6">
-            <a:extLst>
-              <a:ext uri="{FF2B5EF4-FFF2-40B4-BE49-F238E27FC236}">
-                <a16:creationId xmlns:a16="http://schemas.microsoft.com/office/drawing/2014/main" id="{A34E9862-DBF3-0864-0B3A-1FD617D36FEB}"/>
-              </a:ext>
-            </a:extLst>
-          </p:cNvPr>
-          <p:cNvPicPr>
-            <a:picLocks noChangeAspect="1"/>
-          </p:cNvPicPr>
-          <p:nvPr/>
-        </p:nvPicPr>
-        <p:blipFill>
-          <a:blip r:embed="rId3"/>
-          <a:stretch>
-            <a:fillRect/>
-          </a:stretch>
-        </p:blipFill>
-        <p:spPr>
-          <a:xfrm>
-            <a:off x="1279301" y="1885285"/>
-            <a:ext cx="9633398" cy="3188813"/>
-          </a:xfrm>
-          <a:prstGeom prst="rect">
-            <a:avLst/>
-          </a:prstGeom>
-        </p:spPr>
-      </p:pic>
-    </p:spTree>
-    <p:extLst>
-      <p:ext uri="{BB962C8B-B14F-4D97-AF65-F5344CB8AC3E}">
-        <p14:creationId xmlns:p14="http://schemas.microsoft.com/office/powerpoint/2010/main" val="3879621403"/>
-      </p:ext>
-    </p:extLst>
-  </p:cSld>
-  <p:clrMapOvr>
-    <a:masterClrMapping/>
-  </p:clrMapOvr>
-</p:sld>
-</file>
-
-<file path=ppt/slides/slide18.xml><?xml version="1.0" encoding="utf-8"?>
-<p:sld xmlns:a="http://schemas.openxmlformats.org/drawingml/2006/main" xmlns:r="http://schemas.openxmlformats.org/officeDocument/2006/relationships" xmlns:p="http://schemas.openxmlformats.org/presentationml/2006/main">
-  <p:cSld>
-    <p:spTree>
-      <p:nvGrpSpPr>
-        <p:cNvPr id="1" name=""/>
-        <p:cNvGrpSpPr/>
-        <p:nvPr/>
-      </p:nvGrpSpPr>
-      <p:grpSpPr>
-        <a:xfrm>
-          <a:off x="0" y="0"/>
-          <a:ext cx="0" cy="0"/>
-          <a:chOff x="0" y="0"/>
-          <a:chExt cx="0" cy="0"/>
-        </a:xfrm>
-      </p:grpSpPr>
-      <p:sp>
-        <p:nvSpPr>
-          <p:cNvPr id="2" name="Title 1"/>
-          <p:cNvSpPr>
-            <a:spLocks noGrp="1"/>
-          </p:cNvSpPr>
-          <p:nvPr>
-            <p:ph type="title"/>
-          </p:nvPr>
-        </p:nvSpPr>
-        <p:spPr/>
-        <p:txBody>
-          <a:bodyPr/>
-          <a:lstStyle/>
-          <a:p>
-            <a:r>
-              <a:rPr dirty="0"/>
-              <a:t>Seeing Abstractions Visually</a:t>
-            </a:r>
-          </a:p>
-        </p:txBody>
-      </p:sp>
-      <p:sp>
-        <p:nvSpPr>
-          <p:cNvPr id="3" name="Content Placeholder 2"/>
-          <p:cNvSpPr>
-            <a:spLocks noGrp="1"/>
-          </p:cNvSpPr>
-          <p:nvPr>
-            <p:ph idx="1"/>
-          </p:nvPr>
-        </p:nvSpPr>
-        <p:spPr>
-          <a:xfrm>
-            <a:off x="2773599" y="2052116"/>
-            <a:ext cx="7796540" cy="2920600"/>
-          </a:xfrm>
-        </p:spPr>
-        <p:txBody>
-          <a:bodyPr>
-            <a:normAutofit/>
-          </a:bodyPr>
-          <a:lstStyle/>
-          <a:p>
-            <a:pPr marL="0" indent="0">
-              <a:buNone/>
-            </a:pPr>
-            <a:r>
-              <a:rPr lang="en-US" dirty="0"/>
-              <a:t>Patterns like Strategy and Observer become much clearer when interfaces are visible and not hidden behind concrete implementations.</a:t>
-            </a:r>
-          </a:p>
-          <a:p>
-            <a:r>
-              <a:rPr dirty="0"/>
-              <a:t>Interfaces as first-class elements</a:t>
-            </a:r>
-          </a:p>
-          <a:p>
-            <a:pPr lvl="1"/>
-            <a:r>
-              <a:rPr dirty="0"/>
-              <a:t>Multiple realizations</a:t>
-            </a:r>
-          </a:p>
-          <a:p>
-            <a:pPr lvl="1"/>
-            <a:r>
-              <a:rPr dirty="0"/>
-              <a:t>Pluggable behavior</a:t>
-            </a:r>
-          </a:p>
-        </p:txBody>
-      </p:sp>
-      <p:pic>
-        <p:nvPicPr>
-          <p:cNvPr id="4" name="Picture 3">
-            <a:extLst>
-              <a:ext uri="{FF2B5EF4-FFF2-40B4-BE49-F238E27FC236}">
-                <a16:creationId xmlns:a16="http://schemas.microsoft.com/office/drawing/2014/main" id="{08CA1C65-2F08-000B-DE99-E765553AAEF9}"/>
-              </a:ext>
-            </a:extLst>
-          </p:cNvPr>
-          <p:cNvPicPr>
-            <a:picLocks noChangeAspect="1"/>
-          </p:cNvPicPr>
-          <p:nvPr/>
-        </p:nvPicPr>
-        <p:blipFill>
-          <a:blip r:embed="rId3"/>
-          <a:stretch>
-            <a:fillRect/>
-          </a:stretch>
-        </p:blipFill>
-        <p:spPr>
-          <a:xfrm>
-            <a:off x="6096000" y="4355024"/>
-            <a:ext cx="5782639" cy="1914148"/>
-          </a:xfrm>
-          <a:prstGeom prst="rect">
-            <a:avLst/>
-          </a:prstGeom>
-        </p:spPr>
-      </p:pic>
-    </p:spTree>
-  </p:cSld>
-  <p:clrMapOvr>
-    <a:masterClrMapping/>
-  </p:clrMapOvr>
-</p:sld>
-</file>
-
-<file path=ppt/slides/slide19.xml><?xml version="1.0" encoding="utf-8"?>
-<p:sld xmlns:a="http://schemas.openxmlformats.org/drawingml/2006/main" xmlns:r="http://schemas.openxmlformats.org/officeDocument/2006/relationships" xmlns:p="http://schemas.openxmlformats.org/presentationml/2006/main">
-  <p:cSld>
-    <p:spTree>
-      <p:nvGrpSpPr>
-        <p:cNvPr id="1" name=""/>
-        <p:cNvGrpSpPr/>
-        <p:nvPr/>
-      </p:nvGrpSpPr>
-      <p:grpSpPr>
-        <a:xfrm>
-          <a:off x="0" y="0"/>
-          <a:ext cx="0" cy="0"/>
-          <a:chOff x="0" y="0"/>
-          <a:chExt cx="0" cy="0"/>
-        </a:xfrm>
-      </p:grpSpPr>
-      <p:sp>
-        <p:nvSpPr>
-          <p:cNvPr id="2" name="Title 1"/>
-          <p:cNvSpPr>
-            <a:spLocks noGrp="1"/>
-          </p:cNvSpPr>
-          <p:nvPr>
-            <p:ph type="title"/>
-          </p:nvPr>
-        </p:nvSpPr>
-        <p:spPr/>
-        <p:txBody>
-          <a:bodyPr/>
-          <a:lstStyle/>
-          <a:p>
-            <a:r>
-              <a:rPr dirty="0"/>
-              <a:t>Focused Design Discussions</a:t>
-            </a:r>
-          </a:p>
-        </p:txBody>
-      </p:sp>
-      <p:sp>
-        <p:nvSpPr>
-          <p:cNvPr id="3" name="Content Placeholder 2"/>
-          <p:cNvSpPr>
-            <a:spLocks noGrp="1"/>
-          </p:cNvSpPr>
-          <p:nvPr>
-            <p:ph idx="1"/>
-          </p:nvPr>
-        </p:nvSpPr>
-        <p:spPr/>
-        <p:txBody>
-          <a:bodyPr/>
-          <a:lstStyle/>
-          <a:p>
-            <a:pPr marL="0" indent="0">
-              <a:buNone/>
-            </a:pPr>
-            <a:r>
-              <a:rPr lang="en-US" b="1" dirty="0"/>
-              <a:t>Good diagrams are selective!</a:t>
-            </a:r>
-            <a:r>
-              <a:rPr lang="en-US" dirty="0"/>
-              <a:t> Diagram what matters for the decision you are considering, not everything that exists.</a:t>
-            </a:r>
-          </a:p>
-          <a:p>
-            <a:r>
-              <a:rPr dirty="0"/>
-              <a:t>Limit diagrams to key classes</a:t>
-            </a:r>
-          </a:p>
-          <a:p>
-            <a:pPr lvl="1"/>
-            <a:r>
-              <a:rPr dirty="0"/>
-              <a:t>Avoid giant system diagrams</a:t>
-            </a:r>
-          </a:p>
-          <a:p>
-            <a:pPr lvl="1"/>
-            <a:r>
-              <a:rPr dirty="0"/>
-              <a:t>Design is contextual</a:t>
-            </a:r>
-          </a:p>
-        </p:txBody>
-      </p:sp>
-    </p:spTree>
-  </p:cSld>
-  <p:clrMapOvr>
-    <a:masterClrMapping/>
-  </p:clrMapOvr>
-</p:sld>
-</file>
-
 <file path=ppt/slides/slide2.xml><?xml version="1.0" encoding="utf-8"?>
 <p:sld xmlns:a="http://schemas.openxmlformats.org/drawingml/2006/main" xmlns:r="http://schemas.openxmlformats.org/officeDocument/2006/relationships" xmlns:p="http://schemas.openxmlformats.org/presentationml/2006/main">
   <p:cSld>
@@ -8297,7 +8520,15 @@
           <a:p>
             <a:r>
               <a:rPr dirty="0"/>
-              <a:t>Why Diagrams Beat Code for Discussion</a:t>
+              <a:t>Why </a:t>
+            </a:r>
+            <a:r>
+              <a:rPr lang="en-US" dirty="0"/>
+              <a:t>State-Level</a:t>
+            </a:r>
+            <a:r>
+              <a:rPr dirty="0"/>
+              <a:t> Dependencies Matter</a:t>
             </a:r>
           </a:p>
         </p:txBody>
@@ -8317,41 +8548,29 @@
           <a:bodyPr/>
           <a:lstStyle/>
           <a:p>
-            <a:pPr marL="0" indent="0">
-              <a:buNone/>
-            </a:pPr>
-            <a:r>
-              <a:rPr lang="en-US" b="1" dirty="0"/>
-              <a:t>Reading code is serial and slow. </a:t>
-            </a:r>
-          </a:p>
-          <a:p>
-            <a:pPr marL="0" indent="0">
-              <a:buNone/>
-            </a:pPr>
             <a:r>
               <a:rPr lang="en-US" dirty="0"/>
-              <a:t>Diagrams allow parallel understanding and quicker agreement or disagreement during reviews.</a:t>
+              <a:t>While performing your design, consider this: “Does this class really need to own this dependency, or does it only need it temporarily?”</a:t>
             </a:r>
           </a:p>
           <a:p>
             <a:r>
               <a:rPr dirty="0"/>
-              <a:t>Easier to reason about structure</a:t>
+              <a:t>Reduce unnecessary coupling</a:t>
             </a:r>
           </a:p>
           <a:p>
             <a:pPr lvl="1"/>
             <a:r>
               <a:rPr dirty="0"/>
-              <a:t>Less cognitive load</a:t>
+              <a:t>Clarify required collaborators</a:t>
             </a:r>
           </a:p>
           <a:p>
             <a:pPr lvl="1"/>
             <a:r>
               <a:rPr dirty="0"/>
-              <a:t>Supports group conversation</a:t>
+              <a:t>Support cleaner APIs</a:t>
             </a:r>
           </a:p>
         </p:txBody>
@@ -8398,7 +8617,7 @@
           <a:p>
             <a:r>
               <a:rPr dirty="0"/>
-              <a:t>Pull Requests &amp; Design Defense</a:t>
+              <a:t>Seeing Abstractions Visually</a:t>
             </a:r>
           </a:p>
         </p:txBody>
@@ -8413,9 +8632,16 @@
             <p:ph idx="1"/>
           </p:nvPr>
         </p:nvSpPr>
-        <p:spPr/>
-        <p:txBody>
-          <a:bodyPr/>
+        <p:spPr>
+          <a:xfrm>
+            <a:off x="2773599" y="2052116"/>
+            <a:ext cx="7796540" cy="2920600"/>
+          </a:xfrm>
+        </p:spPr>
+        <p:txBody>
+          <a:bodyPr>
+            <a:normAutofit/>
+          </a:bodyPr>
           <a:lstStyle/>
           <a:p>
             <a:pPr marL="0" indent="0">
@@ -8423,39 +8649,61 @@
             </a:pPr>
             <a:r>
               <a:rPr lang="en-US" dirty="0"/>
-              <a:t>Consider using diagrams in pull requests (PR: code you are submitting to your teammates, technical lead, open source project, etc.) for inclusion in a project or design reviews to explain </a:t>
-            </a:r>
-            <a:r>
-              <a:rPr lang="en-US" i="1" dirty="0"/>
-              <a:t>why</a:t>
-            </a:r>
-            <a:r>
-              <a:rPr lang="en-US" dirty="0"/>
-              <a:t> something is built a certain way instead of arguing line-by-line in code.</a:t>
+              <a:t>Patterns like Strategy and Observer become much clearer when interfaces are visible and not hidden behind concrete implementations.</a:t>
             </a:r>
           </a:p>
           <a:p>
             <a:r>
               <a:rPr dirty="0"/>
-              <a:t>Explain intent visually</a:t>
+              <a:t>Interfaces as first-class elements</a:t>
             </a:r>
           </a:p>
           <a:p>
             <a:pPr lvl="1"/>
             <a:r>
               <a:rPr dirty="0"/>
-              <a:t>Justify abstractions</a:t>
+              <a:t>Multiple realizations</a:t>
             </a:r>
           </a:p>
           <a:p>
             <a:pPr lvl="1"/>
             <a:r>
               <a:rPr dirty="0"/>
-              <a:t>Highlight dependency choices</a:t>
-            </a:r>
-          </a:p>
-        </p:txBody>
-      </p:sp>
+              <a:t>Pluggable behavior</a:t>
+            </a:r>
+          </a:p>
+        </p:txBody>
+      </p:sp>
+      <p:pic>
+        <p:nvPicPr>
+          <p:cNvPr id="4" name="Picture 3">
+            <a:extLst>
+              <a:ext uri="{FF2B5EF4-FFF2-40B4-BE49-F238E27FC236}">
+                <a16:creationId xmlns:a16="http://schemas.microsoft.com/office/drawing/2014/main" id="{08CA1C65-2F08-000B-DE99-E765553AAEF9}"/>
+              </a:ext>
+            </a:extLst>
+          </p:cNvPr>
+          <p:cNvPicPr>
+            <a:picLocks noChangeAspect="1"/>
+          </p:cNvPicPr>
+          <p:nvPr/>
+        </p:nvPicPr>
+        <p:blipFill>
+          <a:blip r:embed="rId3"/>
+          <a:stretch>
+            <a:fillRect/>
+          </a:stretch>
+        </p:blipFill>
+        <p:spPr>
+          <a:xfrm>
+            <a:off x="6096000" y="4355024"/>
+            <a:ext cx="5782639" cy="1914148"/>
+          </a:xfrm>
+          <a:prstGeom prst="rect">
+            <a:avLst/>
+          </a:prstGeom>
+        </p:spPr>
+      </p:pic>
     </p:spTree>
   </p:cSld>
   <p:clrMapOvr>
@@ -8498,7 +8746,7 @@
           <a:p>
             <a:r>
               <a:rPr dirty="0"/>
-              <a:t>Responsibility Boundaries</a:t>
+              <a:t>Focused Design Discussions</a:t>
             </a:r>
           </a:p>
         </p:txBody>
@@ -8522,46 +8770,32 @@
               <a:buNone/>
             </a:pPr>
             <a:r>
+              <a:rPr lang="en-US" b="1" dirty="0"/>
+              <a:t>Good diagrams are selective!</a:t>
+            </a:r>
+            <a:r>
               <a:rPr lang="en-US" dirty="0"/>
-              <a:t>Each class box invites questions. </a:t>
-            </a:r>
-          </a:p>
-          <a:p>
-            <a:pPr marL="0" indent="0">
-              <a:buNone/>
-            </a:pPr>
-            <a:r>
-              <a:rPr lang="en-US" dirty="0"/>
-              <a:t>Too many relationships often indicate too many responsibilities.</a:t>
-            </a:r>
-          </a:p>
-          <a:p>
-            <a:pPr marL="0" indent="0">
-              <a:buNone/>
-            </a:pPr>
-            <a:r>
-              <a:rPr lang="en-US" dirty="0"/>
-              <a:t>Try to keep each class limited to a Single Responsibility. Diagrams help spot responsibility problems that might be less visible when reading code.</a:t>
+              <a:t> Diagram what matters for the decision you are considering, not everything that exists.</a:t>
             </a:r>
           </a:p>
           <a:p>
             <a:r>
               <a:rPr dirty="0"/>
-              <a:t>Who does what?</a:t>
+              <a:t>Limit diagrams to key classes</a:t>
             </a:r>
           </a:p>
           <a:p>
             <a:pPr lvl="1"/>
             <a:r>
               <a:rPr dirty="0"/>
-              <a:t>Who knows about whom?</a:t>
+              <a:t>Avoid giant system diagrams</a:t>
             </a:r>
           </a:p>
           <a:p>
             <a:pPr lvl="1"/>
             <a:r>
               <a:rPr dirty="0"/>
-              <a:t>When to split classes</a:t>
+              <a:t>Design is contextual</a:t>
             </a:r>
           </a:p>
         </p:txBody>
@@ -8575,6 +8809,325 @@
 </file>
 
 <file path=ppt/slides/slide23.xml><?xml version="1.0" encoding="utf-8"?>
+<p:sld xmlns:a="http://schemas.openxmlformats.org/drawingml/2006/main" xmlns:r="http://schemas.openxmlformats.org/officeDocument/2006/relationships" xmlns:p="http://schemas.openxmlformats.org/presentationml/2006/main">
+  <p:cSld>
+    <p:spTree>
+      <p:nvGrpSpPr>
+        <p:cNvPr id="1" name=""/>
+        <p:cNvGrpSpPr/>
+        <p:nvPr/>
+      </p:nvGrpSpPr>
+      <p:grpSpPr>
+        <a:xfrm>
+          <a:off x="0" y="0"/>
+          <a:ext cx="0" cy="0"/>
+          <a:chOff x="0" y="0"/>
+          <a:chExt cx="0" cy="0"/>
+        </a:xfrm>
+      </p:grpSpPr>
+      <p:sp>
+        <p:nvSpPr>
+          <p:cNvPr id="2" name="Title 1"/>
+          <p:cNvSpPr>
+            <a:spLocks noGrp="1"/>
+          </p:cNvSpPr>
+          <p:nvPr>
+            <p:ph type="title"/>
+          </p:nvPr>
+        </p:nvSpPr>
+        <p:spPr/>
+        <p:txBody>
+          <a:bodyPr/>
+          <a:lstStyle/>
+          <a:p>
+            <a:r>
+              <a:rPr dirty="0"/>
+              <a:t>Why Diagrams Beat Code </a:t>
+            </a:r>
+            <a:br>
+              <a:rPr lang="en-US" dirty="0"/>
+            </a:br>
+            <a:r>
+              <a:rPr lang="en-US" dirty="0"/>
+              <a:t>to Promote Discussion</a:t>
+            </a:r>
+            <a:endParaRPr dirty="0"/>
+          </a:p>
+        </p:txBody>
+      </p:sp>
+      <p:sp>
+        <p:nvSpPr>
+          <p:cNvPr id="3" name="Content Placeholder 2"/>
+          <p:cNvSpPr>
+            <a:spLocks noGrp="1"/>
+          </p:cNvSpPr>
+          <p:nvPr>
+            <p:ph idx="1"/>
+          </p:nvPr>
+        </p:nvSpPr>
+        <p:spPr/>
+        <p:txBody>
+          <a:bodyPr/>
+          <a:lstStyle/>
+          <a:p>
+            <a:pPr marL="0" indent="0">
+              <a:buNone/>
+            </a:pPr>
+            <a:r>
+              <a:rPr lang="en-US" b="1" dirty="0"/>
+              <a:t>Reading code is serial and slow. </a:t>
+            </a:r>
+          </a:p>
+          <a:p>
+            <a:pPr marL="0" indent="0">
+              <a:buNone/>
+            </a:pPr>
+            <a:r>
+              <a:rPr lang="en-US" dirty="0"/>
+              <a:t>Diagrams allow parallel understanding and quicker agreement or disagreement during reviews.</a:t>
+            </a:r>
+          </a:p>
+          <a:p>
+            <a:r>
+              <a:rPr dirty="0"/>
+              <a:t>Easier to reason about structure</a:t>
+            </a:r>
+          </a:p>
+          <a:p>
+            <a:pPr lvl="1"/>
+            <a:r>
+              <a:rPr dirty="0"/>
+              <a:t>Less cognitive load</a:t>
+            </a:r>
+          </a:p>
+          <a:p>
+            <a:pPr lvl="1"/>
+            <a:r>
+              <a:rPr dirty="0"/>
+              <a:t>Supports group conversation</a:t>
+            </a:r>
+          </a:p>
+        </p:txBody>
+      </p:sp>
+    </p:spTree>
+  </p:cSld>
+  <p:clrMapOvr>
+    <a:masterClrMapping/>
+  </p:clrMapOvr>
+</p:sld>
+</file>
+
+<file path=ppt/slides/slide24.xml><?xml version="1.0" encoding="utf-8"?>
+<p:sld xmlns:a="http://schemas.openxmlformats.org/drawingml/2006/main" xmlns:r="http://schemas.openxmlformats.org/officeDocument/2006/relationships" xmlns:p="http://schemas.openxmlformats.org/presentationml/2006/main">
+  <p:cSld>
+    <p:spTree>
+      <p:nvGrpSpPr>
+        <p:cNvPr id="1" name=""/>
+        <p:cNvGrpSpPr/>
+        <p:nvPr/>
+      </p:nvGrpSpPr>
+      <p:grpSpPr>
+        <a:xfrm>
+          <a:off x="0" y="0"/>
+          <a:ext cx="0" cy="0"/>
+          <a:chOff x="0" y="0"/>
+          <a:chExt cx="0" cy="0"/>
+        </a:xfrm>
+      </p:grpSpPr>
+      <p:sp>
+        <p:nvSpPr>
+          <p:cNvPr id="2" name="Title 1"/>
+          <p:cNvSpPr>
+            <a:spLocks noGrp="1"/>
+          </p:cNvSpPr>
+          <p:nvPr>
+            <p:ph type="title"/>
+          </p:nvPr>
+        </p:nvSpPr>
+        <p:spPr/>
+        <p:txBody>
+          <a:bodyPr/>
+          <a:lstStyle/>
+          <a:p>
+            <a:r>
+              <a:rPr dirty="0"/>
+              <a:t>Pull Requests &amp; Design Defense</a:t>
+            </a:r>
+          </a:p>
+        </p:txBody>
+      </p:sp>
+      <p:sp>
+        <p:nvSpPr>
+          <p:cNvPr id="3" name="Content Placeholder 2"/>
+          <p:cNvSpPr>
+            <a:spLocks noGrp="1"/>
+          </p:cNvSpPr>
+          <p:nvPr>
+            <p:ph idx="1"/>
+          </p:nvPr>
+        </p:nvSpPr>
+        <p:spPr/>
+        <p:txBody>
+          <a:bodyPr/>
+          <a:lstStyle/>
+          <a:p>
+            <a:pPr marL="0" indent="0">
+              <a:buNone/>
+            </a:pPr>
+            <a:r>
+              <a:rPr lang="en-US" dirty="0"/>
+              <a:t>Consider using diagrams in pull requests (PR: code you are submitting to your teammates, technical lead, open source project, etc.) for inclusion in a project or design reviews to explain </a:t>
+            </a:r>
+            <a:r>
+              <a:rPr lang="en-US" i="1" dirty="0"/>
+              <a:t>why</a:t>
+            </a:r>
+            <a:r>
+              <a:rPr lang="en-US" dirty="0"/>
+              <a:t> something is built a certain way instead of arguing line-by-line in code.</a:t>
+            </a:r>
+          </a:p>
+          <a:p>
+            <a:r>
+              <a:rPr dirty="0"/>
+              <a:t>Explain intent visually</a:t>
+            </a:r>
+          </a:p>
+          <a:p>
+            <a:pPr lvl="1"/>
+            <a:r>
+              <a:rPr dirty="0"/>
+              <a:t>Justify abstractions</a:t>
+            </a:r>
+          </a:p>
+          <a:p>
+            <a:pPr lvl="1"/>
+            <a:r>
+              <a:rPr dirty="0"/>
+              <a:t>Highlight dependency choices</a:t>
+            </a:r>
+          </a:p>
+        </p:txBody>
+      </p:sp>
+    </p:spTree>
+  </p:cSld>
+  <p:clrMapOvr>
+    <a:masterClrMapping/>
+  </p:clrMapOvr>
+</p:sld>
+</file>
+
+<file path=ppt/slides/slide25.xml><?xml version="1.0" encoding="utf-8"?>
+<p:sld xmlns:a="http://schemas.openxmlformats.org/drawingml/2006/main" xmlns:r="http://schemas.openxmlformats.org/officeDocument/2006/relationships" xmlns:p="http://schemas.openxmlformats.org/presentationml/2006/main">
+  <p:cSld>
+    <p:spTree>
+      <p:nvGrpSpPr>
+        <p:cNvPr id="1" name=""/>
+        <p:cNvGrpSpPr/>
+        <p:nvPr/>
+      </p:nvGrpSpPr>
+      <p:grpSpPr>
+        <a:xfrm>
+          <a:off x="0" y="0"/>
+          <a:ext cx="0" cy="0"/>
+          <a:chOff x="0" y="0"/>
+          <a:chExt cx="0" cy="0"/>
+        </a:xfrm>
+      </p:grpSpPr>
+      <p:sp>
+        <p:nvSpPr>
+          <p:cNvPr id="2" name="Title 1"/>
+          <p:cNvSpPr>
+            <a:spLocks noGrp="1"/>
+          </p:cNvSpPr>
+          <p:nvPr>
+            <p:ph type="title"/>
+          </p:nvPr>
+        </p:nvSpPr>
+        <p:spPr/>
+        <p:txBody>
+          <a:bodyPr/>
+          <a:lstStyle/>
+          <a:p>
+            <a:r>
+              <a:rPr dirty="0"/>
+              <a:t>Responsibility Boundaries</a:t>
+            </a:r>
+          </a:p>
+        </p:txBody>
+      </p:sp>
+      <p:sp>
+        <p:nvSpPr>
+          <p:cNvPr id="3" name="Content Placeholder 2"/>
+          <p:cNvSpPr>
+            <a:spLocks noGrp="1"/>
+          </p:cNvSpPr>
+          <p:nvPr>
+            <p:ph idx="1"/>
+          </p:nvPr>
+        </p:nvSpPr>
+        <p:spPr/>
+        <p:txBody>
+          <a:bodyPr/>
+          <a:lstStyle/>
+          <a:p>
+            <a:pPr marL="0" indent="0">
+              <a:buNone/>
+            </a:pPr>
+            <a:r>
+              <a:rPr lang="en-US" dirty="0"/>
+              <a:t>Each class box invites questions. </a:t>
+            </a:r>
+          </a:p>
+          <a:p>
+            <a:pPr marL="0" indent="0">
+              <a:buNone/>
+            </a:pPr>
+            <a:r>
+              <a:rPr lang="en-US" dirty="0"/>
+              <a:t>Too many relationships often indicate too many responsibilities.</a:t>
+            </a:r>
+          </a:p>
+          <a:p>
+            <a:pPr marL="0" indent="0">
+              <a:buNone/>
+            </a:pPr>
+            <a:r>
+              <a:rPr lang="en-US" dirty="0"/>
+              <a:t>Try to keep each class limited to a Single Responsibility. Diagrams help spot responsibility problems that might be less visible when reading code.</a:t>
+            </a:r>
+          </a:p>
+          <a:p>
+            <a:r>
+              <a:rPr dirty="0"/>
+              <a:t>Who does what?</a:t>
+            </a:r>
+          </a:p>
+          <a:p>
+            <a:pPr lvl="1"/>
+            <a:r>
+              <a:rPr dirty="0"/>
+              <a:t>Who knows about whom?</a:t>
+            </a:r>
+          </a:p>
+          <a:p>
+            <a:pPr lvl="1"/>
+            <a:r>
+              <a:rPr dirty="0"/>
+              <a:t>When to split classes</a:t>
+            </a:r>
+          </a:p>
+        </p:txBody>
+      </p:sp>
+    </p:spTree>
+  </p:cSld>
+  <p:clrMapOvr>
+    <a:masterClrMapping/>
+  </p:clrMapOvr>
+</p:sld>
+</file>
+
+<file path=ppt/slides/slide26.xml><?xml version="1.0" encoding="utf-8"?>
 <p:sld xmlns:a="http://schemas.openxmlformats.org/drawingml/2006/main" xmlns:r="http://schemas.openxmlformats.org/officeDocument/2006/relationships" xmlns:p="http://schemas.openxmlformats.org/presentationml/2006/main">
   <p:cSld>
     <p:spTree>
@@ -8668,7 +9221,7 @@
 </p:sld>
 </file>
 
-<file path=ppt/slides/slide24.xml><?xml version="1.0" encoding="utf-8"?>
+<file path=ppt/slides/slide27.xml><?xml version="1.0" encoding="utf-8"?>
 <p:sld xmlns:a="http://schemas.openxmlformats.org/drawingml/2006/main" xmlns:r="http://schemas.openxmlformats.org/officeDocument/2006/relationships" xmlns:p="http://schemas.openxmlformats.org/presentationml/2006/main">
   <p:cSld>
     <p:spTree>
@@ -8792,7 +9345,7 @@
 </p:sld>
 </file>
 
-<file path=ppt/slides/slide25.xml><?xml version="1.0" encoding="utf-8"?>
+<file path=ppt/slides/slide28.xml><?xml version="1.0" encoding="utf-8"?>
 <p:sld xmlns:a="http://schemas.openxmlformats.org/drawingml/2006/main" xmlns:r="http://schemas.openxmlformats.org/officeDocument/2006/relationships" xmlns:p="http://schemas.openxmlformats.org/presentationml/2006/main">
   <p:cSld>
     <p:spTree>
@@ -8881,7 +9434,7 @@
 </p:sld>
 </file>
 
-<file path=ppt/slides/slide26.xml><?xml version="1.0" encoding="utf-8"?>
+<file path=ppt/slides/slide29.xml><?xml version="1.0" encoding="utf-8"?>
 <p:sld xmlns:a="http://schemas.openxmlformats.org/drawingml/2006/main" xmlns:r="http://schemas.openxmlformats.org/officeDocument/2006/relationships" xmlns:p="http://schemas.openxmlformats.org/presentationml/2006/main">
   <p:cSld>
     <p:spTree>
@@ -8986,7 +9539,7 @@
 </p:sld>
 </file>
 
-<file path=ppt/slides/slide27.xml><?xml version="1.0" encoding="utf-8"?>
+<file path=ppt/slides/slide3.xml><?xml version="1.0" encoding="utf-8"?>
 <p:sld xmlns:a="http://schemas.openxmlformats.org/drawingml/2006/main" xmlns:r="http://schemas.openxmlformats.org/officeDocument/2006/relationships" xmlns:p="http://schemas.openxmlformats.org/presentationml/2006/main">
   <p:cSld>
     <p:spTree>
@@ -9005,6 +9558,135 @@
       </p:grpSpPr>
       <p:sp>
         <p:nvSpPr>
+          <p:cNvPr id="2" name="Title 1">
+            <a:extLst>
+              <a:ext uri="{FF2B5EF4-FFF2-40B4-BE49-F238E27FC236}">
+                <a16:creationId xmlns:a16="http://schemas.microsoft.com/office/drawing/2014/main" id="{863445EC-5B27-6C3B-E728-DF9CB64984A0}"/>
+              </a:ext>
+            </a:extLst>
+          </p:cNvPr>
+          <p:cNvSpPr>
+            <a:spLocks noGrp="1"/>
+          </p:cNvSpPr>
+          <p:nvPr>
+            <p:ph type="title"/>
+          </p:nvPr>
+        </p:nvSpPr>
+        <p:spPr/>
+        <p:txBody>
+          <a:bodyPr/>
+          <a:lstStyle/>
+          <a:p>
+            <a:r>
+              <a:rPr lang="en-US" dirty="0"/>
+              <a:t>Lecture Material</a:t>
+            </a:r>
+          </a:p>
+        </p:txBody>
+      </p:sp>
+      <p:sp>
+        <p:nvSpPr>
+          <p:cNvPr id="3" name="Content Placeholder 2">
+            <a:extLst>
+              <a:ext uri="{FF2B5EF4-FFF2-40B4-BE49-F238E27FC236}">
+                <a16:creationId xmlns:a16="http://schemas.microsoft.com/office/drawing/2014/main" id="{50003F46-698E-4FE1-8397-67C3B676A5AA}"/>
+              </a:ext>
+            </a:extLst>
+          </p:cNvPr>
+          <p:cNvSpPr>
+            <a:spLocks noGrp="1"/>
+          </p:cNvSpPr>
+          <p:nvPr>
+            <p:ph idx="1"/>
+          </p:nvPr>
+        </p:nvSpPr>
+        <p:spPr/>
+        <p:txBody>
+          <a:bodyPr>
+            <a:normAutofit/>
+          </a:bodyPr>
+          <a:lstStyle/>
+          <a:p>
+            <a:pPr marL="0" indent="0">
+              <a:buNone/>
+            </a:pPr>
+            <a:r>
+              <a:rPr lang="en-US" sz="2800" dirty="0"/>
+              <a:t>See </a:t>
+            </a:r>
+            <a:r>
+              <a:rPr lang="en-US" sz="2800" b="1" dirty="0"/>
+              <a:t>03-uml-class-diagramming.md</a:t>
+            </a:r>
+            <a:r>
+              <a:rPr lang="en-US" sz="2800" dirty="0"/>
+              <a:t> in the Presentations folder for these topics:</a:t>
+            </a:r>
+          </a:p>
+          <a:p>
+            <a:pPr>
+              <a:buFontTx/>
+              <a:buChar char="-"/>
+            </a:pPr>
+            <a:r>
+              <a:rPr lang="en-US" sz="2800" dirty="0"/>
+              <a:t>Core Concepts and Layout</a:t>
+            </a:r>
+          </a:p>
+          <a:p>
+            <a:pPr>
+              <a:buFontTx/>
+              <a:buChar char="-"/>
+            </a:pPr>
+            <a:r>
+              <a:rPr lang="en-US" sz="2800" dirty="0"/>
+              <a:t>Design constrains (access modifiers)</a:t>
+            </a:r>
+          </a:p>
+          <a:p>
+            <a:pPr>
+              <a:buFontTx/>
+              <a:buChar char="-"/>
+            </a:pPr>
+            <a:r>
+              <a:rPr lang="en-US" sz="2800" dirty="0"/>
+              <a:t>Multiplicity</a:t>
+            </a:r>
+          </a:p>
+        </p:txBody>
+      </p:sp>
+    </p:spTree>
+    <p:extLst>
+      <p:ext uri="{BB962C8B-B14F-4D97-AF65-F5344CB8AC3E}">
+        <p14:creationId xmlns:p14="http://schemas.microsoft.com/office/powerpoint/2010/main" val="586569349"/>
+      </p:ext>
+    </p:extLst>
+  </p:cSld>
+  <p:clrMapOvr>
+    <a:masterClrMapping/>
+  </p:clrMapOvr>
+</p:sld>
+</file>
+
+<file path=ppt/slides/slide30.xml><?xml version="1.0" encoding="utf-8"?>
+<p:sld xmlns:a="http://schemas.openxmlformats.org/drawingml/2006/main" xmlns:r="http://schemas.openxmlformats.org/officeDocument/2006/relationships" xmlns:p="http://schemas.openxmlformats.org/presentationml/2006/main">
+  <p:cSld>
+    <p:spTree>
+      <p:nvGrpSpPr>
+        <p:cNvPr id="1" name=""/>
+        <p:cNvGrpSpPr/>
+        <p:nvPr/>
+      </p:nvGrpSpPr>
+      <p:grpSpPr>
+        <a:xfrm>
+          <a:off x="0" y="0"/>
+          <a:ext cx="0" cy="0"/>
+          <a:chOff x="0" y="0"/>
+          <a:chExt cx="0" cy="0"/>
+        </a:xfrm>
+      </p:grpSpPr>
+      <p:sp>
+        <p:nvSpPr>
           <p:cNvPr id="2" name="Title 1"/>
           <p:cNvSpPr>
             <a:spLocks noGrp="1"/>
@@ -9078,7 +9760,7 @@
 </p:sld>
 </file>
 
-<file path=ppt/slides/slide28.xml><?xml version="1.0" encoding="utf-8"?>
+<file path=ppt/slides/slide31.xml><?xml version="1.0" encoding="utf-8"?>
 <p:sld xmlns:a="http://schemas.openxmlformats.org/drawingml/2006/main" xmlns:r="http://schemas.openxmlformats.org/officeDocument/2006/relationships" xmlns:p="http://schemas.openxmlformats.org/presentationml/2006/main">
   <p:cSld>
     <p:spTree>
@@ -9227,7 +9909,7 @@
 </p:sld>
 </file>
 
-<file path=ppt/slides/slide29.xml><?xml version="1.0" encoding="utf-8"?>
+<file path=ppt/slides/slide32.xml><?xml version="1.0" encoding="utf-8"?>
 <p:sld xmlns:a="http://schemas.openxmlformats.org/drawingml/2006/main" xmlns:r="http://schemas.openxmlformats.org/officeDocument/2006/relationships" xmlns:p="http://schemas.openxmlformats.org/presentationml/2006/main">
   <p:cSld>
     <p:spTree>
@@ -9330,105 +10012,6 @@
         </p:txBody>
       </p:sp>
     </p:spTree>
-  </p:cSld>
-  <p:clrMapOvr>
-    <a:masterClrMapping/>
-  </p:clrMapOvr>
-</p:sld>
-</file>
-
-<file path=ppt/slides/slide3.xml><?xml version="1.0" encoding="utf-8"?>
-<p:sld xmlns:a="http://schemas.openxmlformats.org/drawingml/2006/main" xmlns:r="http://schemas.openxmlformats.org/officeDocument/2006/relationships" xmlns:p="http://schemas.openxmlformats.org/presentationml/2006/main">
-  <p:cSld>
-    <p:spTree>
-      <p:nvGrpSpPr>
-        <p:cNvPr id="1" name=""/>
-        <p:cNvGrpSpPr/>
-        <p:nvPr/>
-      </p:nvGrpSpPr>
-      <p:grpSpPr>
-        <a:xfrm>
-          <a:off x="0" y="0"/>
-          <a:ext cx="0" cy="0"/>
-          <a:chOff x="0" y="0"/>
-          <a:chExt cx="0" cy="0"/>
-        </a:xfrm>
-      </p:grpSpPr>
-      <p:sp>
-        <p:nvSpPr>
-          <p:cNvPr id="2" name="Title 1">
-            <a:extLst>
-              <a:ext uri="{FF2B5EF4-FFF2-40B4-BE49-F238E27FC236}">
-                <a16:creationId xmlns:a16="http://schemas.microsoft.com/office/drawing/2014/main" id="{863445EC-5B27-6C3B-E728-DF9CB64984A0}"/>
-              </a:ext>
-            </a:extLst>
-          </p:cNvPr>
-          <p:cNvSpPr>
-            <a:spLocks noGrp="1"/>
-          </p:cNvSpPr>
-          <p:nvPr>
-            <p:ph type="title"/>
-          </p:nvPr>
-        </p:nvSpPr>
-        <p:spPr/>
-        <p:txBody>
-          <a:bodyPr/>
-          <a:lstStyle/>
-          <a:p>
-            <a:r>
-              <a:rPr lang="en-US" dirty="0"/>
-              <a:t>Lecture Material</a:t>
-            </a:r>
-          </a:p>
-        </p:txBody>
-      </p:sp>
-      <p:sp>
-        <p:nvSpPr>
-          <p:cNvPr id="3" name="Content Placeholder 2">
-            <a:extLst>
-              <a:ext uri="{FF2B5EF4-FFF2-40B4-BE49-F238E27FC236}">
-                <a16:creationId xmlns:a16="http://schemas.microsoft.com/office/drawing/2014/main" id="{50003F46-698E-4FE1-8397-67C3B676A5AA}"/>
-              </a:ext>
-            </a:extLst>
-          </p:cNvPr>
-          <p:cNvSpPr>
-            <a:spLocks noGrp="1"/>
-          </p:cNvSpPr>
-          <p:nvPr>
-            <p:ph idx="1"/>
-          </p:nvPr>
-        </p:nvSpPr>
-        <p:spPr/>
-        <p:txBody>
-          <a:bodyPr>
-            <a:normAutofit/>
-          </a:bodyPr>
-          <a:lstStyle/>
-          <a:p>
-            <a:pPr marL="0" indent="0">
-              <a:buNone/>
-            </a:pPr>
-            <a:r>
-              <a:rPr lang="en-US" sz="2800" dirty="0"/>
-              <a:t>See </a:t>
-            </a:r>
-            <a:r>
-              <a:rPr lang="en-US" sz="2800" b="1" dirty="0"/>
-              <a:t>03-uml-class-diagramming.md</a:t>
-            </a:r>
-            <a:r>
-              <a:rPr lang="en-US" sz="2800" dirty="0"/>
-              <a:t> in the Presentations folder.</a:t>
-            </a:r>
-          </a:p>
-        </p:txBody>
-      </p:sp>
-    </p:spTree>
-    <p:extLst>
-      <p:ext uri="{BB962C8B-B14F-4D97-AF65-F5344CB8AC3E}">
-        <p14:creationId xmlns:p14="http://schemas.microsoft.com/office/powerpoint/2010/main" val="586569349"/>
-      </p:ext>
-    </p:extLst>
   </p:cSld>
   <p:clrMapOvr>
     <a:masterClrMapping/>
@@ -9907,6 +10490,10 @@
           <a:lstStyle/>
           <a:p>
             <a:r>
+              <a:rPr lang="en-US" dirty="0"/>
+              <a:t>Type-Level </a:t>
+            </a:r>
+            <a:r>
               <a:rPr dirty="0"/>
               <a:t>Structural Dependencies</a:t>
             </a:r>
@@ -9994,7 +10581,13 @@
       </p:grpSpPr>
       <p:sp>
         <p:nvSpPr>
-          <p:cNvPr id="2" name="Title 1"/>
+          <p:cNvPr id="2" name="Title 1">
+            <a:extLst>
+              <a:ext uri="{FF2B5EF4-FFF2-40B4-BE49-F238E27FC236}">
+                <a16:creationId xmlns:a16="http://schemas.microsoft.com/office/drawing/2014/main" id="{E4DB5FD6-C4B7-A06D-AB22-2B0C0A9D5393}"/>
+              </a:ext>
+            </a:extLst>
+          </p:cNvPr>
           <p:cNvSpPr>
             <a:spLocks noGrp="1"/>
           </p:cNvSpPr>
@@ -10008,67 +10601,48 @@
           <a:lstStyle/>
           <a:p>
             <a:r>
-              <a:rPr dirty="0"/>
-              <a:t>What Structural Dependencies Reveal</a:t>
-            </a:r>
-          </a:p>
-        </p:txBody>
-      </p:sp>
-      <p:sp>
-        <p:nvSpPr>
-          <p:cNvPr id="3" name="Content Placeholder 2"/>
-          <p:cNvSpPr>
-            <a:spLocks noGrp="1"/>
-          </p:cNvSpPr>
-          <p:nvPr>
-            <p:ph idx="1"/>
-          </p:nvPr>
-        </p:nvSpPr>
-        <p:spPr/>
-        <p:txBody>
-          <a:bodyPr/>
-          <a:lstStyle/>
-          <a:p>
-            <a:pPr marL="0" indent="0">
-              <a:buNone/>
-            </a:pPr>
-            <a:r>
               <a:rPr lang="en-US" dirty="0"/>
-              <a:t>Dense or tangled structures are easier to spot in diagrams than in code. </a:t>
-            </a:r>
-          </a:p>
-          <a:p>
-            <a:pPr marL="0" indent="0">
-              <a:buNone/>
-            </a:pPr>
-            <a:r>
-              <a:rPr lang="en-US" dirty="0"/>
-              <a:t>This is often where students first notice over-coupling or god classes.</a:t>
-            </a:r>
-          </a:p>
-          <a:p>
-            <a:r>
-              <a:rPr dirty="0"/>
-              <a:t>Object lifetime relationships</a:t>
-            </a:r>
-          </a:p>
-          <a:p>
-            <a:pPr lvl="1"/>
-            <a:r>
-              <a:rPr dirty="0"/>
-              <a:t>Tight vs loose coupling</a:t>
-            </a:r>
-          </a:p>
-          <a:p>
-            <a:pPr lvl="1"/>
-            <a:r>
-              <a:rPr dirty="0"/>
-              <a:t>Potential design smells</a:t>
-            </a:r>
-          </a:p>
-        </p:txBody>
-      </p:sp>
+              <a:t>Inheritance / Type-Level Structural</a:t>
+            </a:r>
+          </a:p>
+        </p:txBody>
+      </p:sp>
+      <p:pic>
+        <p:nvPicPr>
+          <p:cNvPr id="4" name="Picture 3">
+            <a:extLst>
+              <a:ext uri="{FF2B5EF4-FFF2-40B4-BE49-F238E27FC236}">
+                <a16:creationId xmlns:a16="http://schemas.microsoft.com/office/drawing/2014/main" id="{BAD5A334-2414-CDA8-4714-6C060783A27D}"/>
+              </a:ext>
+            </a:extLst>
+          </p:cNvPr>
+          <p:cNvPicPr>
+            <a:picLocks noChangeAspect="1"/>
+          </p:cNvPicPr>
+          <p:nvPr/>
+        </p:nvPicPr>
+        <p:blipFill>
+          <a:blip r:embed="rId2"/>
+          <a:stretch>
+            <a:fillRect/>
+          </a:stretch>
+        </p:blipFill>
+        <p:spPr>
+          <a:xfrm>
+            <a:off x="4366943" y="1601078"/>
+            <a:ext cx="3458114" cy="4972715"/>
+          </a:xfrm>
+          <a:prstGeom prst="rect">
+            <a:avLst/>
+          </a:prstGeom>
+        </p:spPr>
+      </p:pic>
     </p:spTree>
+    <p:extLst>
+      <p:ext uri="{BB962C8B-B14F-4D97-AF65-F5344CB8AC3E}">
+        <p14:creationId xmlns:p14="http://schemas.microsoft.com/office/powerpoint/2010/main" val="2685170452"/>
+      </p:ext>
+    </p:extLst>
   </p:cSld>
   <p:clrMapOvr>
     <a:masterClrMapping/>
